--- a/Documentation/Презентация к защите.pptx
+++ b/Documentation/Презентация к защите.pptx
@@ -6,16 +6,15 @@
   </p:sldMasterIdLst>
   <p:sldIdLst>
     <p:sldId id="256" r:id="rId2"/>
-    <p:sldId id="257" r:id="rId3"/>
-    <p:sldId id="261" r:id="rId4"/>
-    <p:sldId id="262" r:id="rId5"/>
-    <p:sldId id="263" r:id="rId6"/>
-    <p:sldId id="264" r:id="rId7"/>
-    <p:sldId id="265" r:id="rId8"/>
-    <p:sldId id="266" r:id="rId9"/>
-    <p:sldId id="260" r:id="rId10"/>
-    <p:sldId id="259" r:id="rId11"/>
-    <p:sldId id="258" r:id="rId12"/>
+    <p:sldId id="261" r:id="rId3"/>
+    <p:sldId id="262" r:id="rId4"/>
+    <p:sldId id="267" r:id="rId5"/>
+    <p:sldId id="264" r:id="rId6"/>
+    <p:sldId id="265" r:id="rId7"/>
+    <p:sldId id="266" r:id="rId8"/>
+    <p:sldId id="260" r:id="rId9"/>
+    <p:sldId id="259" r:id="rId10"/>
+    <p:sldId id="258" r:id="rId11"/>
   </p:sldIdLst>
   <p:sldSz cx="12192000" cy="6858000"/>
   <p:notesSz cx="6858000" cy="9144000"/>
@@ -253,7 +252,7 @@
           <a:p>
             <a:fld id="{13AB8811-2AAB-419B-BBE2-BFA2B9063CD6}" type="datetimeFigureOut">
               <a:rPr lang="ru-RU" smtClean="0"/>
-              <a:t>12.06.2019</a:t>
+              <a:t>13.06.2019</a:t>
             </a:fld>
             <a:endParaRPr lang="ru-RU"/>
           </a:p>
@@ -423,7 +422,7 @@
           <a:p>
             <a:fld id="{13AB8811-2AAB-419B-BBE2-BFA2B9063CD6}" type="datetimeFigureOut">
               <a:rPr lang="ru-RU" smtClean="0"/>
-              <a:t>12.06.2019</a:t>
+              <a:t>13.06.2019</a:t>
             </a:fld>
             <a:endParaRPr lang="ru-RU"/>
           </a:p>
@@ -603,7 +602,7 @@
           <a:p>
             <a:fld id="{13AB8811-2AAB-419B-BBE2-BFA2B9063CD6}" type="datetimeFigureOut">
               <a:rPr lang="ru-RU" smtClean="0"/>
-              <a:t>12.06.2019</a:t>
+              <a:t>13.06.2019</a:t>
             </a:fld>
             <a:endParaRPr lang="ru-RU"/>
           </a:p>
@@ -773,7 +772,7 @@
           <a:p>
             <a:fld id="{13AB8811-2AAB-419B-BBE2-BFA2B9063CD6}" type="datetimeFigureOut">
               <a:rPr lang="ru-RU" smtClean="0"/>
-              <a:t>12.06.2019</a:t>
+              <a:t>13.06.2019</a:t>
             </a:fld>
             <a:endParaRPr lang="ru-RU"/>
           </a:p>
@@ -1019,7 +1018,7 @@
           <a:p>
             <a:fld id="{13AB8811-2AAB-419B-BBE2-BFA2B9063CD6}" type="datetimeFigureOut">
               <a:rPr lang="ru-RU" smtClean="0"/>
-              <a:t>12.06.2019</a:t>
+              <a:t>13.06.2019</a:t>
             </a:fld>
             <a:endParaRPr lang="ru-RU"/>
           </a:p>
@@ -1251,7 +1250,7 @@
           <a:p>
             <a:fld id="{13AB8811-2AAB-419B-BBE2-BFA2B9063CD6}" type="datetimeFigureOut">
               <a:rPr lang="ru-RU" smtClean="0"/>
-              <a:t>12.06.2019</a:t>
+              <a:t>13.06.2019</a:t>
             </a:fld>
             <a:endParaRPr lang="ru-RU"/>
           </a:p>
@@ -1618,7 +1617,7 @@
           <a:p>
             <a:fld id="{13AB8811-2AAB-419B-BBE2-BFA2B9063CD6}" type="datetimeFigureOut">
               <a:rPr lang="ru-RU" smtClean="0"/>
-              <a:t>12.06.2019</a:t>
+              <a:t>13.06.2019</a:t>
             </a:fld>
             <a:endParaRPr lang="ru-RU"/>
           </a:p>
@@ -1736,7 +1735,7 @@
           <a:p>
             <a:fld id="{13AB8811-2AAB-419B-BBE2-BFA2B9063CD6}" type="datetimeFigureOut">
               <a:rPr lang="ru-RU" smtClean="0"/>
-              <a:t>12.06.2019</a:t>
+              <a:t>13.06.2019</a:t>
             </a:fld>
             <a:endParaRPr lang="ru-RU"/>
           </a:p>
@@ -1831,7 +1830,7 @@
           <a:p>
             <a:fld id="{13AB8811-2AAB-419B-BBE2-BFA2B9063CD6}" type="datetimeFigureOut">
               <a:rPr lang="ru-RU" smtClean="0"/>
-              <a:t>12.06.2019</a:t>
+              <a:t>13.06.2019</a:t>
             </a:fld>
             <a:endParaRPr lang="ru-RU"/>
           </a:p>
@@ -2108,7 +2107,7 @@
           <a:p>
             <a:fld id="{13AB8811-2AAB-419B-BBE2-BFA2B9063CD6}" type="datetimeFigureOut">
               <a:rPr lang="ru-RU" smtClean="0"/>
-              <a:t>12.06.2019</a:t>
+              <a:t>13.06.2019</a:t>
             </a:fld>
             <a:endParaRPr lang="ru-RU"/>
           </a:p>
@@ -2361,7 +2360,7 @@
           <a:p>
             <a:fld id="{13AB8811-2AAB-419B-BBE2-BFA2B9063CD6}" type="datetimeFigureOut">
               <a:rPr lang="ru-RU" smtClean="0"/>
-              <a:t>12.06.2019</a:t>
+              <a:t>13.06.2019</a:t>
             </a:fld>
             <a:endParaRPr lang="ru-RU"/>
           </a:p>
@@ -2574,7 +2573,7 @@
           <a:p>
             <a:fld id="{13AB8811-2AAB-419B-BBE2-BFA2B9063CD6}" type="datetimeFigureOut">
               <a:rPr lang="ru-RU" smtClean="0"/>
-              <a:t>12.06.2019</a:t>
+              <a:t>13.06.2019</a:t>
             </a:fld>
             <a:endParaRPr lang="ru-RU"/>
           </a:p>
@@ -3506,18 +3505,18 @@
       </p:grpSpPr>
       <p:sp>
         <p:nvSpPr>
-          <p:cNvPr id="2" name="Заголовок 1"/>
-          <p:cNvSpPr>
-            <a:spLocks noGrp="1"/>
-          </p:cNvSpPr>
-          <p:nvPr>
-            <p:ph type="title"/>
+          <p:cNvPr id="3" name="Объект 2"/>
+          <p:cNvSpPr>
+            <a:spLocks noGrp="1"/>
+          </p:cNvSpPr>
+          <p:nvPr>
+            <p:ph idx="1"/>
           </p:nvPr>
         </p:nvSpPr>
         <p:spPr>
           <a:xfrm>
-            <a:off x="0" y="0"/>
-            <a:ext cx="12192000" cy="1325563"/>
+            <a:off x="0" y="3089085"/>
+            <a:ext cx="12192000" cy="679831"/>
           </a:xfrm>
         </p:spPr>
         <p:txBody>
@@ -3526,6 +3525,9 @@
           </a:bodyPr>
           <a:lstStyle/>
           <a:p>
+            <a:pPr marL="0" indent="0" algn="ctr">
+              <a:buNone/>
+            </a:pPr>
             <a:r>
               <a:rPr lang="ru-RU" sz="4000" dirty="0" smtClean="0">
                 <a:effectLst>
@@ -3538,7 +3540,7 @@
                 <a:latin typeface="Times New Roman" panose="02020603050405020304" pitchFamily="18" charset="0"/>
                 <a:cs typeface="Times New Roman" panose="02020603050405020304" pitchFamily="18" charset="0"/>
               </a:rPr>
-              <a:t>Заключение</a:t>
+              <a:t>Спасибо за внимание</a:t>
             </a:r>
             <a:endParaRPr lang="ru-RU" sz="4000" dirty="0">
               <a:effectLst>
@@ -3554,6 +3556,151 @@
           </a:p>
         </p:txBody>
       </p:sp>
+    </p:spTree>
+    <p:extLst>
+      <p:ext uri="{BB962C8B-B14F-4D97-AF65-F5344CB8AC3E}">
+        <p14:creationId xmlns:p14="http://schemas.microsoft.com/office/powerpoint/2010/main" val="2784104509"/>
+      </p:ext>
+    </p:extLst>
+  </p:cSld>
+  <p:clrMapOvr>
+    <a:masterClrMapping/>
+  </p:clrMapOvr>
+  <p:timing>
+    <p:tnLst>
+      <p:par>
+        <p:cTn id="1" dur="indefinite" restart="never" nodeType="tmRoot"/>
+      </p:par>
+    </p:tnLst>
+  </p:timing>
+</p:sld>
+</file>
+
+<file path=ppt/slides/slide2.xml><?xml version="1.0" encoding="utf-8"?>
+<p:sld xmlns:a="http://schemas.openxmlformats.org/drawingml/2006/main" xmlns:r="http://schemas.openxmlformats.org/officeDocument/2006/relationships" xmlns:p="http://schemas.openxmlformats.org/presentationml/2006/main">
+  <p:cSld>
+    <p:spTree>
+      <p:nvGrpSpPr>
+        <p:cNvPr id="1" name=""/>
+        <p:cNvGrpSpPr/>
+        <p:nvPr/>
+      </p:nvGrpSpPr>
+      <p:grpSpPr>
+        <a:xfrm>
+          <a:off x="0" y="0"/>
+          <a:ext cx="0" cy="0"/>
+          <a:chOff x="0" y="0"/>
+          <a:chExt cx="0" cy="0"/>
+        </a:xfrm>
+      </p:grpSpPr>
+      <p:sp>
+        <p:nvSpPr>
+          <p:cNvPr id="2" name="Заголовок 1"/>
+          <p:cNvSpPr>
+            <a:spLocks noGrp="1"/>
+          </p:cNvSpPr>
+          <p:nvPr>
+            <p:ph type="title"/>
+          </p:nvPr>
+        </p:nvSpPr>
+        <p:spPr>
+          <a:xfrm>
+            <a:off x="0" y="0"/>
+            <a:ext cx="12192000" cy="1325563"/>
+          </a:xfrm>
+        </p:spPr>
+        <p:txBody>
+          <a:bodyPr>
+            <a:normAutofit/>
+          </a:bodyPr>
+          <a:lstStyle/>
+          <a:p>
+            <a:r>
+              <a:rPr lang="ru-RU" sz="4000" dirty="0" smtClean="0">
+                <a:effectLst>
+                  <a:outerShdw blurRad="38100" dist="38100" dir="2700000" algn="tl">
+                    <a:srgbClr val="000000">
+                      <a:alpha val="43137"/>
+                    </a:srgbClr>
+                  </a:outerShdw>
+                </a:effectLst>
+                <a:latin typeface="Times New Roman" panose="02020603050405020304" pitchFamily="18" charset="0"/>
+                <a:cs typeface="Times New Roman" panose="02020603050405020304" pitchFamily="18" charset="0"/>
+              </a:rPr>
+              <a:t>Предмет и объект исследования</a:t>
+            </a:r>
+            <a:endParaRPr lang="ru-RU" sz="4000" dirty="0">
+              <a:effectLst>
+                <a:outerShdw blurRad="38100" dist="38100" dir="2700000" algn="tl">
+                  <a:srgbClr val="000000">
+                    <a:alpha val="43137"/>
+                  </a:srgbClr>
+                </a:outerShdw>
+              </a:effectLst>
+              <a:latin typeface="Times New Roman" panose="02020603050405020304" pitchFamily="18" charset="0"/>
+              <a:cs typeface="Times New Roman" panose="02020603050405020304" pitchFamily="18" charset="0"/>
+            </a:endParaRPr>
+          </a:p>
+        </p:txBody>
+      </p:sp>
+      <p:sp>
+        <p:nvSpPr>
+          <p:cNvPr id="3" name="Объект 2"/>
+          <p:cNvSpPr>
+            <a:spLocks noGrp="1"/>
+          </p:cNvSpPr>
+          <p:nvPr>
+            <p:ph idx="1"/>
+          </p:nvPr>
+        </p:nvSpPr>
+        <p:spPr>
+          <a:xfrm>
+            <a:off x="1348740" y="2261394"/>
+            <a:ext cx="9494520" cy="893286"/>
+          </a:xfrm>
+        </p:spPr>
+        <p:txBody>
+          <a:bodyPr>
+            <a:noAutofit/>
+          </a:bodyPr>
+          <a:lstStyle/>
+          <a:p>
+            <a:pPr marL="0" indent="0" algn="ctr">
+              <a:buNone/>
+            </a:pPr>
+            <a:r>
+              <a:rPr lang="ru-RU" sz="2400" b="1" dirty="0" smtClean="0">
+                <a:latin typeface="Times New Roman" panose="02020603050405020304" pitchFamily="18" charset="0"/>
+                <a:cs typeface="Times New Roman" panose="02020603050405020304" pitchFamily="18" charset="0"/>
+              </a:rPr>
+              <a:t>Объект исследования: </a:t>
+            </a:r>
+          </a:p>
+          <a:p>
+            <a:pPr marL="0" indent="0" algn="ctr">
+              <a:buNone/>
+            </a:pPr>
+            <a:r>
+              <a:rPr lang="ru-RU" sz="2400" dirty="0">
+                <a:latin typeface="Times New Roman" panose="02020603050405020304" pitchFamily="18" charset="0"/>
+                <a:cs typeface="Times New Roman" panose="02020603050405020304" pitchFamily="18" charset="0"/>
+              </a:rPr>
+              <a:t>к</a:t>
+            </a:r>
+            <a:r>
+              <a:rPr lang="ru-RU" sz="2400" dirty="0" smtClean="0">
+                <a:latin typeface="Times New Roman" panose="02020603050405020304" pitchFamily="18" charset="0"/>
+                <a:cs typeface="Times New Roman" panose="02020603050405020304" pitchFamily="18" charset="0"/>
+              </a:rPr>
+              <a:t>риптография</a:t>
+            </a:r>
+            <a:endParaRPr lang="ru-RU" sz="2400" dirty="0">
+              <a:latin typeface="Times New Roman" panose="02020603050405020304" pitchFamily="18" charset="0"/>
+              <a:cs typeface="Times New Roman" panose="02020603050405020304" pitchFamily="18" charset="0"/>
+            </a:endParaRPr>
+          </a:p>
+        </p:txBody>
+      </p:sp>
       <p:sp>
         <p:nvSpPr>
           <p:cNvPr id="4" name="Объект 2"/>
@@ -3564,8 +3711,8 @@
         </p:nvSpPr>
         <p:spPr>
           <a:xfrm>
-            <a:off x="1148715" y="1428672"/>
-            <a:ext cx="9894570" cy="4000657"/>
+            <a:off x="1348740" y="3837305"/>
+            <a:ext cx="9494520" cy="1274191"/>
           </a:xfrm>
           <a:prstGeom prst="rect">
             <a:avLst/>
@@ -3740,417 +3887,46 @@
             </a:lvl9pPr>
           </a:lstStyle>
           <a:p>
-            <a:pPr marL="0" indent="0">
+            <a:pPr marL="0" indent="0" algn="ctr">
               <a:buNone/>
             </a:pPr>
             <a:r>
-              <a:rPr lang="ru-RU" sz="2400" b="1" dirty="0">
-                <a:latin typeface="Times New Roman" panose="02020603050405020304" pitchFamily="18" charset="0"/>
-                <a:cs typeface="Times New Roman" panose="02020603050405020304" pitchFamily="18" charset="0"/>
-              </a:rPr>
-              <a:t>Для достижения поставленной цели были решены следующие задачи:</a:t>
-            </a:r>
-          </a:p>
-          <a:p>
-            <a:pPr lvl="0"/>
-            <a:r>
-              <a:rPr lang="ru-RU" sz="2400" dirty="0">
-                <a:latin typeface="Times New Roman" panose="02020603050405020304" pitchFamily="18" charset="0"/>
-                <a:cs typeface="Times New Roman" panose="02020603050405020304" pitchFamily="18" charset="0"/>
-              </a:rPr>
-              <a:t>детальное изучение предметной области;</a:t>
-            </a:r>
-          </a:p>
-          <a:p>
-            <a:pPr lvl="0"/>
-            <a:r>
-              <a:rPr lang="ru-RU" sz="2400" dirty="0">
-                <a:latin typeface="Times New Roman" panose="02020603050405020304" pitchFamily="18" charset="0"/>
-                <a:cs typeface="Times New Roman" panose="02020603050405020304" pitchFamily="18" charset="0"/>
-              </a:rPr>
-              <a:t>проведение сравнительного анализ и на его основе выбор наиболее эффективных алгоритмов шифрования и дешифрования;</a:t>
-            </a:r>
-          </a:p>
-          <a:p>
-            <a:r>
-              <a:rPr lang="ru-RU" sz="2400" dirty="0">
-                <a:latin typeface="Times New Roman" panose="02020603050405020304" pitchFamily="18" charset="0"/>
-                <a:cs typeface="Times New Roman" panose="02020603050405020304" pitchFamily="18" charset="0"/>
-              </a:rPr>
-              <a:t>составление необходимых диаграмм и схем</a:t>
-            </a:r>
-            <a:r>
-              <a:rPr lang="ru-RU" sz="2400" dirty="0" smtClean="0">
-                <a:latin typeface="Times New Roman" panose="02020603050405020304" pitchFamily="18" charset="0"/>
-                <a:cs typeface="Times New Roman" panose="02020603050405020304" pitchFamily="18" charset="0"/>
-              </a:rPr>
-              <a:t>;</a:t>
-            </a:r>
-          </a:p>
-          <a:p>
-            <a:pPr lvl="0"/>
-            <a:r>
-              <a:rPr lang="ru-RU" sz="2400" dirty="0">
-                <a:latin typeface="Times New Roman" panose="02020603050405020304" pitchFamily="18" charset="0"/>
-                <a:cs typeface="Times New Roman" panose="02020603050405020304" pitchFamily="18" charset="0"/>
-              </a:rPr>
-              <a:t>выбор подходящих для разработки инструментальных средств</a:t>
-            </a:r>
-            <a:r>
-              <a:rPr lang="ru-RU" sz="2400" dirty="0" smtClean="0">
-                <a:latin typeface="Times New Roman" panose="02020603050405020304" pitchFamily="18" charset="0"/>
-                <a:cs typeface="Times New Roman" panose="02020603050405020304" pitchFamily="18" charset="0"/>
-              </a:rPr>
-              <a:t>;</a:t>
-            </a:r>
-          </a:p>
-          <a:p>
-            <a:pPr lvl="0"/>
-            <a:r>
-              <a:rPr lang="ru-RU" sz="2400" dirty="0" smtClean="0">
-                <a:latin typeface="Times New Roman" panose="02020603050405020304" pitchFamily="18" charset="0"/>
-                <a:cs typeface="Times New Roman" panose="02020603050405020304" pitchFamily="18" charset="0"/>
-              </a:rPr>
-              <a:t>реализация </a:t>
-            </a:r>
-            <a:r>
-              <a:rPr lang="ru-RU" sz="2400" dirty="0">
-                <a:latin typeface="Times New Roman" panose="02020603050405020304" pitchFamily="18" charset="0"/>
-                <a:cs typeface="Times New Roman" panose="02020603050405020304" pitchFamily="18" charset="0"/>
-              </a:rPr>
-              <a:t>функциональных и нефункциональных </a:t>
-            </a:r>
-            <a:r>
-              <a:rPr lang="ru-RU" sz="2400" dirty="0" smtClean="0">
-                <a:latin typeface="Times New Roman" panose="02020603050405020304" pitchFamily="18" charset="0"/>
-                <a:cs typeface="Times New Roman" panose="02020603050405020304" pitchFamily="18" charset="0"/>
-              </a:rPr>
-              <a:t>требований;</a:t>
-            </a:r>
-            <a:endParaRPr lang="ru-RU" sz="2400" dirty="0">
+              <a:rPr lang="ru-RU" sz="2400" b="1" dirty="0" smtClean="0">
+                <a:latin typeface="Times New Roman" panose="02020603050405020304" pitchFamily="18" charset="0"/>
+                <a:cs typeface="Times New Roman" panose="02020603050405020304" pitchFamily="18" charset="0"/>
+              </a:rPr>
+              <a:t>Предмет исследования: </a:t>
+            </a:r>
+            <a:endParaRPr lang="ru-RU" sz="2400" b="1" dirty="0">
               <a:latin typeface="Times New Roman" panose="02020603050405020304" pitchFamily="18" charset="0"/>
               <a:cs typeface="Times New Roman" panose="02020603050405020304" pitchFamily="18" charset="0"/>
             </a:endParaRPr>
           </a:p>
           <a:p>
+            <a:pPr marL="0" indent="0" algn="ctr">
+              <a:buNone/>
+            </a:pPr>
             <a:r>
               <a:rPr lang="ru-RU" sz="2400" dirty="0" smtClean="0">
                 <a:latin typeface="Times New Roman" panose="02020603050405020304" pitchFamily="18" charset="0"/>
                 <a:cs typeface="Times New Roman" panose="02020603050405020304" pitchFamily="18" charset="0"/>
               </a:rPr>
-              <a:t>тестирование </a:t>
+              <a:t>математические </a:t>
             </a:r>
             <a:r>
               <a:rPr lang="ru-RU" sz="2400" dirty="0">
                 <a:latin typeface="Times New Roman" panose="02020603050405020304" pitchFamily="18" charset="0"/>
                 <a:cs typeface="Times New Roman" panose="02020603050405020304" pitchFamily="18" charset="0"/>
               </a:rPr>
-              <a:t>и отладка </a:t>
-            </a:r>
-            <a:r>
-              <a:rPr lang="ru-RU" sz="2400" dirty="0" smtClean="0">
-                <a:latin typeface="Times New Roman" panose="02020603050405020304" pitchFamily="18" charset="0"/>
-                <a:cs typeface="Times New Roman" panose="02020603050405020304" pitchFamily="18" charset="0"/>
-              </a:rPr>
-              <a:t>программы</a:t>
-            </a:r>
-            <a:r>
-              <a:rPr lang="ru-RU" sz="2400" dirty="0">
-                <a:latin typeface="Times New Roman" panose="02020603050405020304" pitchFamily="18" charset="0"/>
-                <a:cs typeface="Times New Roman" panose="02020603050405020304" pitchFamily="18" charset="0"/>
-              </a:rPr>
-              <a:t>;</a:t>
-            </a:r>
-            <a:endParaRPr lang="en-US" sz="2400" dirty="0" smtClean="0">
-              <a:latin typeface="Times New Roman" panose="02020603050405020304" pitchFamily="18" charset="0"/>
-              <a:cs typeface="Times New Roman" panose="02020603050405020304" pitchFamily="18" charset="0"/>
-            </a:endParaRPr>
-          </a:p>
-          <a:p>
-            <a:r>
-              <a:rPr lang="ru-RU" sz="2400" dirty="0" smtClean="0">
-                <a:latin typeface="Times New Roman" panose="02020603050405020304" pitchFamily="18" charset="0"/>
-                <a:cs typeface="Times New Roman" panose="02020603050405020304" pitchFamily="18" charset="0"/>
-              </a:rPr>
-              <a:t>составление руководства </a:t>
-            </a:r>
-            <a:r>
-              <a:rPr lang="ru-RU" sz="2400" dirty="0">
-                <a:latin typeface="Times New Roman" panose="02020603050405020304" pitchFamily="18" charset="0"/>
-                <a:cs typeface="Times New Roman" panose="02020603050405020304" pitchFamily="18" charset="0"/>
-              </a:rPr>
-              <a:t>по использованию программы</a:t>
-            </a:r>
-            <a:r>
-              <a:rPr lang="ru-RU" sz="2400" dirty="0" smtClean="0">
-                <a:latin typeface="Times New Roman" panose="02020603050405020304" pitchFamily="18" charset="0"/>
-                <a:cs typeface="Times New Roman" panose="02020603050405020304" pitchFamily="18" charset="0"/>
-              </a:rPr>
-              <a:t>.</a:t>
-            </a:r>
-            <a:endParaRPr lang="ru-RU" sz="2000" dirty="0">
-              <a:latin typeface="Times New Roman" panose="02020603050405020304" pitchFamily="18" charset="0"/>
-              <a:cs typeface="Times New Roman" panose="02020603050405020304" pitchFamily="18" charset="0"/>
-            </a:endParaRPr>
+              <a:t>методы кодирования информации в современной криптографии</a:t>
+            </a:r>
           </a:p>
         </p:txBody>
       </p:sp>
     </p:spTree>
     <p:extLst>
       <p:ext uri="{BB962C8B-B14F-4D97-AF65-F5344CB8AC3E}">
-        <p14:creationId xmlns:p14="http://schemas.microsoft.com/office/powerpoint/2010/main" val="3339617309"/>
-      </p:ext>
-    </p:extLst>
-  </p:cSld>
-  <p:clrMapOvr>
-    <a:masterClrMapping/>
-  </p:clrMapOvr>
-  <p:timing>
-    <p:tnLst>
-      <p:par>
-        <p:cTn id="1" dur="indefinite" restart="never" nodeType="tmRoot"/>
-      </p:par>
-    </p:tnLst>
-  </p:timing>
-</p:sld>
-</file>
-
-<file path=ppt/slides/slide11.xml><?xml version="1.0" encoding="utf-8"?>
-<p:sld xmlns:a="http://schemas.openxmlformats.org/drawingml/2006/main" xmlns:r="http://schemas.openxmlformats.org/officeDocument/2006/relationships" xmlns:p="http://schemas.openxmlformats.org/presentationml/2006/main">
-  <p:cSld>
-    <p:spTree>
-      <p:nvGrpSpPr>
-        <p:cNvPr id="1" name=""/>
-        <p:cNvGrpSpPr/>
-        <p:nvPr/>
-      </p:nvGrpSpPr>
-      <p:grpSpPr>
-        <a:xfrm>
-          <a:off x="0" y="0"/>
-          <a:ext cx="0" cy="0"/>
-          <a:chOff x="0" y="0"/>
-          <a:chExt cx="0" cy="0"/>
-        </a:xfrm>
-      </p:grpSpPr>
-      <p:sp>
-        <p:nvSpPr>
-          <p:cNvPr id="3" name="Объект 2"/>
-          <p:cNvSpPr>
-            <a:spLocks noGrp="1"/>
-          </p:cNvSpPr>
-          <p:nvPr>
-            <p:ph idx="1"/>
-          </p:nvPr>
-        </p:nvSpPr>
-        <p:spPr>
-          <a:xfrm>
-            <a:off x="0" y="3089085"/>
-            <a:ext cx="12192000" cy="679831"/>
-          </a:xfrm>
-        </p:spPr>
-        <p:txBody>
-          <a:bodyPr>
-            <a:normAutofit/>
-          </a:bodyPr>
-          <a:lstStyle/>
-          <a:p>
-            <a:pPr marL="0" indent="0" algn="ctr">
-              <a:buNone/>
-            </a:pPr>
-            <a:r>
-              <a:rPr lang="ru-RU" sz="4000" dirty="0" smtClean="0">
-                <a:effectLst>
-                  <a:outerShdw blurRad="38100" dist="38100" dir="2700000" algn="tl">
-                    <a:srgbClr val="000000">
-                      <a:alpha val="43137"/>
-                    </a:srgbClr>
-                  </a:outerShdw>
-                </a:effectLst>
-                <a:latin typeface="Times New Roman" panose="02020603050405020304" pitchFamily="18" charset="0"/>
-                <a:cs typeface="Times New Roman" panose="02020603050405020304" pitchFamily="18" charset="0"/>
-              </a:rPr>
-              <a:t>Спасибо за внимание</a:t>
-            </a:r>
-            <a:endParaRPr lang="ru-RU" sz="4000" dirty="0">
-              <a:effectLst>
-                <a:outerShdw blurRad="38100" dist="38100" dir="2700000" algn="tl">
-                  <a:srgbClr val="000000">
-                    <a:alpha val="43137"/>
-                  </a:srgbClr>
-                </a:outerShdw>
-              </a:effectLst>
-              <a:latin typeface="Times New Roman" panose="02020603050405020304" pitchFamily="18" charset="0"/>
-              <a:cs typeface="Times New Roman" panose="02020603050405020304" pitchFamily="18" charset="0"/>
-            </a:endParaRPr>
-          </a:p>
-        </p:txBody>
-      </p:sp>
-    </p:spTree>
-    <p:extLst>
-      <p:ext uri="{BB962C8B-B14F-4D97-AF65-F5344CB8AC3E}">
-        <p14:creationId xmlns:p14="http://schemas.microsoft.com/office/powerpoint/2010/main" val="2784104509"/>
-      </p:ext>
-    </p:extLst>
-  </p:cSld>
-  <p:clrMapOvr>
-    <a:masterClrMapping/>
-  </p:clrMapOvr>
-  <p:timing>
-    <p:tnLst>
-      <p:par>
-        <p:cTn id="1" dur="indefinite" restart="never" nodeType="tmRoot"/>
-      </p:par>
-    </p:tnLst>
-  </p:timing>
-</p:sld>
-</file>
-
-<file path=ppt/slides/slide2.xml><?xml version="1.0" encoding="utf-8"?>
-<p:sld xmlns:a="http://schemas.openxmlformats.org/drawingml/2006/main" xmlns:r="http://schemas.openxmlformats.org/officeDocument/2006/relationships" xmlns:p="http://schemas.openxmlformats.org/presentationml/2006/main">
-  <p:cSld>
-    <p:spTree>
-      <p:nvGrpSpPr>
-        <p:cNvPr id="1" name=""/>
-        <p:cNvGrpSpPr/>
-        <p:nvPr/>
-      </p:nvGrpSpPr>
-      <p:grpSpPr>
-        <a:xfrm>
-          <a:off x="0" y="0"/>
-          <a:ext cx="0" cy="0"/>
-          <a:chOff x="0" y="0"/>
-          <a:chExt cx="0" cy="0"/>
-        </a:xfrm>
-      </p:grpSpPr>
-      <p:sp>
-        <p:nvSpPr>
-          <p:cNvPr id="2" name="Заголовок 1"/>
-          <p:cNvSpPr>
-            <a:spLocks noGrp="1"/>
-          </p:cNvSpPr>
-          <p:nvPr>
-            <p:ph type="title"/>
-          </p:nvPr>
-        </p:nvSpPr>
-        <p:spPr>
-          <a:xfrm>
-            <a:off x="0" y="0"/>
-            <a:ext cx="12192000" cy="1325563"/>
-          </a:xfrm>
-        </p:spPr>
-        <p:txBody>
-          <a:bodyPr>
-            <a:normAutofit/>
-          </a:bodyPr>
-          <a:lstStyle/>
-          <a:p>
-            <a:r>
-              <a:rPr lang="ru-RU" sz="4000" dirty="0" smtClean="0">
-                <a:effectLst>
-                  <a:outerShdw blurRad="38100" dist="38100" dir="2700000" algn="tl">
-                    <a:srgbClr val="000000">
-                      <a:alpha val="43137"/>
-                    </a:srgbClr>
-                  </a:outerShdw>
-                </a:effectLst>
-                <a:latin typeface="Times New Roman" panose="02020603050405020304" pitchFamily="18" charset="0"/>
-                <a:cs typeface="Times New Roman" panose="02020603050405020304" pitchFamily="18" charset="0"/>
-              </a:rPr>
-              <a:t>Обоснование актуальности</a:t>
-            </a:r>
-            <a:endParaRPr lang="ru-RU" sz="4000" dirty="0">
-              <a:effectLst>
-                <a:outerShdw blurRad="38100" dist="38100" dir="2700000" algn="tl">
-                  <a:srgbClr val="000000">
-                    <a:alpha val="43137"/>
-                  </a:srgbClr>
-                </a:outerShdw>
-              </a:effectLst>
-              <a:latin typeface="Times New Roman" panose="02020603050405020304" pitchFamily="18" charset="0"/>
-              <a:cs typeface="Times New Roman" panose="02020603050405020304" pitchFamily="18" charset="0"/>
-            </a:endParaRPr>
-          </a:p>
-        </p:txBody>
-      </p:sp>
-      <p:sp>
-        <p:nvSpPr>
-          <p:cNvPr id="3" name="Объект 2"/>
-          <p:cNvSpPr>
-            <a:spLocks noGrp="1"/>
-          </p:cNvSpPr>
-          <p:nvPr>
-            <p:ph idx="1"/>
-          </p:nvPr>
-        </p:nvSpPr>
-        <p:spPr>
-          <a:xfrm>
-            <a:off x="1174242" y="2038319"/>
-            <a:ext cx="9843516" cy="2781363"/>
-          </a:xfrm>
-        </p:spPr>
-        <p:txBody>
-          <a:bodyPr>
-            <a:normAutofit/>
-          </a:bodyPr>
-          <a:lstStyle/>
-          <a:p>
-            <a:pPr marL="0" indent="0">
-              <a:buNone/>
-            </a:pPr>
-            <a:r>
-              <a:rPr lang="ru-RU" sz="2400" dirty="0">
-                <a:latin typeface="Times New Roman" panose="02020603050405020304" pitchFamily="18" charset="0"/>
-                <a:cs typeface="Times New Roman" panose="02020603050405020304" pitchFamily="18" charset="0"/>
-              </a:rPr>
-              <a:t>На сегодняшний день криптография является одним из наиболее мощных средств обеспечения конфиденциальности и контроля целостности </a:t>
-            </a:r>
-            <a:r>
-              <a:rPr lang="ru-RU" sz="2400" dirty="0" smtClean="0">
-                <a:latin typeface="Times New Roman" panose="02020603050405020304" pitchFamily="18" charset="0"/>
-                <a:cs typeface="Times New Roman" panose="02020603050405020304" pitchFamily="18" charset="0"/>
-              </a:rPr>
-              <a:t>информации</a:t>
-            </a:r>
-            <a:endParaRPr lang="en-US" sz="2400" dirty="0">
-              <a:latin typeface="Times New Roman" panose="02020603050405020304" pitchFamily="18" charset="0"/>
-              <a:cs typeface="Times New Roman" panose="02020603050405020304" pitchFamily="18" charset="0"/>
-            </a:endParaRPr>
-          </a:p>
-          <a:p>
-            <a:endParaRPr lang="ru-RU" sz="2400" dirty="0" smtClean="0">
-              <a:latin typeface="Times New Roman" panose="02020603050405020304" pitchFamily="18" charset="0"/>
-              <a:cs typeface="Times New Roman" panose="02020603050405020304" pitchFamily="18" charset="0"/>
-            </a:endParaRPr>
-          </a:p>
-          <a:p>
-            <a:pPr marL="0" indent="0">
-              <a:buNone/>
-            </a:pPr>
-            <a:r>
-              <a:rPr lang="ru-RU" sz="2400" dirty="0">
-                <a:latin typeface="Times New Roman" panose="02020603050405020304" pitchFamily="18" charset="0"/>
-                <a:cs typeface="Times New Roman" panose="02020603050405020304" pitchFamily="18" charset="0"/>
-              </a:rPr>
-              <a:t>Современные методы криптографии применяются практически во всех отраслях, в которых присутствует необходимость безопасной передачи или хранения </a:t>
-            </a:r>
-            <a:r>
-              <a:rPr lang="ru-RU" sz="2400" dirty="0" smtClean="0">
-                <a:latin typeface="Times New Roman" panose="02020603050405020304" pitchFamily="18" charset="0"/>
-                <a:cs typeface="Times New Roman" panose="02020603050405020304" pitchFamily="18" charset="0"/>
-              </a:rPr>
-              <a:t>данных</a:t>
-            </a:r>
-            <a:endParaRPr lang="ru-RU" dirty="0">
-              <a:latin typeface="Times New Roman" panose="02020603050405020304" pitchFamily="18" charset="0"/>
-              <a:cs typeface="Times New Roman" panose="02020603050405020304" pitchFamily="18" charset="0"/>
-            </a:endParaRPr>
-          </a:p>
-        </p:txBody>
-      </p:sp>
-    </p:spTree>
-    <p:extLst>
-      <p:ext uri="{BB962C8B-B14F-4D97-AF65-F5344CB8AC3E}">
-        <p14:creationId xmlns:p14="http://schemas.microsoft.com/office/powerpoint/2010/main" val="141137158"/>
+        <p14:creationId xmlns:p14="http://schemas.microsoft.com/office/powerpoint/2010/main" val="975280500"/>
       </p:ext>
     </p:extLst>
   </p:cSld>
@@ -4218,7 +3994,7 @@
                 <a:latin typeface="Times New Roman" panose="02020603050405020304" pitchFamily="18" charset="0"/>
                 <a:cs typeface="Times New Roman" panose="02020603050405020304" pitchFamily="18" charset="0"/>
               </a:rPr>
-              <a:t>Предмет и объект исследования</a:t>
+              <a:t>Цель и задачи проекта</a:t>
             </a:r>
             <a:endParaRPr lang="ru-RU" sz="4000" dirty="0">
               <a:effectLst>
@@ -4246,8 +4022,8 @@
         </p:nvSpPr>
         <p:spPr>
           <a:xfrm>
-            <a:off x="1348740" y="2261394"/>
-            <a:ext cx="9494520" cy="893286"/>
+            <a:off x="1299972" y="2523110"/>
+            <a:ext cx="9592056" cy="3941381"/>
           </a:xfrm>
         </p:spPr>
         <p:txBody>
@@ -4256,7 +4032,7 @@
           </a:bodyPr>
           <a:lstStyle/>
           <a:p>
-            <a:pPr marL="0" indent="0" algn="ctr">
+            <a:pPr marL="0" indent="0">
               <a:buNone/>
             </a:pPr>
             <a:r>
@@ -4264,23 +4040,122 @@
                 <a:latin typeface="Times New Roman" panose="02020603050405020304" pitchFamily="18" charset="0"/>
                 <a:cs typeface="Times New Roman" panose="02020603050405020304" pitchFamily="18" charset="0"/>
               </a:rPr>
-              <a:t>Объект исследования: </a:t>
-            </a:r>
-            <a:endParaRPr lang="ru-RU" sz="2400" b="1" dirty="0" smtClean="0">
+              <a:t>Задачи проекта:</a:t>
+            </a:r>
+            <a:endParaRPr lang="ru-RU" sz="2400" b="1" dirty="0">
               <a:latin typeface="Times New Roman" panose="02020603050405020304" pitchFamily="18" charset="0"/>
               <a:cs typeface="Times New Roman" panose="02020603050405020304" pitchFamily="18" charset="0"/>
             </a:endParaRPr>
           </a:p>
           <a:p>
-            <a:pPr marL="0" indent="0" algn="ctr">
-              <a:buNone/>
-            </a:pPr>
+            <a:pPr lvl="0"/>
+            <a:r>
+              <a:rPr lang="ru-RU" sz="2400" dirty="0">
+                <a:latin typeface="Times New Roman" panose="02020603050405020304" pitchFamily="18" charset="0"/>
+                <a:cs typeface="Times New Roman" panose="02020603050405020304" pitchFamily="18" charset="0"/>
+              </a:rPr>
+              <a:t>детально изучить предметную область;</a:t>
+            </a:r>
+          </a:p>
+          <a:p>
+            <a:pPr lvl="0"/>
+            <a:r>
+              <a:rPr lang="ru-RU" sz="2400" dirty="0">
+                <a:latin typeface="Times New Roman" panose="02020603050405020304" pitchFamily="18" charset="0"/>
+                <a:cs typeface="Times New Roman" panose="02020603050405020304" pitchFamily="18" charset="0"/>
+              </a:rPr>
+              <a:t>провести сравнительный анализ и на его основе выбрать наиболее эффективные алгоритмы шифрования;</a:t>
+            </a:r>
+          </a:p>
+          <a:p>
+            <a:r>
+              <a:rPr lang="ru-RU" sz="2400" dirty="0">
+                <a:latin typeface="Times New Roman" panose="02020603050405020304" pitchFamily="18" charset="0"/>
+                <a:cs typeface="Times New Roman" panose="02020603050405020304" pitchFamily="18" charset="0"/>
+              </a:rPr>
+              <a:t>составить необходимые диаграммы и схемы</a:t>
+            </a:r>
             <a:r>
               <a:rPr lang="ru-RU" sz="2400" dirty="0" smtClean="0">
                 <a:latin typeface="Times New Roman" panose="02020603050405020304" pitchFamily="18" charset="0"/>
                 <a:cs typeface="Times New Roman" panose="02020603050405020304" pitchFamily="18" charset="0"/>
               </a:rPr>
-              <a:t>Криптография</a:t>
+              <a:t>;</a:t>
+            </a:r>
+          </a:p>
+          <a:p>
+            <a:pPr lvl="0"/>
+            <a:r>
+              <a:rPr lang="ru-RU" sz="2400" dirty="0">
+                <a:latin typeface="Times New Roman" panose="02020603050405020304" pitchFamily="18" charset="0"/>
+                <a:cs typeface="Times New Roman" panose="02020603050405020304" pitchFamily="18" charset="0"/>
+              </a:rPr>
+              <a:t>выбрать подходящие для разработки инструментальные средства</a:t>
+            </a:r>
+            <a:r>
+              <a:rPr lang="ru-RU" sz="2400" dirty="0" smtClean="0">
+                <a:latin typeface="Times New Roman" panose="02020603050405020304" pitchFamily="18" charset="0"/>
+                <a:cs typeface="Times New Roman" panose="02020603050405020304" pitchFamily="18" charset="0"/>
+              </a:rPr>
+              <a:t>;</a:t>
+            </a:r>
+          </a:p>
+          <a:p>
+            <a:pPr lvl="0"/>
+            <a:r>
+              <a:rPr lang="ru-RU" sz="2400" dirty="0" smtClean="0">
+                <a:latin typeface="Times New Roman" panose="02020603050405020304" pitchFamily="18" charset="0"/>
+                <a:cs typeface="Times New Roman" panose="02020603050405020304" pitchFamily="18" charset="0"/>
+              </a:rPr>
+              <a:t>реализовать </a:t>
+            </a:r>
+            <a:r>
+              <a:rPr lang="ru-RU" sz="2400" dirty="0">
+                <a:latin typeface="Times New Roman" panose="02020603050405020304" pitchFamily="18" charset="0"/>
+                <a:cs typeface="Times New Roman" panose="02020603050405020304" pitchFamily="18" charset="0"/>
+              </a:rPr>
+              <a:t>функциональные и нефункциональные требования;</a:t>
+            </a:r>
+          </a:p>
+          <a:p>
+            <a:pPr lvl="0"/>
+            <a:r>
+              <a:rPr lang="ru-RU" sz="2400" dirty="0">
+                <a:latin typeface="Times New Roman" panose="02020603050405020304" pitchFamily="18" charset="0"/>
+                <a:cs typeface="Times New Roman" panose="02020603050405020304" pitchFamily="18" charset="0"/>
+              </a:rPr>
+              <a:t>провести тестирование и отладку программы;</a:t>
+            </a:r>
+          </a:p>
+          <a:p>
+            <a:pPr lvl="0"/>
+            <a:r>
+              <a:rPr lang="ru-RU" sz="2400" dirty="0">
+                <a:latin typeface="Times New Roman" panose="02020603050405020304" pitchFamily="18" charset="0"/>
+                <a:cs typeface="Times New Roman" panose="02020603050405020304" pitchFamily="18" charset="0"/>
+              </a:rPr>
+              <a:t>составить </a:t>
+            </a:r>
+            <a:r>
+              <a:rPr lang="ru-RU" sz="2400" dirty="0" smtClean="0">
+                <a:latin typeface="Times New Roman" panose="02020603050405020304" pitchFamily="18" charset="0"/>
+                <a:cs typeface="Times New Roman" panose="02020603050405020304" pitchFamily="18" charset="0"/>
+              </a:rPr>
+              <a:t>руководство </a:t>
+            </a:r>
+            <a:r>
+              <a:rPr lang="ru-RU" sz="2400" dirty="0">
+                <a:latin typeface="Times New Roman" panose="02020603050405020304" pitchFamily="18" charset="0"/>
+                <a:cs typeface="Times New Roman" panose="02020603050405020304" pitchFamily="18" charset="0"/>
+              </a:rPr>
+              <a:t>по использованию программы</a:t>
+            </a:r>
+            <a:r>
+              <a:rPr lang="ru-RU" sz="2400" dirty="0" smtClean="0">
+                <a:latin typeface="Times New Roman" panose="02020603050405020304" pitchFamily="18" charset="0"/>
+                <a:cs typeface="Times New Roman" panose="02020603050405020304" pitchFamily="18" charset="0"/>
+              </a:rPr>
+              <a:t>.</a:t>
             </a:r>
             <a:endParaRPr lang="ru-RU" sz="2400" dirty="0">
               <a:latin typeface="Times New Roman" panose="02020603050405020304" pitchFamily="18" charset="0"/>
@@ -4299,8 +4174,8 @@
         </p:nvSpPr>
         <p:spPr>
           <a:xfrm>
-            <a:off x="1348740" y="3837305"/>
-            <a:ext cx="9494520" cy="1274191"/>
+            <a:off x="1299972" y="1197547"/>
+            <a:ext cx="9592056" cy="1073213"/>
           </a:xfrm>
           <a:prstGeom prst="rect">
             <a:avLst/>
@@ -4475,7 +4350,7 @@
             </a:lvl9pPr>
           </a:lstStyle>
           <a:p>
-            <a:pPr marL="0" indent="0" algn="ctr">
+            <a:pPr marL="0" indent="0">
               <a:buNone/>
             </a:pPr>
             <a:r>
@@ -4483,30 +4358,42 @@
                 <a:latin typeface="Times New Roman" panose="02020603050405020304" pitchFamily="18" charset="0"/>
                 <a:cs typeface="Times New Roman" panose="02020603050405020304" pitchFamily="18" charset="0"/>
               </a:rPr>
-              <a:t>Предмет исследования: </a:t>
-            </a:r>
-            <a:endParaRPr lang="ru-RU" sz="2400" b="1" dirty="0">
-              <a:latin typeface="Times New Roman" panose="02020603050405020304" pitchFamily="18" charset="0"/>
-              <a:cs typeface="Times New Roman" panose="02020603050405020304" pitchFamily="18" charset="0"/>
-            </a:endParaRPr>
-          </a:p>
-          <a:p>
-            <a:pPr marL="0" indent="0" algn="ctr">
-              <a:buNone/>
-            </a:pPr>
+              <a:t>Цель проекта: </a:t>
+            </a:r>
+            <a:r>
+              <a:rPr lang="ru-RU" sz="2400" dirty="0">
+                <a:latin typeface="Times New Roman" panose="02020603050405020304" pitchFamily="18" charset="0"/>
+                <a:cs typeface="Times New Roman" panose="02020603050405020304" pitchFamily="18" charset="0"/>
+              </a:rPr>
+              <a:t>разработка программы шифрования </a:t>
+            </a:r>
             <a:r>
               <a:rPr lang="ru-RU" sz="2400" dirty="0" smtClean="0">
                 <a:latin typeface="Times New Roman" panose="02020603050405020304" pitchFamily="18" charset="0"/>
                 <a:cs typeface="Times New Roman" panose="02020603050405020304" pitchFamily="18" charset="0"/>
               </a:rPr>
-              <a:t>Математические </a:t>
+              <a:t>файлов</a:t>
+            </a:r>
+            <a:r>
+              <a:rPr lang="en-US" sz="2400" dirty="0" smtClean="0">
+                <a:latin typeface="Times New Roman" panose="02020603050405020304" pitchFamily="18" charset="0"/>
+                <a:cs typeface="Times New Roman" panose="02020603050405020304" pitchFamily="18" charset="0"/>
+              </a:rPr>
+              <a:t>, </a:t>
+            </a:r>
+            <a:r>
+              <a:rPr lang="ru-RU" sz="2400" dirty="0" smtClean="0">
+                <a:latin typeface="Times New Roman" panose="02020603050405020304" pitchFamily="18" charset="0"/>
+                <a:cs typeface="Times New Roman" panose="02020603050405020304" pitchFamily="18" charset="0"/>
+              </a:rPr>
+              <a:t>которая </a:t>
             </a:r>
             <a:r>
               <a:rPr lang="ru-RU" sz="2400" dirty="0">
                 <a:latin typeface="Times New Roman" panose="02020603050405020304" pitchFamily="18" charset="0"/>
                 <a:cs typeface="Times New Roman" panose="02020603050405020304" pitchFamily="18" charset="0"/>
               </a:rPr>
-              <a:t>методы кодирования информации в современной криптографии</a:t>
+              <a:t>позволила бы пользователю защитить желаемую информацию наиболее эффективными методами</a:t>
             </a:r>
           </a:p>
         </p:txBody>
@@ -4514,7 +4401,7 @@
     </p:spTree>
     <p:extLst>
       <p:ext uri="{BB962C8B-B14F-4D97-AF65-F5344CB8AC3E}">
-        <p14:creationId xmlns:p14="http://schemas.microsoft.com/office/powerpoint/2010/main" val="975280500"/>
+        <p14:creationId xmlns:p14="http://schemas.microsoft.com/office/powerpoint/2010/main" val="1637281774"/>
       </p:ext>
     </p:extLst>
   </p:cSld>
@@ -4582,7 +4469,7 @@
                 <a:latin typeface="Times New Roman" panose="02020603050405020304" pitchFamily="18" charset="0"/>
                 <a:cs typeface="Times New Roman" panose="02020603050405020304" pitchFamily="18" charset="0"/>
               </a:rPr>
-              <a:t>Цель и задачи проекта</a:t>
+              <a:t>Методы шифрования в программе</a:t>
             </a:r>
             <a:endParaRPr lang="ru-RU" sz="4000" dirty="0">
               <a:effectLst>
@@ -4610,8 +4497,8 @@
         </p:nvSpPr>
         <p:spPr>
           <a:xfrm>
-            <a:off x="1299972" y="2523110"/>
-            <a:ext cx="9592056" cy="3941381"/>
+            <a:off x="2400681" y="2045379"/>
+            <a:ext cx="7390638" cy="2767242"/>
           </a:xfrm>
         </p:spPr>
         <p:txBody>
@@ -4620,141 +4507,826 @@
           </a:bodyPr>
           <a:lstStyle/>
           <a:p>
-            <a:pPr marL="0" indent="0">
-              <a:buNone/>
+            <a:pPr marL="457200" lvl="0" indent="-457200">
+              <a:buFont typeface="+mj-lt"/>
+              <a:buAutoNum type="arabicParenR"/>
             </a:pPr>
             <a:r>
-              <a:rPr lang="ru-RU" sz="2400" b="1" dirty="0" smtClean="0">
-                <a:latin typeface="Times New Roman" panose="02020603050405020304" pitchFamily="18" charset="0"/>
-                <a:cs typeface="Times New Roman" panose="02020603050405020304" pitchFamily="18" charset="0"/>
-              </a:rPr>
-              <a:t>Задачи проекта:</a:t>
-            </a:r>
-            <a:endParaRPr lang="ru-RU" sz="2400" b="1" dirty="0">
-              <a:latin typeface="Times New Roman" panose="02020603050405020304" pitchFamily="18" charset="0"/>
-              <a:cs typeface="Times New Roman" panose="02020603050405020304" pitchFamily="18" charset="0"/>
-            </a:endParaRPr>
-          </a:p>
-          <a:p>
-            <a:pPr lvl="0"/>
-            <a:r>
-              <a:rPr lang="ru-RU" sz="2400" dirty="0">
-                <a:latin typeface="Times New Roman" panose="02020603050405020304" pitchFamily="18" charset="0"/>
-                <a:cs typeface="Times New Roman" panose="02020603050405020304" pitchFamily="18" charset="0"/>
-              </a:rPr>
-              <a:t>детально изучить предметную область;</a:t>
-            </a:r>
-          </a:p>
-          <a:p>
-            <a:pPr lvl="0"/>
-            <a:r>
-              <a:rPr lang="ru-RU" sz="2400" dirty="0">
-                <a:latin typeface="Times New Roman" panose="02020603050405020304" pitchFamily="18" charset="0"/>
-                <a:cs typeface="Times New Roman" panose="02020603050405020304" pitchFamily="18" charset="0"/>
-              </a:rPr>
-              <a:t>провести сравнительный анализ и на его основе выбрать наиболее эффективные алгоритмы шифрования;</a:t>
-            </a:r>
-          </a:p>
-          <a:p>
-            <a:r>
-              <a:rPr lang="ru-RU" sz="2400" dirty="0">
-                <a:latin typeface="Times New Roman" panose="02020603050405020304" pitchFamily="18" charset="0"/>
-                <a:cs typeface="Times New Roman" panose="02020603050405020304" pitchFamily="18" charset="0"/>
-              </a:rPr>
-              <a:t>составить необходимые диаграммы и схемы</a:t>
-            </a:r>
-            <a:r>
               <a:rPr lang="ru-RU" sz="2400" dirty="0" smtClean="0">
                 <a:latin typeface="Times New Roman" panose="02020603050405020304" pitchFamily="18" charset="0"/>
                 <a:cs typeface="Times New Roman" panose="02020603050405020304" pitchFamily="18" charset="0"/>
               </a:rPr>
+              <a:t>шифр перестановки (транспозиция)</a:t>
+            </a:r>
+            <a:r>
+              <a:rPr lang="ru-RU" sz="2400" dirty="0" smtClean="0">
+                <a:latin typeface="Times New Roman" panose="02020603050405020304" pitchFamily="18" charset="0"/>
+                <a:cs typeface="Times New Roman" panose="02020603050405020304" pitchFamily="18" charset="0"/>
+              </a:rPr>
               <a:t>;</a:t>
-            </a:r>
-          </a:p>
-          <a:p>
-            <a:pPr lvl="0"/>
-            <a:r>
-              <a:rPr lang="ru-RU" sz="2400" dirty="0">
-                <a:latin typeface="Times New Roman" panose="02020603050405020304" pitchFamily="18" charset="0"/>
-                <a:cs typeface="Times New Roman" panose="02020603050405020304" pitchFamily="18" charset="0"/>
-              </a:rPr>
-              <a:t>выбрать подходящие для разработки инструментальные средства</a:t>
-            </a:r>
-            <a:r>
-              <a:rPr lang="ru-RU" sz="2400" dirty="0" smtClean="0">
-                <a:latin typeface="Times New Roman" panose="02020603050405020304" pitchFamily="18" charset="0"/>
-                <a:cs typeface="Times New Roman" panose="02020603050405020304" pitchFamily="18" charset="0"/>
-              </a:rPr>
-              <a:t>;</a:t>
-            </a:r>
-          </a:p>
-          <a:p>
-            <a:pPr lvl="0"/>
-            <a:r>
-              <a:rPr lang="ru-RU" sz="2400" dirty="0" smtClean="0">
-                <a:latin typeface="Times New Roman" panose="02020603050405020304" pitchFamily="18" charset="0"/>
-                <a:cs typeface="Times New Roman" panose="02020603050405020304" pitchFamily="18" charset="0"/>
-              </a:rPr>
-              <a:t>реализовать </a:t>
-            </a:r>
-            <a:r>
-              <a:rPr lang="ru-RU" sz="2400" dirty="0">
-                <a:latin typeface="Times New Roman" panose="02020603050405020304" pitchFamily="18" charset="0"/>
-                <a:cs typeface="Times New Roman" panose="02020603050405020304" pitchFamily="18" charset="0"/>
-              </a:rPr>
-              <a:t>функциональные и нефункциональные требования;</a:t>
-            </a:r>
-          </a:p>
-          <a:p>
-            <a:pPr lvl="0"/>
-            <a:r>
-              <a:rPr lang="ru-RU" sz="2400" dirty="0">
-                <a:latin typeface="Times New Roman" panose="02020603050405020304" pitchFamily="18" charset="0"/>
-                <a:cs typeface="Times New Roman" panose="02020603050405020304" pitchFamily="18" charset="0"/>
-              </a:rPr>
-              <a:t>провести тестирование и отладку программы;</a:t>
-            </a:r>
-          </a:p>
-          <a:p>
-            <a:pPr lvl="0"/>
-            <a:r>
-              <a:rPr lang="ru-RU" sz="2400" dirty="0">
-                <a:latin typeface="Times New Roman" panose="02020603050405020304" pitchFamily="18" charset="0"/>
-                <a:cs typeface="Times New Roman" panose="02020603050405020304" pitchFamily="18" charset="0"/>
-              </a:rPr>
-              <a:t>составить </a:t>
-            </a:r>
-            <a:r>
-              <a:rPr lang="ru-RU" sz="2400" dirty="0" smtClean="0">
-                <a:latin typeface="Times New Roman" panose="02020603050405020304" pitchFamily="18" charset="0"/>
-                <a:cs typeface="Times New Roman" panose="02020603050405020304" pitchFamily="18" charset="0"/>
-              </a:rPr>
-              <a:t>руководство </a:t>
-            </a:r>
-            <a:r>
-              <a:rPr lang="ru-RU" sz="2400" dirty="0">
-                <a:latin typeface="Times New Roman" panose="02020603050405020304" pitchFamily="18" charset="0"/>
-                <a:cs typeface="Times New Roman" panose="02020603050405020304" pitchFamily="18" charset="0"/>
-              </a:rPr>
-              <a:t>по использованию программы</a:t>
-            </a:r>
-            <a:r>
-              <a:rPr lang="ru-RU" sz="2400" dirty="0" smtClean="0">
-                <a:latin typeface="Times New Roman" panose="02020603050405020304" pitchFamily="18" charset="0"/>
-                <a:cs typeface="Times New Roman" panose="02020603050405020304" pitchFamily="18" charset="0"/>
-              </a:rPr>
-              <a:t>.</a:t>
             </a:r>
             <a:endParaRPr lang="ru-RU" sz="2400" dirty="0">
               <a:latin typeface="Times New Roman" panose="02020603050405020304" pitchFamily="18" charset="0"/>
               <a:cs typeface="Times New Roman" panose="02020603050405020304" pitchFamily="18" charset="0"/>
             </a:endParaRPr>
           </a:p>
-        </p:txBody>
-      </p:sp>
-      <p:sp>
-        <p:nvSpPr>
-          <p:cNvPr id="4" name="Объект 2"/>
+          <a:p>
+            <a:pPr marL="457200" lvl="0" indent="-457200">
+              <a:buFont typeface="+mj-lt"/>
+              <a:buAutoNum type="arabicParenR"/>
+            </a:pPr>
+            <a:r>
+              <a:rPr lang="ru-RU" sz="2400" dirty="0" err="1" smtClean="0">
+                <a:latin typeface="Times New Roman" panose="02020603050405020304" pitchFamily="18" charset="0"/>
+                <a:cs typeface="Times New Roman" panose="02020603050405020304" pitchFamily="18" charset="0"/>
+              </a:rPr>
+              <a:t>моноалфавитный</a:t>
+            </a:r>
+            <a:r>
+              <a:rPr lang="ru-RU" sz="2400" dirty="0" smtClean="0">
+                <a:latin typeface="Times New Roman" panose="02020603050405020304" pitchFamily="18" charset="0"/>
+                <a:cs typeface="Times New Roman" panose="02020603050405020304" pitchFamily="18" charset="0"/>
+              </a:rPr>
+              <a:t> шифр (шифр простой замены);</a:t>
+            </a:r>
+            <a:endParaRPr lang="ru-RU" sz="2400" dirty="0">
+              <a:latin typeface="Times New Roman" panose="02020603050405020304" pitchFamily="18" charset="0"/>
+              <a:cs typeface="Times New Roman" panose="02020603050405020304" pitchFamily="18" charset="0"/>
+            </a:endParaRPr>
+          </a:p>
+          <a:p>
+            <a:pPr marL="457200" indent="-457200">
+              <a:buFont typeface="+mj-lt"/>
+              <a:buAutoNum type="arabicParenR"/>
+            </a:pPr>
+            <a:r>
+              <a:rPr lang="ru-RU" sz="2400" dirty="0" err="1" smtClean="0">
+                <a:latin typeface="Times New Roman" panose="02020603050405020304" pitchFamily="18" charset="0"/>
+                <a:cs typeface="Times New Roman" panose="02020603050405020304" pitchFamily="18" charset="0"/>
+              </a:rPr>
+              <a:t>полиалфавитный</a:t>
+            </a:r>
+            <a:r>
+              <a:rPr lang="ru-RU" sz="2400" dirty="0" smtClean="0">
+                <a:latin typeface="Times New Roman" panose="02020603050405020304" pitchFamily="18" charset="0"/>
+                <a:cs typeface="Times New Roman" panose="02020603050405020304" pitchFamily="18" charset="0"/>
+              </a:rPr>
+              <a:t> шифр (многоалфавитный шифр);</a:t>
+            </a:r>
+            <a:endParaRPr lang="ru-RU" sz="2400" dirty="0" smtClean="0">
+              <a:latin typeface="Times New Roman" panose="02020603050405020304" pitchFamily="18" charset="0"/>
+              <a:cs typeface="Times New Roman" panose="02020603050405020304" pitchFamily="18" charset="0"/>
+            </a:endParaRPr>
+          </a:p>
+          <a:p>
+            <a:pPr marL="457200" lvl="0" indent="-457200">
+              <a:buFont typeface="+mj-lt"/>
+              <a:buAutoNum type="arabicParenR"/>
+            </a:pPr>
+            <a:r>
+              <a:rPr lang="ru-RU" sz="2400" dirty="0" smtClean="0">
+                <a:latin typeface="Times New Roman" panose="02020603050405020304" pitchFamily="18" charset="0"/>
+                <a:cs typeface="Times New Roman" panose="02020603050405020304" pitchFamily="18" charset="0"/>
+              </a:rPr>
+              <a:t>исключающее ИЛИ (</a:t>
+            </a:r>
+            <a:r>
+              <a:rPr lang="en-US" sz="2400" dirty="0" smtClean="0">
+                <a:latin typeface="Times New Roman" panose="02020603050405020304" pitchFamily="18" charset="0"/>
+                <a:cs typeface="Times New Roman" panose="02020603050405020304" pitchFamily="18" charset="0"/>
+              </a:rPr>
+              <a:t>XOR</a:t>
+            </a:r>
+            <a:r>
+              <a:rPr lang="ru-RU" sz="2400" dirty="0" smtClean="0">
+                <a:latin typeface="Times New Roman" panose="02020603050405020304" pitchFamily="18" charset="0"/>
+                <a:cs typeface="Times New Roman" panose="02020603050405020304" pitchFamily="18" charset="0"/>
+              </a:rPr>
+              <a:t>);</a:t>
+            </a:r>
+            <a:endParaRPr lang="ru-RU" sz="2400" dirty="0" smtClean="0">
+              <a:latin typeface="Times New Roman" panose="02020603050405020304" pitchFamily="18" charset="0"/>
+              <a:cs typeface="Times New Roman" panose="02020603050405020304" pitchFamily="18" charset="0"/>
+            </a:endParaRPr>
+          </a:p>
+          <a:p>
+            <a:pPr marL="457200" lvl="0" indent="-457200">
+              <a:buFont typeface="+mj-lt"/>
+              <a:buAutoNum type="arabicParenR"/>
+            </a:pPr>
+            <a:r>
+              <a:rPr lang="ru-RU" sz="2400" dirty="0" smtClean="0">
+                <a:latin typeface="Times New Roman" panose="02020603050405020304" pitchFamily="18" charset="0"/>
+                <a:cs typeface="Times New Roman" panose="02020603050405020304" pitchFamily="18" charset="0"/>
+              </a:rPr>
+              <a:t>шифр </a:t>
+            </a:r>
+            <a:r>
+              <a:rPr lang="ru-RU" sz="2400" dirty="0" err="1" smtClean="0">
+                <a:latin typeface="Times New Roman" panose="02020603050405020304" pitchFamily="18" charset="0"/>
+                <a:cs typeface="Times New Roman" panose="02020603050405020304" pitchFamily="18" charset="0"/>
+              </a:rPr>
+              <a:t>Вернама</a:t>
+            </a:r>
+            <a:r>
+              <a:rPr lang="ru-RU" sz="2400" dirty="0" smtClean="0">
+                <a:latin typeface="Times New Roman" panose="02020603050405020304" pitchFamily="18" charset="0"/>
+                <a:cs typeface="Times New Roman" panose="02020603050405020304" pitchFamily="18" charset="0"/>
+              </a:rPr>
+              <a:t> (одноразовый блокнот);</a:t>
+            </a:r>
+            <a:endParaRPr lang="ru-RU" sz="2400" dirty="0">
+              <a:latin typeface="Times New Roman" panose="02020603050405020304" pitchFamily="18" charset="0"/>
+              <a:cs typeface="Times New Roman" panose="02020603050405020304" pitchFamily="18" charset="0"/>
+            </a:endParaRPr>
+          </a:p>
+          <a:p>
+            <a:pPr marL="457200" lvl="0" indent="-457200">
+              <a:buFont typeface="+mj-lt"/>
+              <a:buAutoNum type="arabicParenR"/>
+            </a:pPr>
+            <a:r>
+              <a:rPr lang="en-US" sz="2400" dirty="0" err="1">
+                <a:latin typeface="Times New Roman" panose="02020603050405020304" pitchFamily="18" charset="0"/>
+                <a:cs typeface="Times New Roman" panose="02020603050405020304" pitchFamily="18" charset="0"/>
+              </a:rPr>
+              <a:t>Rivest</a:t>
+            </a:r>
+            <a:r>
+              <a:rPr lang="en-US" sz="2400" dirty="0">
+                <a:latin typeface="Times New Roman" panose="02020603050405020304" pitchFamily="18" charset="0"/>
+                <a:cs typeface="Times New Roman" panose="02020603050405020304" pitchFamily="18" charset="0"/>
+              </a:rPr>
+              <a:t>, </a:t>
+            </a:r>
+            <a:r>
+              <a:rPr lang="en-US" sz="2400" dirty="0" smtClean="0">
+                <a:latin typeface="Times New Roman" panose="02020603050405020304" pitchFamily="18" charset="0"/>
+                <a:cs typeface="Times New Roman" panose="02020603050405020304" pitchFamily="18" charset="0"/>
+              </a:rPr>
+              <a:t>Shamir, </a:t>
+            </a:r>
+            <a:r>
+              <a:rPr lang="en-US" sz="2400" dirty="0" err="1" smtClean="0">
+                <a:latin typeface="Times New Roman" panose="02020603050405020304" pitchFamily="18" charset="0"/>
+                <a:cs typeface="Times New Roman" panose="02020603050405020304" pitchFamily="18" charset="0"/>
+              </a:rPr>
+              <a:t>Adleman</a:t>
+            </a:r>
+            <a:r>
+              <a:rPr lang="en-US" sz="2400" dirty="0" smtClean="0">
+                <a:latin typeface="Times New Roman" panose="02020603050405020304" pitchFamily="18" charset="0"/>
+                <a:cs typeface="Times New Roman" panose="02020603050405020304" pitchFamily="18" charset="0"/>
+              </a:rPr>
+              <a:t> (RSA)</a:t>
+            </a:r>
+            <a:r>
+              <a:rPr lang="ru-RU" sz="2400" dirty="0" smtClean="0">
+                <a:latin typeface="Times New Roman" panose="02020603050405020304" pitchFamily="18" charset="0"/>
+                <a:cs typeface="Times New Roman" panose="02020603050405020304" pitchFamily="18" charset="0"/>
+              </a:rPr>
+              <a:t>.</a:t>
+            </a:r>
+            <a:endParaRPr lang="ru-RU" sz="2400" dirty="0">
+              <a:latin typeface="Times New Roman" panose="02020603050405020304" pitchFamily="18" charset="0"/>
+              <a:cs typeface="Times New Roman" panose="02020603050405020304" pitchFamily="18" charset="0"/>
+            </a:endParaRPr>
+          </a:p>
+        </p:txBody>
+      </p:sp>
+    </p:spTree>
+    <p:extLst>
+      <p:ext uri="{BB962C8B-B14F-4D97-AF65-F5344CB8AC3E}">
+        <p14:creationId xmlns:p14="http://schemas.microsoft.com/office/powerpoint/2010/main" val="2292258435"/>
+      </p:ext>
+    </p:extLst>
+  </p:cSld>
+  <p:clrMapOvr>
+    <a:masterClrMapping/>
+  </p:clrMapOvr>
+  <p:timing>
+    <p:tnLst>
+      <p:par>
+        <p:cTn id="1" dur="indefinite" restart="never" nodeType="tmRoot"/>
+      </p:par>
+    </p:tnLst>
+  </p:timing>
+</p:sld>
+</file>
+
+<file path=ppt/slides/slide5.xml><?xml version="1.0" encoding="utf-8"?>
+<p:sld xmlns:a="http://schemas.openxmlformats.org/drawingml/2006/main" xmlns:r="http://schemas.openxmlformats.org/officeDocument/2006/relationships" xmlns:p="http://schemas.openxmlformats.org/presentationml/2006/main">
+  <p:cSld>
+    <p:spTree>
+      <p:nvGrpSpPr>
+        <p:cNvPr id="1" name=""/>
+        <p:cNvGrpSpPr/>
+        <p:nvPr/>
+      </p:nvGrpSpPr>
+      <p:grpSpPr>
+        <a:xfrm>
+          <a:off x="0" y="0"/>
+          <a:ext cx="0" cy="0"/>
+          <a:chOff x="0" y="0"/>
+          <a:chExt cx="0" cy="0"/>
+        </a:xfrm>
+      </p:grpSpPr>
+      <p:sp>
+        <p:nvSpPr>
+          <p:cNvPr id="2" name="Заголовок 1"/>
+          <p:cNvSpPr>
+            <a:spLocks noGrp="1"/>
+          </p:cNvSpPr>
+          <p:nvPr>
+            <p:ph type="title"/>
+          </p:nvPr>
+        </p:nvSpPr>
+        <p:spPr>
+          <a:xfrm>
+            <a:off x="0" y="0"/>
+            <a:ext cx="12192000" cy="1325563"/>
+          </a:xfrm>
+        </p:spPr>
+        <p:txBody>
+          <a:bodyPr>
+            <a:normAutofit/>
+          </a:bodyPr>
+          <a:lstStyle/>
+          <a:p>
+            <a:r>
+              <a:rPr lang="ru-RU" sz="4000" dirty="0" smtClean="0">
+                <a:effectLst>
+                  <a:outerShdw blurRad="38100" dist="38100" dir="2700000" algn="tl">
+                    <a:srgbClr val="000000">
+                      <a:alpha val="43137"/>
+                    </a:srgbClr>
+                  </a:outerShdw>
+                </a:effectLst>
+                <a:latin typeface="Times New Roman" panose="02020603050405020304" pitchFamily="18" charset="0"/>
+                <a:cs typeface="Times New Roman" panose="02020603050405020304" pitchFamily="18" charset="0"/>
+              </a:rPr>
+              <a:t>Контекстная диаграмма потоков данных</a:t>
+            </a:r>
+            <a:endParaRPr lang="ru-RU" sz="4000" dirty="0">
+              <a:effectLst>
+                <a:outerShdw blurRad="38100" dist="38100" dir="2700000" algn="tl">
+                  <a:srgbClr val="000000">
+                    <a:alpha val="43137"/>
+                  </a:srgbClr>
+                </a:outerShdw>
+              </a:effectLst>
+              <a:latin typeface="Times New Roman" panose="02020603050405020304" pitchFamily="18" charset="0"/>
+              <a:cs typeface="Times New Roman" panose="02020603050405020304" pitchFamily="18" charset="0"/>
+            </a:endParaRPr>
+          </a:p>
+        </p:txBody>
+      </p:sp>
+      <p:pic>
+        <p:nvPicPr>
+          <p:cNvPr id="3" name="Рисунок 2"/>
+          <p:cNvPicPr/>
+          <p:nvPr/>
+        </p:nvPicPr>
+        <p:blipFill>
+          <a:blip r:embed="rId2" cstate="print">
+            <a:extLst>
+              <a:ext uri="{28A0092B-C50C-407E-A947-70E740481C1C}">
+                <a14:useLocalDpi xmlns:a14="http://schemas.microsoft.com/office/drawing/2010/main" val="0"/>
+              </a:ext>
+            </a:extLst>
+          </a:blip>
+          <a:srcRect/>
+          <a:stretch>
+            <a:fillRect/>
+          </a:stretch>
+        </p:blipFill>
+        <p:spPr bwMode="auto">
+          <a:xfrm>
+            <a:off x="2421775" y="1563624"/>
+            <a:ext cx="7348451" cy="3730752"/>
+          </a:xfrm>
+          <a:prstGeom prst="rect">
+            <a:avLst/>
+          </a:prstGeom>
+          <a:noFill/>
+          <a:ln>
+            <a:noFill/>
+          </a:ln>
+        </p:spPr>
+      </p:pic>
+    </p:spTree>
+    <p:extLst>
+      <p:ext uri="{BB962C8B-B14F-4D97-AF65-F5344CB8AC3E}">
+        <p14:creationId xmlns:p14="http://schemas.microsoft.com/office/powerpoint/2010/main" val="1193432764"/>
+      </p:ext>
+    </p:extLst>
+  </p:cSld>
+  <p:clrMapOvr>
+    <a:masterClrMapping/>
+  </p:clrMapOvr>
+  <p:timing>
+    <p:tnLst>
+      <p:par>
+        <p:cTn id="1" dur="indefinite" restart="never" nodeType="tmRoot"/>
+      </p:par>
+    </p:tnLst>
+  </p:timing>
+</p:sld>
+</file>
+
+<file path=ppt/slides/slide6.xml><?xml version="1.0" encoding="utf-8"?>
+<p:sld xmlns:a="http://schemas.openxmlformats.org/drawingml/2006/main" xmlns:r="http://schemas.openxmlformats.org/officeDocument/2006/relationships" xmlns:p="http://schemas.openxmlformats.org/presentationml/2006/main">
+  <p:cSld>
+    <p:spTree>
+      <p:nvGrpSpPr>
+        <p:cNvPr id="1" name=""/>
+        <p:cNvGrpSpPr/>
+        <p:nvPr/>
+      </p:nvGrpSpPr>
+      <p:grpSpPr>
+        <a:xfrm>
+          <a:off x="0" y="0"/>
+          <a:ext cx="0" cy="0"/>
+          <a:chOff x="0" y="0"/>
+          <a:chExt cx="0" cy="0"/>
+        </a:xfrm>
+      </p:grpSpPr>
+      <p:sp>
+        <p:nvSpPr>
+          <p:cNvPr id="2" name="Заголовок 1"/>
+          <p:cNvSpPr>
+            <a:spLocks noGrp="1"/>
+          </p:cNvSpPr>
+          <p:nvPr>
+            <p:ph type="title"/>
+          </p:nvPr>
+        </p:nvSpPr>
+        <p:spPr>
+          <a:xfrm>
+            <a:off x="0" y="0"/>
+            <a:ext cx="12192000" cy="1325563"/>
+          </a:xfrm>
+        </p:spPr>
+        <p:txBody>
+          <a:bodyPr>
+            <a:normAutofit/>
+          </a:bodyPr>
+          <a:lstStyle/>
+          <a:p>
+            <a:r>
+              <a:rPr lang="ru-RU" sz="4000" dirty="0" smtClean="0">
+                <a:effectLst>
+                  <a:outerShdw blurRad="38100" dist="38100" dir="2700000" algn="tl">
+                    <a:srgbClr val="000000">
+                      <a:alpha val="43137"/>
+                    </a:srgbClr>
+                  </a:outerShdw>
+                </a:effectLst>
+                <a:latin typeface="Times New Roman" panose="02020603050405020304" pitchFamily="18" charset="0"/>
+                <a:cs typeface="Times New Roman" panose="02020603050405020304" pitchFamily="18" charset="0"/>
+              </a:rPr>
+              <a:t>Контекстная функциональная диаграмма</a:t>
+            </a:r>
+            <a:endParaRPr lang="ru-RU" sz="4000" dirty="0">
+              <a:effectLst>
+                <a:outerShdw blurRad="38100" dist="38100" dir="2700000" algn="tl">
+                  <a:srgbClr val="000000">
+                    <a:alpha val="43137"/>
+                  </a:srgbClr>
+                </a:outerShdw>
+              </a:effectLst>
+              <a:latin typeface="Times New Roman" panose="02020603050405020304" pitchFamily="18" charset="0"/>
+              <a:cs typeface="Times New Roman" panose="02020603050405020304" pitchFamily="18" charset="0"/>
+            </a:endParaRPr>
+          </a:p>
+        </p:txBody>
+      </p:sp>
+      <p:pic>
+        <p:nvPicPr>
+          <p:cNvPr id="3" name="Рисунок 2"/>
+          <p:cNvPicPr/>
+          <p:nvPr/>
+        </p:nvPicPr>
+        <p:blipFill>
+          <a:blip r:embed="rId2" cstate="print">
+            <a:extLst>
+              <a:ext uri="{28A0092B-C50C-407E-A947-70E740481C1C}">
+                <a14:useLocalDpi xmlns:a14="http://schemas.microsoft.com/office/drawing/2010/main" val="0"/>
+              </a:ext>
+            </a:extLst>
+          </a:blip>
+          <a:srcRect/>
+          <a:stretch>
+            <a:fillRect/>
+          </a:stretch>
+        </p:blipFill>
+        <p:spPr bwMode="auto">
+          <a:xfrm>
+            <a:off x="2282831" y="1781969"/>
+            <a:ext cx="7626339" cy="3294063"/>
+          </a:xfrm>
+          <a:prstGeom prst="rect">
+            <a:avLst/>
+          </a:prstGeom>
+          <a:noFill/>
+          <a:ln>
+            <a:noFill/>
+          </a:ln>
+        </p:spPr>
+      </p:pic>
+    </p:spTree>
+    <p:extLst>
+      <p:ext uri="{BB962C8B-B14F-4D97-AF65-F5344CB8AC3E}">
+        <p14:creationId xmlns:p14="http://schemas.microsoft.com/office/powerpoint/2010/main" val="2634766537"/>
+      </p:ext>
+    </p:extLst>
+  </p:cSld>
+  <p:clrMapOvr>
+    <a:masterClrMapping/>
+  </p:clrMapOvr>
+  <p:timing>
+    <p:tnLst>
+      <p:par>
+        <p:cTn id="1" dur="indefinite" restart="never" nodeType="tmRoot"/>
+      </p:par>
+    </p:tnLst>
+  </p:timing>
+</p:sld>
+</file>
+
+<file path=ppt/slides/slide7.xml><?xml version="1.0" encoding="utf-8"?>
+<p:sld xmlns:a="http://schemas.openxmlformats.org/drawingml/2006/main" xmlns:r="http://schemas.openxmlformats.org/officeDocument/2006/relationships" xmlns:p="http://schemas.openxmlformats.org/presentationml/2006/main">
+  <p:cSld>
+    <p:spTree>
+      <p:nvGrpSpPr>
+        <p:cNvPr id="1" name=""/>
+        <p:cNvGrpSpPr/>
+        <p:nvPr/>
+      </p:nvGrpSpPr>
+      <p:grpSpPr>
+        <a:xfrm>
+          <a:off x="0" y="0"/>
+          <a:ext cx="0" cy="0"/>
+          <a:chOff x="0" y="0"/>
+          <a:chExt cx="0" cy="0"/>
+        </a:xfrm>
+      </p:grpSpPr>
+      <p:sp>
+        <p:nvSpPr>
+          <p:cNvPr id="2" name="Заголовок 1"/>
+          <p:cNvSpPr>
+            <a:spLocks noGrp="1"/>
+          </p:cNvSpPr>
+          <p:nvPr>
+            <p:ph type="title"/>
+          </p:nvPr>
+        </p:nvSpPr>
+        <p:spPr>
+          <a:xfrm>
+            <a:off x="0" y="0"/>
+            <a:ext cx="12192000" cy="1325563"/>
+          </a:xfrm>
+        </p:spPr>
+        <p:txBody>
+          <a:bodyPr>
+            <a:normAutofit/>
+          </a:bodyPr>
+          <a:lstStyle/>
+          <a:p>
+            <a:r>
+              <a:rPr lang="ru-RU" sz="4000" dirty="0" smtClean="0">
+                <a:effectLst>
+                  <a:outerShdw blurRad="38100" dist="38100" dir="2700000" algn="tl">
+                    <a:srgbClr val="000000">
+                      <a:alpha val="43137"/>
+                    </a:srgbClr>
+                  </a:outerShdw>
+                </a:effectLst>
+                <a:latin typeface="Times New Roman" panose="02020603050405020304" pitchFamily="18" charset="0"/>
+                <a:cs typeface="Times New Roman" panose="02020603050405020304" pitchFamily="18" charset="0"/>
+              </a:rPr>
+              <a:t>Структурная схема</a:t>
+            </a:r>
+            <a:endParaRPr lang="ru-RU" sz="4000" dirty="0">
+              <a:effectLst>
+                <a:outerShdw blurRad="38100" dist="38100" dir="2700000" algn="tl">
+                  <a:srgbClr val="000000">
+                    <a:alpha val="43137"/>
+                  </a:srgbClr>
+                </a:outerShdw>
+              </a:effectLst>
+              <a:latin typeface="Times New Roman" panose="02020603050405020304" pitchFamily="18" charset="0"/>
+              <a:cs typeface="Times New Roman" panose="02020603050405020304" pitchFamily="18" charset="0"/>
+            </a:endParaRPr>
+          </a:p>
+        </p:txBody>
+      </p:sp>
+      <p:pic>
+        <p:nvPicPr>
+          <p:cNvPr id="3" name="Рисунок 2"/>
+          <p:cNvPicPr>
+            <a:picLocks noChangeAspect="1"/>
+          </p:cNvPicPr>
+          <p:nvPr/>
+        </p:nvPicPr>
+        <p:blipFill>
+          <a:blip r:embed="rId2"/>
+          <a:stretch>
+            <a:fillRect/>
+          </a:stretch>
+        </p:blipFill>
+        <p:spPr>
+          <a:xfrm>
+            <a:off x="2796993" y="1064038"/>
+            <a:ext cx="6598014" cy="5296853"/>
+          </a:xfrm>
+          <a:prstGeom prst="rect">
+            <a:avLst/>
+          </a:prstGeom>
+        </p:spPr>
+      </p:pic>
+    </p:spTree>
+    <p:extLst>
+      <p:ext uri="{BB962C8B-B14F-4D97-AF65-F5344CB8AC3E}">
+        <p14:creationId xmlns:p14="http://schemas.microsoft.com/office/powerpoint/2010/main" val="3164463192"/>
+      </p:ext>
+    </p:extLst>
+  </p:cSld>
+  <p:clrMapOvr>
+    <a:masterClrMapping/>
+  </p:clrMapOvr>
+  <p:timing>
+    <p:tnLst>
+      <p:par>
+        <p:cTn id="1" dur="indefinite" restart="never" nodeType="tmRoot"/>
+      </p:par>
+    </p:tnLst>
+  </p:timing>
+</p:sld>
+</file>
+
+<file path=ppt/slides/slide8.xml><?xml version="1.0" encoding="utf-8"?>
+<p:sld xmlns:a="http://schemas.openxmlformats.org/drawingml/2006/main" xmlns:r="http://schemas.openxmlformats.org/officeDocument/2006/relationships" xmlns:p="http://schemas.openxmlformats.org/presentationml/2006/main">
+  <p:cSld>
+    <p:spTree>
+      <p:nvGrpSpPr>
+        <p:cNvPr id="1" name=""/>
+        <p:cNvGrpSpPr/>
+        <p:nvPr/>
+      </p:nvGrpSpPr>
+      <p:grpSpPr>
+        <a:xfrm>
+          <a:off x="0" y="0"/>
+          <a:ext cx="0" cy="0"/>
+          <a:chOff x="0" y="0"/>
+          <a:chExt cx="0" cy="0"/>
+        </a:xfrm>
+      </p:grpSpPr>
+      <p:sp>
+        <p:nvSpPr>
+          <p:cNvPr id="2" name="Заголовок 1"/>
+          <p:cNvSpPr>
+            <a:spLocks noGrp="1"/>
+          </p:cNvSpPr>
+          <p:nvPr>
+            <p:ph type="title"/>
+          </p:nvPr>
+        </p:nvSpPr>
+        <p:spPr>
+          <a:xfrm>
+            <a:off x="0" y="0"/>
+            <a:ext cx="12192000" cy="1325563"/>
+          </a:xfrm>
+        </p:spPr>
+        <p:txBody>
+          <a:bodyPr>
+            <a:normAutofit/>
+          </a:bodyPr>
+          <a:lstStyle/>
+          <a:p>
+            <a:r>
+              <a:rPr lang="ru-RU" sz="4000" dirty="0" smtClean="0">
+                <a:effectLst>
+                  <a:outerShdw blurRad="38100" dist="38100" dir="2700000" algn="tl">
+                    <a:srgbClr val="000000">
+                      <a:alpha val="43137"/>
+                    </a:srgbClr>
+                  </a:outerShdw>
+                </a:effectLst>
+                <a:latin typeface="Times New Roman" panose="02020603050405020304" pitchFamily="18" charset="0"/>
+                <a:cs typeface="Times New Roman" panose="02020603050405020304" pitchFamily="18" charset="0"/>
+              </a:rPr>
+              <a:t>Интерфейс программы</a:t>
+            </a:r>
+            <a:endParaRPr lang="ru-RU" sz="4000" dirty="0">
+              <a:effectLst>
+                <a:outerShdw blurRad="38100" dist="38100" dir="2700000" algn="tl">
+                  <a:srgbClr val="000000">
+                    <a:alpha val="43137"/>
+                  </a:srgbClr>
+                </a:outerShdw>
+              </a:effectLst>
+              <a:latin typeface="Times New Roman" panose="02020603050405020304" pitchFamily="18" charset="0"/>
+              <a:cs typeface="Times New Roman" panose="02020603050405020304" pitchFamily="18" charset="0"/>
+            </a:endParaRPr>
+          </a:p>
+        </p:txBody>
+      </p:sp>
+      <p:pic>
+        <p:nvPicPr>
+          <p:cNvPr id="4" name="Рисунок 3"/>
+          <p:cNvPicPr>
+            <a:picLocks noChangeAspect="1"/>
+          </p:cNvPicPr>
+          <p:nvPr/>
+        </p:nvPicPr>
+        <p:blipFill>
+          <a:blip r:embed="rId2"/>
+          <a:stretch>
+            <a:fillRect/>
+          </a:stretch>
+        </p:blipFill>
+        <p:spPr>
+          <a:xfrm>
+            <a:off x="575009" y="1325563"/>
+            <a:ext cx="3232475" cy="4614296"/>
+          </a:xfrm>
+          <a:prstGeom prst="rect">
+            <a:avLst/>
+          </a:prstGeom>
+        </p:spPr>
+      </p:pic>
+      <p:pic>
+        <p:nvPicPr>
+          <p:cNvPr id="6" name="Рисунок 5"/>
+          <p:cNvPicPr/>
+          <p:nvPr/>
+        </p:nvPicPr>
+        <p:blipFill>
+          <a:blip r:embed="rId3">
+            <a:extLst>
+              <a:ext uri="{28A0092B-C50C-407E-A947-70E740481C1C}">
+                <a14:useLocalDpi xmlns:a14="http://schemas.microsoft.com/office/drawing/2010/main" val="0"/>
+              </a:ext>
+            </a:extLst>
+          </a:blip>
+          <a:srcRect/>
+          <a:stretch>
+            <a:fillRect/>
+          </a:stretch>
+        </p:blipFill>
+        <p:spPr bwMode="auto">
+          <a:xfrm>
+            <a:off x="7595280" y="1325563"/>
+            <a:ext cx="4071765" cy="2192489"/>
+          </a:xfrm>
+          <a:prstGeom prst="rect">
+            <a:avLst/>
+          </a:prstGeom>
+          <a:noFill/>
+          <a:ln>
+            <a:noFill/>
+          </a:ln>
+        </p:spPr>
+      </p:pic>
+      <p:pic>
+        <p:nvPicPr>
+          <p:cNvPr id="7" name="Рисунок 6"/>
+          <p:cNvPicPr>
+            <a:picLocks noChangeAspect="1"/>
+          </p:cNvPicPr>
+          <p:nvPr/>
+        </p:nvPicPr>
+        <p:blipFill>
+          <a:blip r:embed="rId4"/>
+          <a:stretch>
+            <a:fillRect/>
+          </a:stretch>
+        </p:blipFill>
+        <p:spPr>
+          <a:xfrm>
+            <a:off x="4087155" y="1328433"/>
+            <a:ext cx="3228454" cy="4608556"/>
+          </a:xfrm>
+          <a:prstGeom prst="rect">
+            <a:avLst/>
+          </a:prstGeom>
+        </p:spPr>
+      </p:pic>
+      <p:pic>
+        <p:nvPicPr>
+          <p:cNvPr id="8" name="Рисунок 7"/>
+          <p:cNvPicPr>
+            <a:picLocks noChangeAspect="1"/>
+          </p:cNvPicPr>
+          <p:nvPr/>
+        </p:nvPicPr>
+        <p:blipFill>
+          <a:blip r:embed="rId5"/>
+          <a:stretch>
+            <a:fillRect/>
+          </a:stretch>
+        </p:blipFill>
+        <p:spPr>
+          <a:xfrm>
+            <a:off x="7595279" y="3744500"/>
+            <a:ext cx="4071766" cy="2192489"/>
+          </a:xfrm>
+          <a:prstGeom prst="rect">
+            <a:avLst/>
+          </a:prstGeom>
+        </p:spPr>
+      </p:pic>
+    </p:spTree>
+    <p:extLst>
+      <p:ext uri="{BB962C8B-B14F-4D97-AF65-F5344CB8AC3E}">
+        <p14:creationId xmlns:p14="http://schemas.microsoft.com/office/powerpoint/2010/main" val="3676719507"/>
+      </p:ext>
+    </p:extLst>
+  </p:cSld>
+  <p:clrMapOvr>
+    <a:masterClrMapping/>
+  </p:clrMapOvr>
+  <p:timing>
+    <p:tnLst>
+      <p:par>
+        <p:cTn id="1" dur="indefinite" restart="never" nodeType="tmRoot"/>
+      </p:par>
+    </p:tnLst>
+  </p:timing>
+</p:sld>
+</file>
+
+<file path=ppt/slides/slide9.xml><?xml version="1.0" encoding="utf-8"?>
+<p:sld xmlns:a="http://schemas.openxmlformats.org/drawingml/2006/main" xmlns:r="http://schemas.openxmlformats.org/officeDocument/2006/relationships" xmlns:p="http://schemas.openxmlformats.org/presentationml/2006/main">
+  <p:cSld>
+    <p:spTree>
+      <p:nvGrpSpPr>
+        <p:cNvPr id="1" name=""/>
+        <p:cNvGrpSpPr/>
+        <p:nvPr/>
+      </p:nvGrpSpPr>
+      <p:grpSpPr>
+        <a:xfrm>
+          <a:off x="0" y="0"/>
+          <a:ext cx="0" cy="0"/>
+          <a:chOff x="0" y="0"/>
+          <a:chExt cx="0" cy="0"/>
+        </a:xfrm>
+      </p:grpSpPr>
+      <p:sp>
+        <p:nvSpPr>
+          <p:cNvPr id="2" name="Заголовок 1"/>
+          <p:cNvSpPr>
+            <a:spLocks noGrp="1"/>
+          </p:cNvSpPr>
+          <p:nvPr>
+            <p:ph type="title"/>
+          </p:nvPr>
+        </p:nvSpPr>
+        <p:spPr>
+          <a:xfrm>
+            <a:off x="0" y="0"/>
+            <a:ext cx="12192000" cy="1325563"/>
+          </a:xfrm>
+        </p:spPr>
+        <p:txBody>
+          <a:bodyPr>
+            <a:normAutofit/>
+          </a:bodyPr>
+          <a:lstStyle/>
+          <a:p>
+            <a:r>
+              <a:rPr lang="ru-RU" sz="4000" dirty="0" smtClean="0">
+                <a:effectLst>
+                  <a:outerShdw blurRad="38100" dist="38100" dir="2700000" algn="tl">
+                    <a:srgbClr val="000000">
+                      <a:alpha val="43137"/>
+                    </a:srgbClr>
+                  </a:outerShdw>
+                </a:effectLst>
+                <a:latin typeface="Times New Roman" panose="02020603050405020304" pitchFamily="18" charset="0"/>
+                <a:cs typeface="Times New Roman" panose="02020603050405020304" pitchFamily="18" charset="0"/>
+              </a:rPr>
+              <a:t>Заключение</a:t>
+            </a:r>
+            <a:endParaRPr lang="ru-RU" sz="4000" dirty="0">
+              <a:effectLst>
+                <a:outerShdw blurRad="38100" dist="38100" dir="2700000" algn="tl">
+                  <a:srgbClr val="000000">
+                    <a:alpha val="43137"/>
+                  </a:srgbClr>
+                </a:outerShdw>
+              </a:effectLst>
+              <a:latin typeface="Times New Roman" panose="02020603050405020304" pitchFamily="18" charset="0"/>
+              <a:cs typeface="Times New Roman" panose="02020603050405020304" pitchFamily="18" charset="0"/>
+            </a:endParaRPr>
+          </a:p>
+        </p:txBody>
+      </p:sp>
+      <p:sp>
+        <p:nvSpPr>
+          <p:cNvPr id="6" name="Объект 2"/>
           <p:cNvSpPr txBox="1">
             <a:spLocks/>
           </p:cNvSpPr>
@@ -4762,8 +5334,8 @@
         </p:nvSpPr>
         <p:spPr>
           <a:xfrm>
-            <a:off x="1299972" y="1197547"/>
-            <a:ext cx="9592056" cy="1073213"/>
+            <a:off x="723900" y="1325563"/>
+            <a:ext cx="5108448" cy="4910645"/>
           </a:xfrm>
           <a:prstGeom prst="rect">
             <a:avLst/>
@@ -4946,708 +5518,298 @@
                 <a:latin typeface="Times New Roman" panose="02020603050405020304" pitchFamily="18" charset="0"/>
                 <a:cs typeface="Times New Roman" panose="02020603050405020304" pitchFamily="18" charset="0"/>
               </a:rPr>
-              <a:t>Цель проекта: </a:t>
-            </a:r>
-            <a:r>
-              <a:rPr lang="ru-RU" sz="2400" dirty="0">
-                <a:latin typeface="Times New Roman" panose="02020603050405020304" pitchFamily="18" charset="0"/>
-                <a:cs typeface="Times New Roman" panose="02020603050405020304" pitchFamily="18" charset="0"/>
-              </a:rPr>
-              <a:t>разработка программы шифрования </a:t>
-            </a:r>
-            <a:r>
-              <a:rPr lang="ru-RU" sz="2400" dirty="0" smtClean="0">
-                <a:latin typeface="Times New Roman" panose="02020603050405020304" pitchFamily="18" charset="0"/>
-                <a:cs typeface="Times New Roman" panose="02020603050405020304" pitchFamily="18" charset="0"/>
-              </a:rPr>
-              <a:t>файлов</a:t>
-            </a:r>
-            <a:r>
-              <a:rPr lang="en-US" sz="2400" dirty="0" smtClean="0">
-                <a:latin typeface="Times New Roman" panose="02020603050405020304" pitchFamily="18" charset="0"/>
-                <a:cs typeface="Times New Roman" panose="02020603050405020304" pitchFamily="18" charset="0"/>
-              </a:rPr>
-              <a:t>, </a:t>
-            </a:r>
-            <a:r>
-              <a:rPr lang="ru-RU" sz="2400" dirty="0" smtClean="0">
-                <a:latin typeface="Times New Roman" panose="02020603050405020304" pitchFamily="18" charset="0"/>
-                <a:cs typeface="Times New Roman" panose="02020603050405020304" pitchFamily="18" charset="0"/>
-              </a:rPr>
-              <a:t>которая </a:t>
-            </a:r>
-            <a:r>
-              <a:rPr lang="ru-RU" sz="2400" dirty="0">
-                <a:latin typeface="Times New Roman" panose="02020603050405020304" pitchFamily="18" charset="0"/>
-                <a:cs typeface="Times New Roman" panose="02020603050405020304" pitchFamily="18" charset="0"/>
-              </a:rPr>
-              <a:t>позволила бы пользователю защитить желаемую информацию наиболее эффективными методами</a:t>
-            </a:r>
-            <a:endParaRPr lang="ru-RU" sz="2400" dirty="0">
+              <a:t>Достоинства программы:</a:t>
+            </a:r>
+            <a:endParaRPr lang="ru-RU" sz="2400" b="1" dirty="0">
               <a:latin typeface="Times New Roman" panose="02020603050405020304" pitchFamily="18" charset="0"/>
               <a:cs typeface="Times New Roman" panose="02020603050405020304" pitchFamily="18" charset="0"/>
             </a:endParaRPr>
           </a:p>
-        </p:txBody>
-      </p:sp>
-    </p:spTree>
-    <p:extLst>
-      <p:ext uri="{BB962C8B-B14F-4D97-AF65-F5344CB8AC3E}">
-        <p14:creationId xmlns:p14="http://schemas.microsoft.com/office/powerpoint/2010/main" val="1637281774"/>
-      </p:ext>
-    </p:extLst>
-  </p:cSld>
-  <p:clrMapOvr>
-    <a:masterClrMapping/>
-  </p:clrMapOvr>
-  <p:timing>
-    <p:tnLst>
-      <p:par>
-        <p:cTn id="1" dur="indefinite" restart="never" nodeType="tmRoot"/>
-      </p:par>
-    </p:tnLst>
-  </p:timing>
-</p:sld>
-</file>
-
-<file path=ppt/slides/slide5.xml><?xml version="1.0" encoding="utf-8"?>
-<p:sld xmlns:a="http://schemas.openxmlformats.org/drawingml/2006/main" xmlns:r="http://schemas.openxmlformats.org/officeDocument/2006/relationships" xmlns:p="http://schemas.openxmlformats.org/presentationml/2006/main">
-  <p:cSld>
-    <p:spTree>
-      <p:nvGrpSpPr>
-        <p:cNvPr id="1" name=""/>
-        <p:cNvGrpSpPr/>
-        <p:nvPr/>
-      </p:nvGrpSpPr>
-      <p:grpSpPr>
-        <a:xfrm>
-          <a:off x="0" y="0"/>
-          <a:ext cx="0" cy="0"/>
-          <a:chOff x="0" y="0"/>
-          <a:chExt cx="0" cy="0"/>
-        </a:xfrm>
-      </p:grpSpPr>
-      <p:sp>
-        <p:nvSpPr>
-          <p:cNvPr id="2" name="Заголовок 1"/>
-          <p:cNvSpPr>
-            <a:spLocks noGrp="1"/>
-          </p:cNvSpPr>
-          <p:nvPr>
-            <p:ph type="title"/>
-          </p:nvPr>
-        </p:nvSpPr>
-        <p:spPr>
-          <a:xfrm>
-            <a:off x="0" y="0"/>
-            <a:ext cx="12192000" cy="1325563"/>
-          </a:xfrm>
-        </p:spPr>
-        <p:txBody>
-          <a:bodyPr>
-            <a:normAutofit/>
-          </a:bodyPr>
-          <a:lstStyle/>
-          <a:p>
-            <a:r>
-              <a:rPr lang="ru-RU" sz="4000" dirty="0" smtClean="0">
-                <a:effectLst>
-                  <a:outerShdw blurRad="38100" dist="38100" dir="2700000" algn="tl">
-                    <a:srgbClr val="000000">
-                      <a:alpha val="43137"/>
-                    </a:srgbClr>
-                  </a:outerShdw>
-                </a:effectLst>
-                <a:latin typeface="Times New Roman" panose="02020603050405020304" pitchFamily="18" charset="0"/>
-                <a:cs typeface="Times New Roman" panose="02020603050405020304" pitchFamily="18" charset="0"/>
-              </a:rPr>
-              <a:t>Диаграмма вариантов использования</a:t>
-            </a:r>
-            <a:endParaRPr lang="ru-RU" sz="4000" dirty="0">
-              <a:effectLst>
-                <a:outerShdw blurRad="38100" dist="38100" dir="2700000" algn="tl">
-                  <a:srgbClr val="000000">
-                    <a:alpha val="43137"/>
-                  </a:srgbClr>
-                </a:outerShdw>
-              </a:effectLst>
+          <a:p>
+            <a:pPr lvl="0"/>
+            <a:r>
+              <a:rPr lang="ru-RU" sz="2400" dirty="0">
+                <a:latin typeface="Times New Roman" panose="02020603050405020304" pitchFamily="18" charset="0"/>
+                <a:cs typeface="Times New Roman" panose="02020603050405020304" pitchFamily="18" charset="0"/>
+              </a:rPr>
+              <a:t>простой, понятный, удобный и приятный взгляду интерфейс с множеством подсказок;</a:t>
+            </a:r>
+          </a:p>
+          <a:p>
+            <a:pPr lvl="0"/>
+            <a:r>
+              <a:rPr lang="ru-RU" sz="2400" dirty="0">
+                <a:latin typeface="Times New Roman" panose="02020603050405020304" pitchFamily="18" charset="0"/>
+                <a:cs typeface="Times New Roman" panose="02020603050405020304" pitchFamily="18" charset="0"/>
+              </a:rPr>
+              <a:t>наличие нескольких методов для защиты информации;</a:t>
+            </a:r>
+          </a:p>
+          <a:p>
+            <a:pPr lvl="0"/>
+            <a:r>
+              <a:rPr lang="ru-RU" sz="2400" dirty="0">
+                <a:latin typeface="Times New Roman" panose="02020603050405020304" pitchFamily="18" charset="0"/>
+                <a:cs typeface="Times New Roman" panose="02020603050405020304" pitchFamily="18" charset="0"/>
+              </a:rPr>
+              <a:t>возможность генерации ключей для каждого метода;</a:t>
+            </a:r>
+          </a:p>
+          <a:p>
+            <a:pPr lvl="0"/>
+            <a:r>
+              <a:rPr lang="ru-RU" sz="2400" dirty="0">
+                <a:latin typeface="Times New Roman" panose="02020603050405020304" pitchFamily="18" charset="0"/>
+                <a:cs typeface="Times New Roman" panose="02020603050405020304" pitchFamily="18" charset="0"/>
+              </a:rPr>
+              <a:t>открытие и сохранение файлов;</a:t>
+            </a:r>
+          </a:p>
+          <a:p>
+            <a:pPr lvl="0"/>
+            <a:r>
+              <a:rPr lang="ru-RU" sz="2400" dirty="0">
+                <a:latin typeface="Times New Roman" panose="02020603050405020304" pitchFamily="18" charset="0"/>
+                <a:cs typeface="Times New Roman" panose="02020603050405020304" pitchFamily="18" charset="0"/>
+              </a:rPr>
+              <a:t>наличие «горячих» клавиш для основных функций программы;</a:t>
+            </a:r>
+          </a:p>
+          <a:p>
+            <a:pPr lvl="0"/>
+            <a:r>
+              <a:rPr lang="ru-RU" sz="2400" dirty="0">
+                <a:latin typeface="Times New Roman" panose="02020603050405020304" pitchFamily="18" charset="0"/>
+                <a:cs typeface="Times New Roman" panose="02020603050405020304" pitchFamily="18" charset="0"/>
+              </a:rPr>
+              <a:t>наличие справки с </a:t>
+            </a:r>
+            <a:r>
+              <a:rPr lang="ru-RU" sz="2400" dirty="0" smtClean="0">
+                <a:latin typeface="Times New Roman" panose="02020603050405020304" pitchFamily="18" charset="0"/>
+                <a:cs typeface="Times New Roman" panose="02020603050405020304" pitchFamily="18" charset="0"/>
+              </a:rPr>
+              <a:t>инструкцией.</a:t>
+            </a:r>
+            <a:endParaRPr lang="ru-RU" dirty="0">
               <a:latin typeface="Times New Roman" panose="02020603050405020304" pitchFamily="18" charset="0"/>
               <a:cs typeface="Times New Roman" panose="02020603050405020304" pitchFamily="18" charset="0"/>
             </a:endParaRPr>
           </a:p>
         </p:txBody>
       </p:sp>
-      <p:pic>
-        <p:nvPicPr>
-          <p:cNvPr id="5" name="Рисунок 4"/>
-          <p:cNvPicPr>
-            <a:picLocks noChangeAspect="1"/>
-          </p:cNvPicPr>
+      <p:sp>
+        <p:nvSpPr>
+          <p:cNvPr id="7" name="Объект 2"/>
+          <p:cNvSpPr txBox="1">
+            <a:spLocks/>
+          </p:cNvSpPr>
           <p:nvPr/>
-        </p:nvPicPr>
-        <p:blipFill>
-          <a:blip r:embed="rId2"/>
-          <a:stretch>
-            <a:fillRect/>
-          </a:stretch>
-        </p:blipFill>
+        </p:nvSpPr>
         <p:spPr>
           <a:xfrm>
-            <a:off x="4099179" y="991563"/>
-            <a:ext cx="3993642" cy="5866437"/>
+            <a:off x="6457950" y="1325563"/>
+            <a:ext cx="5108448" cy="4910645"/>
           </a:xfrm>
           <a:prstGeom prst="rect">
             <a:avLst/>
           </a:prstGeom>
         </p:spPr>
-      </p:pic>
+        <p:txBody>
+          <a:bodyPr vert="horz" lIns="91440" tIns="45720" rIns="91440" bIns="45720" rtlCol="0">
+            <a:noAutofit/>
+          </a:bodyPr>
+          <a:lstStyle>
+            <a:lvl1pPr marL="228600" indent="-228600" algn="l" defTabSz="914400" rtl="0" eaLnBrk="1" latinLnBrk="0" hangingPunct="1">
+              <a:lnSpc>
+                <a:spcPct val="90000"/>
+              </a:lnSpc>
+              <a:spcBef>
+                <a:spcPts val="1000"/>
+              </a:spcBef>
+              <a:buFont typeface="Arial" panose="020B0604020202020204" pitchFamily="34" charset="0"/>
+              <a:buChar char="•"/>
+              <a:defRPr sz="2800" kern="1200">
+                <a:solidFill>
+                  <a:schemeClr val="tx1"/>
+                </a:solidFill>
+                <a:latin typeface="+mn-lt"/>
+                <a:ea typeface="+mn-ea"/>
+                <a:cs typeface="+mn-cs"/>
+              </a:defRPr>
+            </a:lvl1pPr>
+            <a:lvl2pPr marL="685800" indent="-228600" algn="l" defTabSz="914400" rtl="0" eaLnBrk="1" latinLnBrk="0" hangingPunct="1">
+              <a:lnSpc>
+                <a:spcPct val="90000"/>
+              </a:lnSpc>
+              <a:spcBef>
+                <a:spcPts val="500"/>
+              </a:spcBef>
+              <a:buFont typeface="Arial" panose="020B0604020202020204" pitchFamily="34" charset="0"/>
+              <a:buChar char="•"/>
+              <a:defRPr sz="2400" kern="1200">
+                <a:solidFill>
+                  <a:schemeClr val="tx1"/>
+                </a:solidFill>
+                <a:latin typeface="+mn-lt"/>
+                <a:ea typeface="+mn-ea"/>
+                <a:cs typeface="+mn-cs"/>
+              </a:defRPr>
+            </a:lvl2pPr>
+            <a:lvl3pPr marL="1143000" indent="-228600" algn="l" defTabSz="914400" rtl="0" eaLnBrk="1" latinLnBrk="0" hangingPunct="1">
+              <a:lnSpc>
+                <a:spcPct val="90000"/>
+              </a:lnSpc>
+              <a:spcBef>
+                <a:spcPts val="500"/>
+              </a:spcBef>
+              <a:buFont typeface="Arial" panose="020B0604020202020204" pitchFamily="34" charset="0"/>
+              <a:buChar char="•"/>
+              <a:defRPr sz="2000" kern="1200">
+                <a:solidFill>
+                  <a:schemeClr val="tx1"/>
+                </a:solidFill>
+                <a:latin typeface="+mn-lt"/>
+                <a:ea typeface="+mn-ea"/>
+                <a:cs typeface="+mn-cs"/>
+              </a:defRPr>
+            </a:lvl3pPr>
+            <a:lvl4pPr marL="1600200" indent="-228600" algn="l" defTabSz="914400" rtl="0" eaLnBrk="1" latinLnBrk="0" hangingPunct="1">
+              <a:lnSpc>
+                <a:spcPct val="90000"/>
+              </a:lnSpc>
+              <a:spcBef>
+                <a:spcPts val="500"/>
+              </a:spcBef>
+              <a:buFont typeface="Arial" panose="020B0604020202020204" pitchFamily="34" charset="0"/>
+              <a:buChar char="•"/>
+              <a:defRPr sz="1800" kern="1200">
+                <a:solidFill>
+                  <a:schemeClr val="tx1"/>
+                </a:solidFill>
+                <a:latin typeface="+mn-lt"/>
+                <a:ea typeface="+mn-ea"/>
+                <a:cs typeface="+mn-cs"/>
+              </a:defRPr>
+            </a:lvl4pPr>
+            <a:lvl5pPr marL="2057400" indent="-228600" algn="l" defTabSz="914400" rtl="0" eaLnBrk="1" latinLnBrk="0" hangingPunct="1">
+              <a:lnSpc>
+                <a:spcPct val="90000"/>
+              </a:lnSpc>
+              <a:spcBef>
+                <a:spcPts val="500"/>
+              </a:spcBef>
+              <a:buFont typeface="Arial" panose="020B0604020202020204" pitchFamily="34" charset="0"/>
+              <a:buChar char="•"/>
+              <a:defRPr sz="1800" kern="1200">
+                <a:solidFill>
+                  <a:schemeClr val="tx1"/>
+                </a:solidFill>
+                <a:latin typeface="+mn-lt"/>
+                <a:ea typeface="+mn-ea"/>
+                <a:cs typeface="+mn-cs"/>
+              </a:defRPr>
+            </a:lvl5pPr>
+            <a:lvl6pPr marL="2514600" indent="-228600" algn="l" defTabSz="914400" rtl="0" eaLnBrk="1" latinLnBrk="0" hangingPunct="1">
+              <a:lnSpc>
+                <a:spcPct val="90000"/>
+              </a:lnSpc>
+              <a:spcBef>
+                <a:spcPts val="500"/>
+              </a:spcBef>
+              <a:buFont typeface="Arial" panose="020B0604020202020204" pitchFamily="34" charset="0"/>
+              <a:buChar char="•"/>
+              <a:defRPr sz="1800" kern="1200">
+                <a:solidFill>
+                  <a:schemeClr val="tx1"/>
+                </a:solidFill>
+                <a:latin typeface="+mn-lt"/>
+                <a:ea typeface="+mn-ea"/>
+                <a:cs typeface="+mn-cs"/>
+              </a:defRPr>
+            </a:lvl6pPr>
+            <a:lvl7pPr marL="2971800" indent="-228600" algn="l" defTabSz="914400" rtl="0" eaLnBrk="1" latinLnBrk="0" hangingPunct="1">
+              <a:lnSpc>
+                <a:spcPct val="90000"/>
+              </a:lnSpc>
+              <a:spcBef>
+                <a:spcPts val="500"/>
+              </a:spcBef>
+              <a:buFont typeface="Arial" panose="020B0604020202020204" pitchFamily="34" charset="0"/>
+              <a:buChar char="•"/>
+              <a:defRPr sz="1800" kern="1200">
+                <a:solidFill>
+                  <a:schemeClr val="tx1"/>
+                </a:solidFill>
+                <a:latin typeface="+mn-lt"/>
+                <a:ea typeface="+mn-ea"/>
+                <a:cs typeface="+mn-cs"/>
+              </a:defRPr>
+            </a:lvl7pPr>
+            <a:lvl8pPr marL="3429000" indent="-228600" algn="l" defTabSz="914400" rtl="0" eaLnBrk="1" latinLnBrk="0" hangingPunct="1">
+              <a:lnSpc>
+                <a:spcPct val="90000"/>
+              </a:lnSpc>
+              <a:spcBef>
+                <a:spcPts val="500"/>
+              </a:spcBef>
+              <a:buFont typeface="Arial" panose="020B0604020202020204" pitchFamily="34" charset="0"/>
+              <a:buChar char="•"/>
+              <a:defRPr sz="1800" kern="1200">
+                <a:solidFill>
+                  <a:schemeClr val="tx1"/>
+                </a:solidFill>
+                <a:latin typeface="+mn-lt"/>
+                <a:ea typeface="+mn-ea"/>
+                <a:cs typeface="+mn-cs"/>
+              </a:defRPr>
+            </a:lvl8pPr>
+            <a:lvl9pPr marL="3886200" indent="-228600" algn="l" defTabSz="914400" rtl="0" eaLnBrk="1" latinLnBrk="0" hangingPunct="1">
+              <a:lnSpc>
+                <a:spcPct val="90000"/>
+              </a:lnSpc>
+              <a:spcBef>
+                <a:spcPts val="500"/>
+              </a:spcBef>
+              <a:buFont typeface="Arial" panose="020B0604020202020204" pitchFamily="34" charset="0"/>
+              <a:buChar char="•"/>
+              <a:defRPr sz="1800" kern="1200">
+                <a:solidFill>
+                  <a:schemeClr val="tx1"/>
+                </a:solidFill>
+                <a:latin typeface="+mn-lt"/>
+                <a:ea typeface="+mn-ea"/>
+                <a:cs typeface="+mn-cs"/>
+              </a:defRPr>
+            </a:lvl9pPr>
+          </a:lstStyle>
+          <a:p>
+            <a:pPr marL="0" indent="0">
+              <a:buNone/>
+            </a:pPr>
+            <a:r>
+              <a:rPr lang="ru-RU" sz="2400" b="1" dirty="0" smtClean="0">
+                <a:latin typeface="Times New Roman" panose="02020603050405020304" pitchFamily="18" charset="0"/>
+                <a:cs typeface="Times New Roman" panose="02020603050405020304" pitchFamily="18" charset="0"/>
+              </a:rPr>
+              <a:t>Пути развития программы:</a:t>
+            </a:r>
+          </a:p>
+          <a:p>
+            <a:pPr marL="0" indent="0">
+              <a:buNone/>
+            </a:pPr>
+            <a:endParaRPr lang="ru-RU" sz="2400" b="1" dirty="0">
+              <a:latin typeface="Times New Roman" panose="02020603050405020304" pitchFamily="18" charset="0"/>
+              <a:cs typeface="Times New Roman" panose="02020603050405020304" pitchFamily="18" charset="0"/>
+            </a:endParaRPr>
+          </a:p>
+        </p:txBody>
+      </p:sp>
     </p:spTree>
     <p:extLst>
       <p:ext uri="{BB962C8B-B14F-4D97-AF65-F5344CB8AC3E}">
-        <p14:creationId xmlns:p14="http://schemas.microsoft.com/office/powerpoint/2010/main" val="4135019697"/>
-      </p:ext>
-    </p:extLst>
-  </p:cSld>
-  <p:clrMapOvr>
-    <a:masterClrMapping/>
-  </p:clrMapOvr>
-  <p:timing>
-    <p:tnLst>
-      <p:par>
-        <p:cTn id="1" dur="indefinite" restart="never" nodeType="tmRoot"/>
-      </p:par>
-    </p:tnLst>
-  </p:timing>
-</p:sld>
-</file>
-
-<file path=ppt/slides/slide6.xml><?xml version="1.0" encoding="utf-8"?>
-<p:sld xmlns:a="http://schemas.openxmlformats.org/drawingml/2006/main" xmlns:r="http://schemas.openxmlformats.org/officeDocument/2006/relationships" xmlns:p="http://schemas.openxmlformats.org/presentationml/2006/main">
-  <p:cSld>
-    <p:spTree>
-      <p:nvGrpSpPr>
-        <p:cNvPr id="1" name=""/>
-        <p:cNvGrpSpPr/>
-        <p:nvPr/>
-      </p:nvGrpSpPr>
-      <p:grpSpPr>
-        <a:xfrm>
-          <a:off x="0" y="0"/>
-          <a:ext cx="0" cy="0"/>
-          <a:chOff x="0" y="0"/>
-          <a:chExt cx="0" cy="0"/>
-        </a:xfrm>
-      </p:grpSpPr>
-      <p:sp>
-        <p:nvSpPr>
-          <p:cNvPr id="2" name="Заголовок 1"/>
-          <p:cNvSpPr>
-            <a:spLocks noGrp="1"/>
-          </p:cNvSpPr>
-          <p:nvPr>
-            <p:ph type="title"/>
-          </p:nvPr>
-        </p:nvSpPr>
-        <p:spPr>
-          <a:xfrm>
-            <a:off x="0" y="0"/>
-            <a:ext cx="12192000" cy="1325563"/>
-          </a:xfrm>
-        </p:spPr>
-        <p:txBody>
-          <a:bodyPr>
-            <a:normAutofit/>
-          </a:bodyPr>
-          <a:lstStyle/>
-          <a:p>
-            <a:r>
-              <a:rPr lang="ru-RU" sz="4000" dirty="0" smtClean="0">
-                <a:effectLst>
-                  <a:outerShdw blurRad="38100" dist="38100" dir="2700000" algn="tl">
-                    <a:srgbClr val="000000">
-                      <a:alpha val="43137"/>
-                    </a:srgbClr>
-                  </a:outerShdw>
-                </a:effectLst>
-                <a:latin typeface="Times New Roman" panose="02020603050405020304" pitchFamily="18" charset="0"/>
-                <a:cs typeface="Times New Roman" panose="02020603050405020304" pitchFamily="18" charset="0"/>
-              </a:rPr>
-              <a:t>Контекстная диаграмма потоков данных</a:t>
-            </a:r>
-            <a:endParaRPr lang="ru-RU" sz="4000" dirty="0">
-              <a:effectLst>
-                <a:outerShdw blurRad="38100" dist="38100" dir="2700000" algn="tl">
-                  <a:srgbClr val="000000">
-                    <a:alpha val="43137"/>
-                  </a:srgbClr>
-                </a:outerShdw>
-              </a:effectLst>
-              <a:latin typeface="Times New Roman" panose="02020603050405020304" pitchFamily="18" charset="0"/>
-              <a:cs typeface="Times New Roman" panose="02020603050405020304" pitchFamily="18" charset="0"/>
-            </a:endParaRPr>
-          </a:p>
-        </p:txBody>
-      </p:sp>
-      <p:pic>
-        <p:nvPicPr>
-          <p:cNvPr id="3" name="Рисунок 2"/>
-          <p:cNvPicPr/>
-          <p:nvPr/>
-        </p:nvPicPr>
-        <p:blipFill>
-          <a:blip r:embed="rId2" cstate="print">
-            <a:extLst>
-              <a:ext uri="{28A0092B-C50C-407E-A947-70E740481C1C}">
-                <a14:useLocalDpi xmlns:a14="http://schemas.microsoft.com/office/drawing/2010/main" val="0"/>
-              </a:ext>
-            </a:extLst>
-          </a:blip>
-          <a:srcRect/>
-          <a:stretch>
-            <a:fillRect/>
-          </a:stretch>
-        </p:blipFill>
-        <p:spPr bwMode="auto">
-          <a:xfrm>
-            <a:off x="2421775" y="1563624"/>
-            <a:ext cx="7348451" cy="3730752"/>
-          </a:xfrm>
-          <a:prstGeom prst="rect">
-            <a:avLst/>
-          </a:prstGeom>
-          <a:noFill/>
-          <a:ln>
-            <a:noFill/>
-          </a:ln>
-        </p:spPr>
-      </p:pic>
-    </p:spTree>
-    <p:extLst>
-      <p:ext uri="{BB962C8B-B14F-4D97-AF65-F5344CB8AC3E}">
-        <p14:creationId xmlns:p14="http://schemas.microsoft.com/office/powerpoint/2010/main" val="1193432764"/>
-      </p:ext>
-    </p:extLst>
-  </p:cSld>
-  <p:clrMapOvr>
-    <a:masterClrMapping/>
-  </p:clrMapOvr>
-  <p:timing>
-    <p:tnLst>
-      <p:par>
-        <p:cTn id="1" dur="indefinite" restart="never" nodeType="tmRoot"/>
-      </p:par>
-    </p:tnLst>
-  </p:timing>
-</p:sld>
-</file>
-
-<file path=ppt/slides/slide7.xml><?xml version="1.0" encoding="utf-8"?>
-<p:sld xmlns:a="http://schemas.openxmlformats.org/drawingml/2006/main" xmlns:r="http://schemas.openxmlformats.org/officeDocument/2006/relationships" xmlns:p="http://schemas.openxmlformats.org/presentationml/2006/main">
-  <p:cSld>
-    <p:spTree>
-      <p:nvGrpSpPr>
-        <p:cNvPr id="1" name=""/>
-        <p:cNvGrpSpPr/>
-        <p:nvPr/>
-      </p:nvGrpSpPr>
-      <p:grpSpPr>
-        <a:xfrm>
-          <a:off x="0" y="0"/>
-          <a:ext cx="0" cy="0"/>
-          <a:chOff x="0" y="0"/>
-          <a:chExt cx="0" cy="0"/>
-        </a:xfrm>
-      </p:grpSpPr>
-      <p:sp>
-        <p:nvSpPr>
-          <p:cNvPr id="2" name="Заголовок 1"/>
-          <p:cNvSpPr>
-            <a:spLocks noGrp="1"/>
-          </p:cNvSpPr>
-          <p:nvPr>
-            <p:ph type="title"/>
-          </p:nvPr>
-        </p:nvSpPr>
-        <p:spPr>
-          <a:xfrm>
-            <a:off x="0" y="0"/>
-            <a:ext cx="12192000" cy="1325563"/>
-          </a:xfrm>
-        </p:spPr>
-        <p:txBody>
-          <a:bodyPr>
-            <a:normAutofit/>
-          </a:bodyPr>
-          <a:lstStyle/>
-          <a:p>
-            <a:r>
-              <a:rPr lang="ru-RU" sz="4000" dirty="0" smtClean="0">
-                <a:effectLst>
-                  <a:outerShdw blurRad="38100" dist="38100" dir="2700000" algn="tl">
-                    <a:srgbClr val="000000">
-                      <a:alpha val="43137"/>
-                    </a:srgbClr>
-                  </a:outerShdw>
-                </a:effectLst>
-                <a:latin typeface="Times New Roman" panose="02020603050405020304" pitchFamily="18" charset="0"/>
-                <a:cs typeface="Times New Roman" panose="02020603050405020304" pitchFamily="18" charset="0"/>
-              </a:rPr>
-              <a:t>Контекстная функциональная диаграмма</a:t>
-            </a:r>
-            <a:endParaRPr lang="ru-RU" sz="4000" dirty="0">
-              <a:effectLst>
-                <a:outerShdw blurRad="38100" dist="38100" dir="2700000" algn="tl">
-                  <a:srgbClr val="000000">
-                    <a:alpha val="43137"/>
-                  </a:srgbClr>
-                </a:outerShdw>
-              </a:effectLst>
-              <a:latin typeface="Times New Roman" panose="02020603050405020304" pitchFamily="18" charset="0"/>
-              <a:cs typeface="Times New Roman" panose="02020603050405020304" pitchFamily="18" charset="0"/>
-            </a:endParaRPr>
-          </a:p>
-        </p:txBody>
-      </p:sp>
-      <p:pic>
-        <p:nvPicPr>
-          <p:cNvPr id="3" name="Рисунок 2"/>
-          <p:cNvPicPr/>
-          <p:nvPr/>
-        </p:nvPicPr>
-        <p:blipFill>
-          <a:blip r:embed="rId2" cstate="print">
-            <a:extLst>
-              <a:ext uri="{28A0092B-C50C-407E-A947-70E740481C1C}">
-                <a14:useLocalDpi xmlns:a14="http://schemas.microsoft.com/office/drawing/2010/main" val="0"/>
-              </a:ext>
-            </a:extLst>
-          </a:blip>
-          <a:srcRect/>
-          <a:stretch>
-            <a:fillRect/>
-          </a:stretch>
-        </p:blipFill>
-        <p:spPr bwMode="auto">
-          <a:xfrm>
-            <a:off x="2282831" y="1781969"/>
-            <a:ext cx="7626339" cy="3294063"/>
-          </a:xfrm>
-          <a:prstGeom prst="rect">
-            <a:avLst/>
-          </a:prstGeom>
-          <a:noFill/>
-          <a:ln>
-            <a:noFill/>
-          </a:ln>
-        </p:spPr>
-      </p:pic>
-    </p:spTree>
-    <p:extLst>
-      <p:ext uri="{BB962C8B-B14F-4D97-AF65-F5344CB8AC3E}">
-        <p14:creationId xmlns:p14="http://schemas.microsoft.com/office/powerpoint/2010/main" val="2634766537"/>
-      </p:ext>
-    </p:extLst>
-  </p:cSld>
-  <p:clrMapOvr>
-    <a:masterClrMapping/>
-  </p:clrMapOvr>
-  <p:timing>
-    <p:tnLst>
-      <p:par>
-        <p:cTn id="1" dur="indefinite" restart="never" nodeType="tmRoot"/>
-      </p:par>
-    </p:tnLst>
-  </p:timing>
-</p:sld>
-</file>
-
-<file path=ppt/slides/slide8.xml><?xml version="1.0" encoding="utf-8"?>
-<p:sld xmlns:a="http://schemas.openxmlformats.org/drawingml/2006/main" xmlns:r="http://schemas.openxmlformats.org/officeDocument/2006/relationships" xmlns:p="http://schemas.openxmlformats.org/presentationml/2006/main">
-  <p:cSld>
-    <p:spTree>
-      <p:nvGrpSpPr>
-        <p:cNvPr id="1" name=""/>
-        <p:cNvGrpSpPr/>
-        <p:nvPr/>
-      </p:nvGrpSpPr>
-      <p:grpSpPr>
-        <a:xfrm>
-          <a:off x="0" y="0"/>
-          <a:ext cx="0" cy="0"/>
-          <a:chOff x="0" y="0"/>
-          <a:chExt cx="0" cy="0"/>
-        </a:xfrm>
-      </p:grpSpPr>
-      <p:sp>
-        <p:nvSpPr>
-          <p:cNvPr id="2" name="Заголовок 1"/>
-          <p:cNvSpPr>
-            <a:spLocks noGrp="1"/>
-          </p:cNvSpPr>
-          <p:nvPr>
-            <p:ph type="title"/>
-          </p:nvPr>
-        </p:nvSpPr>
-        <p:spPr>
-          <a:xfrm>
-            <a:off x="0" y="0"/>
-            <a:ext cx="12192000" cy="1325563"/>
-          </a:xfrm>
-        </p:spPr>
-        <p:txBody>
-          <a:bodyPr>
-            <a:normAutofit/>
-          </a:bodyPr>
-          <a:lstStyle/>
-          <a:p>
-            <a:r>
-              <a:rPr lang="ru-RU" sz="4000" dirty="0" smtClean="0">
-                <a:effectLst>
-                  <a:outerShdw blurRad="38100" dist="38100" dir="2700000" algn="tl">
-                    <a:srgbClr val="000000">
-                      <a:alpha val="43137"/>
-                    </a:srgbClr>
-                  </a:outerShdw>
-                </a:effectLst>
-                <a:latin typeface="Times New Roman" panose="02020603050405020304" pitchFamily="18" charset="0"/>
-                <a:cs typeface="Times New Roman" panose="02020603050405020304" pitchFamily="18" charset="0"/>
-              </a:rPr>
-              <a:t>Структурная схема</a:t>
-            </a:r>
-            <a:endParaRPr lang="ru-RU" sz="4000" dirty="0">
-              <a:effectLst>
-                <a:outerShdw blurRad="38100" dist="38100" dir="2700000" algn="tl">
-                  <a:srgbClr val="000000">
-                    <a:alpha val="43137"/>
-                  </a:srgbClr>
-                </a:outerShdw>
-              </a:effectLst>
-              <a:latin typeface="Times New Roman" panose="02020603050405020304" pitchFamily="18" charset="0"/>
-              <a:cs typeface="Times New Roman" panose="02020603050405020304" pitchFamily="18" charset="0"/>
-            </a:endParaRPr>
-          </a:p>
-        </p:txBody>
-      </p:sp>
-      <p:pic>
-        <p:nvPicPr>
-          <p:cNvPr id="3" name="Рисунок 2"/>
-          <p:cNvPicPr>
-            <a:picLocks noChangeAspect="1"/>
-          </p:cNvPicPr>
-          <p:nvPr/>
-        </p:nvPicPr>
-        <p:blipFill>
-          <a:blip r:embed="rId2"/>
-          <a:stretch>
-            <a:fillRect/>
-          </a:stretch>
-        </p:blipFill>
-        <p:spPr>
-          <a:xfrm>
-            <a:off x="2796993" y="1064038"/>
-            <a:ext cx="6598014" cy="5296853"/>
-          </a:xfrm>
-          <a:prstGeom prst="rect">
-            <a:avLst/>
-          </a:prstGeom>
-        </p:spPr>
-      </p:pic>
-    </p:spTree>
-    <p:extLst>
-      <p:ext uri="{BB962C8B-B14F-4D97-AF65-F5344CB8AC3E}">
-        <p14:creationId xmlns:p14="http://schemas.microsoft.com/office/powerpoint/2010/main" val="3164463192"/>
-      </p:ext>
-    </p:extLst>
-  </p:cSld>
-  <p:clrMapOvr>
-    <a:masterClrMapping/>
-  </p:clrMapOvr>
-  <p:timing>
-    <p:tnLst>
-      <p:par>
-        <p:cTn id="1" dur="indefinite" restart="never" nodeType="tmRoot"/>
-      </p:par>
-    </p:tnLst>
-  </p:timing>
-</p:sld>
-</file>
-
-<file path=ppt/slides/slide9.xml><?xml version="1.0" encoding="utf-8"?>
-<p:sld xmlns:a="http://schemas.openxmlformats.org/drawingml/2006/main" xmlns:r="http://schemas.openxmlformats.org/officeDocument/2006/relationships" xmlns:p="http://schemas.openxmlformats.org/presentationml/2006/main">
-  <p:cSld>
-    <p:spTree>
-      <p:nvGrpSpPr>
-        <p:cNvPr id="1" name=""/>
-        <p:cNvGrpSpPr/>
-        <p:nvPr/>
-      </p:nvGrpSpPr>
-      <p:grpSpPr>
-        <a:xfrm>
-          <a:off x="0" y="0"/>
-          <a:ext cx="0" cy="0"/>
-          <a:chOff x="0" y="0"/>
-          <a:chExt cx="0" cy="0"/>
-        </a:xfrm>
-      </p:grpSpPr>
-      <p:sp>
-        <p:nvSpPr>
-          <p:cNvPr id="2" name="Заголовок 1"/>
-          <p:cNvSpPr>
-            <a:spLocks noGrp="1"/>
-          </p:cNvSpPr>
-          <p:nvPr>
-            <p:ph type="title"/>
-          </p:nvPr>
-        </p:nvSpPr>
-        <p:spPr>
-          <a:xfrm>
-            <a:off x="0" y="0"/>
-            <a:ext cx="12192000" cy="1325563"/>
-          </a:xfrm>
-        </p:spPr>
-        <p:txBody>
-          <a:bodyPr>
-            <a:normAutofit/>
-          </a:bodyPr>
-          <a:lstStyle/>
-          <a:p>
-            <a:r>
-              <a:rPr lang="ru-RU" sz="4000" dirty="0" smtClean="0">
-                <a:effectLst>
-                  <a:outerShdw blurRad="38100" dist="38100" dir="2700000" algn="tl">
-                    <a:srgbClr val="000000">
-                      <a:alpha val="43137"/>
-                    </a:srgbClr>
-                  </a:outerShdw>
-                </a:effectLst>
-                <a:latin typeface="Times New Roman" panose="02020603050405020304" pitchFamily="18" charset="0"/>
-                <a:cs typeface="Times New Roman" panose="02020603050405020304" pitchFamily="18" charset="0"/>
-              </a:rPr>
-              <a:t>Интерфейс программы</a:t>
-            </a:r>
-            <a:endParaRPr lang="ru-RU" sz="4000" dirty="0">
-              <a:effectLst>
-                <a:outerShdw blurRad="38100" dist="38100" dir="2700000" algn="tl">
-                  <a:srgbClr val="000000">
-                    <a:alpha val="43137"/>
-                  </a:srgbClr>
-                </a:outerShdw>
-              </a:effectLst>
-              <a:latin typeface="Times New Roman" panose="02020603050405020304" pitchFamily="18" charset="0"/>
-              <a:cs typeface="Times New Roman" panose="02020603050405020304" pitchFamily="18" charset="0"/>
-            </a:endParaRPr>
-          </a:p>
-        </p:txBody>
-      </p:sp>
-      <p:pic>
-        <p:nvPicPr>
-          <p:cNvPr id="4" name="Рисунок 3"/>
-          <p:cNvPicPr>
-            <a:picLocks noChangeAspect="1"/>
-          </p:cNvPicPr>
-          <p:nvPr/>
-        </p:nvPicPr>
-        <p:blipFill>
-          <a:blip r:embed="rId2"/>
-          <a:stretch>
-            <a:fillRect/>
-          </a:stretch>
-        </p:blipFill>
-        <p:spPr>
-          <a:xfrm>
-            <a:off x="575009" y="1325563"/>
-            <a:ext cx="3232475" cy="4614296"/>
-          </a:xfrm>
-          <a:prstGeom prst="rect">
-            <a:avLst/>
-          </a:prstGeom>
-        </p:spPr>
-      </p:pic>
-      <p:pic>
-        <p:nvPicPr>
-          <p:cNvPr id="6" name="Рисунок 5"/>
-          <p:cNvPicPr/>
-          <p:nvPr/>
-        </p:nvPicPr>
-        <p:blipFill>
-          <a:blip r:embed="rId3">
-            <a:extLst>
-              <a:ext uri="{28A0092B-C50C-407E-A947-70E740481C1C}">
-                <a14:useLocalDpi xmlns:a14="http://schemas.microsoft.com/office/drawing/2010/main" val="0"/>
-              </a:ext>
-            </a:extLst>
-          </a:blip>
-          <a:srcRect/>
-          <a:stretch>
-            <a:fillRect/>
-          </a:stretch>
-        </p:blipFill>
-        <p:spPr bwMode="auto">
-          <a:xfrm>
-            <a:off x="7595280" y="1325563"/>
-            <a:ext cx="4071765" cy="2192489"/>
-          </a:xfrm>
-          <a:prstGeom prst="rect">
-            <a:avLst/>
-          </a:prstGeom>
-          <a:noFill/>
-          <a:ln>
-            <a:noFill/>
-          </a:ln>
-        </p:spPr>
-      </p:pic>
-      <p:pic>
-        <p:nvPicPr>
-          <p:cNvPr id="7" name="Рисунок 6"/>
-          <p:cNvPicPr>
-            <a:picLocks noChangeAspect="1"/>
-          </p:cNvPicPr>
-          <p:nvPr/>
-        </p:nvPicPr>
-        <p:blipFill>
-          <a:blip r:embed="rId4"/>
-          <a:stretch>
-            <a:fillRect/>
-          </a:stretch>
-        </p:blipFill>
-        <p:spPr>
-          <a:xfrm>
-            <a:off x="4087155" y="1328433"/>
-            <a:ext cx="3228454" cy="4608556"/>
-          </a:xfrm>
-          <a:prstGeom prst="rect">
-            <a:avLst/>
-          </a:prstGeom>
-        </p:spPr>
-      </p:pic>
-      <p:pic>
-        <p:nvPicPr>
-          <p:cNvPr id="8" name="Рисунок 7"/>
-          <p:cNvPicPr>
-            <a:picLocks noChangeAspect="1"/>
-          </p:cNvPicPr>
-          <p:nvPr/>
-        </p:nvPicPr>
-        <p:blipFill>
-          <a:blip r:embed="rId5"/>
-          <a:stretch>
-            <a:fillRect/>
-          </a:stretch>
-        </p:blipFill>
-        <p:spPr>
-          <a:xfrm>
-            <a:off x="7595279" y="3744500"/>
-            <a:ext cx="4071766" cy="2192489"/>
-          </a:xfrm>
-          <a:prstGeom prst="rect">
-            <a:avLst/>
-          </a:prstGeom>
-        </p:spPr>
-      </p:pic>
-    </p:spTree>
-    <p:extLst>
-      <p:ext uri="{BB962C8B-B14F-4D97-AF65-F5344CB8AC3E}">
-        <p14:creationId xmlns:p14="http://schemas.microsoft.com/office/powerpoint/2010/main" val="3676719507"/>
+        <p14:creationId xmlns:p14="http://schemas.microsoft.com/office/powerpoint/2010/main" val="3339617309"/>
       </p:ext>
     </p:extLst>
   </p:cSld>

--- a/Documentation/Презентация к защите.pptx
+++ b/Documentation/Презентация к защите.pptx
@@ -8,13 +8,16 @@
     <p:sldId id="256" r:id="rId2"/>
     <p:sldId id="261" r:id="rId3"/>
     <p:sldId id="262" r:id="rId4"/>
-    <p:sldId id="267" r:id="rId5"/>
-    <p:sldId id="264" r:id="rId6"/>
-    <p:sldId id="265" r:id="rId7"/>
-    <p:sldId id="266" r:id="rId8"/>
-    <p:sldId id="260" r:id="rId9"/>
-    <p:sldId id="259" r:id="rId10"/>
-    <p:sldId id="258" r:id="rId11"/>
+    <p:sldId id="268" r:id="rId5"/>
+    <p:sldId id="269" r:id="rId6"/>
+    <p:sldId id="270" r:id="rId7"/>
+    <p:sldId id="267" r:id="rId8"/>
+    <p:sldId id="264" r:id="rId9"/>
+    <p:sldId id="265" r:id="rId10"/>
+    <p:sldId id="266" r:id="rId11"/>
+    <p:sldId id="260" r:id="rId12"/>
+    <p:sldId id="259" r:id="rId13"/>
+    <p:sldId id="258" r:id="rId14"/>
   </p:sldIdLst>
   <p:sldSz cx="12192000" cy="6858000"/>
   <p:notesSz cx="6858000" cy="9144000"/>
@@ -252,7 +255,7 @@
           <a:p>
             <a:fld id="{13AB8811-2AAB-419B-BBE2-BFA2B9063CD6}" type="datetimeFigureOut">
               <a:rPr lang="ru-RU" smtClean="0"/>
-              <a:t>13.06.2019</a:t>
+              <a:t>14.06.2019</a:t>
             </a:fld>
             <a:endParaRPr lang="ru-RU"/>
           </a:p>
@@ -422,7 +425,7 @@
           <a:p>
             <a:fld id="{13AB8811-2AAB-419B-BBE2-BFA2B9063CD6}" type="datetimeFigureOut">
               <a:rPr lang="ru-RU" smtClean="0"/>
-              <a:t>13.06.2019</a:t>
+              <a:t>14.06.2019</a:t>
             </a:fld>
             <a:endParaRPr lang="ru-RU"/>
           </a:p>
@@ -602,7 +605,7 @@
           <a:p>
             <a:fld id="{13AB8811-2AAB-419B-BBE2-BFA2B9063CD6}" type="datetimeFigureOut">
               <a:rPr lang="ru-RU" smtClean="0"/>
-              <a:t>13.06.2019</a:t>
+              <a:t>14.06.2019</a:t>
             </a:fld>
             <a:endParaRPr lang="ru-RU"/>
           </a:p>
@@ -772,7 +775,7 @@
           <a:p>
             <a:fld id="{13AB8811-2AAB-419B-BBE2-BFA2B9063CD6}" type="datetimeFigureOut">
               <a:rPr lang="ru-RU" smtClean="0"/>
-              <a:t>13.06.2019</a:t>
+              <a:t>14.06.2019</a:t>
             </a:fld>
             <a:endParaRPr lang="ru-RU"/>
           </a:p>
@@ -1018,7 +1021,7 @@
           <a:p>
             <a:fld id="{13AB8811-2AAB-419B-BBE2-BFA2B9063CD6}" type="datetimeFigureOut">
               <a:rPr lang="ru-RU" smtClean="0"/>
-              <a:t>13.06.2019</a:t>
+              <a:t>14.06.2019</a:t>
             </a:fld>
             <a:endParaRPr lang="ru-RU"/>
           </a:p>
@@ -1250,7 +1253,7 @@
           <a:p>
             <a:fld id="{13AB8811-2AAB-419B-BBE2-BFA2B9063CD6}" type="datetimeFigureOut">
               <a:rPr lang="ru-RU" smtClean="0"/>
-              <a:t>13.06.2019</a:t>
+              <a:t>14.06.2019</a:t>
             </a:fld>
             <a:endParaRPr lang="ru-RU"/>
           </a:p>
@@ -1617,7 +1620,7 @@
           <a:p>
             <a:fld id="{13AB8811-2AAB-419B-BBE2-BFA2B9063CD6}" type="datetimeFigureOut">
               <a:rPr lang="ru-RU" smtClean="0"/>
-              <a:t>13.06.2019</a:t>
+              <a:t>14.06.2019</a:t>
             </a:fld>
             <a:endParaRPr lang="ru-RU"/>
           </a:p>
@@ -1735,7 +1738,7 @@
           <a:p>
             <a:fld id="{13AB8811-2AAB-419B-BBE2-BFA2B9063CD6}" type="datetimeFigureOut">
               <a:rPr lang="ru-RU" smtClean="0"/>
-              <a:t>13.06.2019</a:t>
+              <a:t>14.06.2019</a:t>
             </a:fld>
             <a:endParaRPr lang="ru-RU"/>
           </a:p>
@@ -1830,7 +1833,7 @@
           <a:p>
             <a:fld id="{13AB8811-2AAB-419B-BBE2-BFA2B9063CD6}" type="datetimeFigureOut">
               <a:rPr lang="ru-RU" smtClean="0"/>
-              <a:t>13.06.2019</a:t>
+              <a:t>14.06.2019</a:t>
             </a:fld>
             <a:endParaRPr lang="ru-RU"/>
           </a:p>
@@ -2107,7 +2110,7 @@
           <a:p>
             <a:fld id="{13AB8811-2AAB-419B-BBE2-BFA2B9063CD6}" type="datetimeFigureOut">
               <a:rPr lang="ru-RU" smtClean="0"/>
-              <a:t>13.06.2019</a:t>
+              <a:t>14.06.2019</a:t>
             </a:fld>
             <a:endParaRPr lang="ru-RU"/>
           </a:p>
@@ -2360,7 +2363,7 @@
           <a:p>
             <a:fld id="{13AB8811-2AAB-419B-BBE2-BFA2B9063CD6}" type="datetimeFigureOut">
               <a:rPr lang="ru-RU" smtClean="0"/>
-              <a:t>13.06.2019</a:t>
+              <a:t>14.06.2019</a:t>
             </a:fld>
             <a:endParaRPr lang="ru-RU"/>
           </a:p>
@@ -2573,7 +2576,7 @@
           <a:p>
             <a:fld id="{13AB8811-2AAB-419B-BBE2-BFA2B9063CD6}" type="datetimeFigureOut">
               <a:rPr lang="ru-RU" smtClean="0"/>
-              <a:t>13.06.2019</a:t>
+              <a:t>14.06.2019</a:t>
             </a:fld>
             <a:endParaRPr lang="ru-RU"/>
           </a:p>
@@ -3505,18 +3508,18 @@
       </p:grpSpPr>
       <p:sp>
         <p:nvSpPr>
-          <p:cNvPr id="3" name="Объект 2"/>
-          <p:cNvSpPr>
-            <a:spLocks noGrp="1"/>
-          </p:cNvSpPr>
-          <p:nvPr>
-            <p:ph idx="1"/>
+          <p:cNvPr id="2" name="Заголовок 1"/>
+          <p:cNvSpPr>
+            <a:spLocks noGrp="1"/>
+          </p:cNvSpPr>
+          <p:nvPr>
+            <p:ph type="title"/>
           </p:nvPr>
         </p:nvSpPr>
         <p:spPr>
           <a:xfrm>
-            <a:off x="0" y="3089085"/>
-            <a:ext cx="12192000" cy="679831"/>
+            <a:off x="0" y="0"/>
+            <a:ext cx="12192000" cy="1325563"/>
           </a:xfrm>
         </p:spPr>
         <p:txBody>
@@ -3525,9 +3528,6 @@
           </a:bodyPr>
           <a:lstStyle/>
           <a:p>
-            <a:pPr marL="0" indent="0" algn="ctr">
-              <a:buNone/>
-            </a:pPr>
             <a:r>
               <a:rPr lang="ru-RU" sz="4000" dirty="0" smtClean="0">
                 <a:effectLst>
@@ -3540,7 +3540,7 @@
                 <a:latin typeface="Times New Roman" panose="02020603050405020304" pitchFamily="18" charset="0"/>
                 <a:cs typeface="Times New Roman" panose="02020603050405020304" pitchFamily="18" charset="0"/>
               </a:rPr>
-              <a:t>Спасибо за внимание</a:t>
+              <a:t>Структурная схема</a:t>
             </a:r>
             <a:endParaRPr lang="ru-RU" sz="4000" dirty="0">
               <a:effectLst>
@@ -3556,10 +3556,34 @@
           </a:p>
         </p:txBody>
       </p:sp>
+      <p:pic>
+        <p:nvPicPr>
+          <p:cNvPr id="3" name="Рисунок 2"/>
+          <p:cNvPicPr>
+            <a:picLocks noChangeAspect="1"/>
+          </p:cNvPicPr>
+          <p:nvPr/>
+        </p:nvPicPr>
+        <p:blipFill>
+          <a:blip r:embed="rId2"/>
+          <a:stretch>
+            <a:fillRect/>
+          </a:stretch>
+        </p:blipFill>
+        <p:spPr>
+          <a:xfrm>
+            <a:off x="2796993" y="1064038"/>
+            <a:ext cx="6598014" cy="5296853"/>
+          </a:xfrm>
+          <a:prstGeom prst="rect">
+            <a:avLst/>
+          </a:prstGeom>
+        </p:spPr>
+      </p:pic>
     </p:spTree>
     <p:extLst>
       <p:ext uri="{BB962C8B-B14F-4D97-AF65-F5344CB8AC3E}">
-        <p14:creationId xmlns:p14="http://schemas.microsoft.com/office/powerpoint/2010/main" val="2784104509"/>
+        <p14:creationId xmlns:p14="http://schemas.microsoft.com/office/powerpoint/2010/main" val="3164463192"/>
       </p:ext>
     </p:extLst>
   </p:cSld>
@@ -3576,7 +3600,7 @@
 </p:sld>
 </file>
 
-<file path=ppt/slides/slide2.xml><?xml version="1.0" encoding="utf-8"?>
+<file path=ppt/slides/slide11.xml><?xml version="1.0" encoding="utf-8"?>
 <p:sld xmlns:a="http://schemas.openxmlformats.org/drawingml/2006/main" xmlns:r="http://schemas.openxmlformats.org/officeDocument/2006/relationships" xmlns:p="http://schemas.openxmlformats.org/presentationml/2006/main">
   <p:cSld>
     <p:spTree>
@@ -3627,7 +3651,7 @@
                 <a:latin typeface="Times New Roman" panose="02020603050405020304" pitchFamily="18" charset="0"/>
                 <a:cs typeface="Times New Roman" panose="02020603050405020304" pitchFamily="18" charset="0"/>
               </a:rPr>
-              <a:t>Предмет и объект исследования</a:t>
+              <a:t>Интерфейс программы</a:t>
             </a:r>
             <a:endParaRPr lang="ru-RU" sz="4000" dirty="0">
               <a:effectLst>
@@ -3643,58 +3667,192 @@
           </a:p>
         </p:txBody>
       </p:sp>
-      <p:sp>
-        <p:nvSpPr>
-          <p:cNvPr id="3" name="Объект 2"/>
-          <p:cNvSpPr>
-            <a:spLocks noGrp="1"/>
-          </p:cNvSpPr>
-          <p:nvPr>
-            <p:ph idx="1"/>
-          </p:nvPr>
-        </p:nvSpPr>
+      <p:pic>
+        <p:nvPicPr>
+          <p:cNvPr id="4" name="Рисунок 3"/>
+          <p:cNvPicPr>
+            <a:picLocks noChangeAspect="1"/>
+          </p:cNvPicPr>
+          <p:nvPr/>
+        </p:nvPicPr>
+        <p:blipFill>
+          <a:blip r:embed="rId2"/>
+          <a:stretch>
+            <a:fillRect/>
+          </a:stretch>
+        </p:blipFill>
         <p:spPr>
           <a:xfrm>
-            <a:off x="1348740" y="2261394"/>
-            <a:ext cx="9494520" cy="893286"/>
+            <a:off x="575009" y="1325563"/>
+            <a:ext cx="3232475" cy="4614296"/>
+          </a:xfrm>
+          <a:prstGeom prst="rect">
+            <a:avLst/>
+          </a:prstGeom>
+        </p:spPr>
+      </p:pic>
+      <p:pic>
+        <p:nvPicPr>
+          <p:cNvPr id="6" name="Рисунок 5"/>
+          <p:cNvPicPr/>
+          <p:nvPr/>
+        </p:nvPicPr>
+        <p:blipFill>
+          <a:blip r:embed="rId3">
+            <a:extLst>
+              <a:ext uri="{28A0092B-C50C-407E-A947-70E740481C1C}">
+                <a14:useLocalDpi xmlns:a14="http://schemas.microsoft.com/office/drawing/2010/main" val="0"/>
+              </a:ext>
+            </a:extLst>
+          </a:blip>
+          <a:srcRect/>
+          <a:stretch>
+            <a:fillRect/>
+          </a:stretch>
+        </p:blipFill>
+        <p:spPr bwMode="auto">
+          <a:xfrm>
+            <a:off x="7595280" y="1325563"/>
+            <a:ext cx="4071765" cy="2192489"/>
+          </a:xfrm>
+          <a:prstGeom prst="rect">
+            <a:avLst/>
+          </a:prstGeom>
+          <a:noFill/>
+          <a:ln>
+            <a:noFill/>
+          </a:ln>
+        </p:spPr>
+      </p:pic>
+      <p:pic>
+        <p:nvPicPr>
+          <p:cNvPr id="7" name="Рисунок 6"/>
+          <p:cNvPicPr>
+            <a:picLocks noChangeAspect="1"/>
+          </p:cNvPicPr>
+          <p:nvPr/>
+        </p:nvPicPr>
+        <p:blipFill>
+          <a:blip r:embed="rId4"/>
+          <a:stretch>
+            <a:fillRect/>
+          </a:stretch>
+        </p:blipFill>
+        <p:spPr>
+          <a:xfrm>
+            <a:off x="4087155" y="1328433"/>
+            <a:ext cx="3228454" cy="4608556"/>
+          </a:xfrm>
+          <a:prstGeom prst="rect">
+            <a:avLst/>
+          </a:prstGeom>
+        </p:spPr>
+      </p:pic>
+      <p:pic>
+        <p:nvPicPr>
+          <p:cNvPr id="8" name="Рисунок 7"/>
+          <p:cNvPicPr>
+            <a:picLocks noChangeAspect="1"/>
+          </p:cNvPicPr>
+          <p:nvPr/>
+        </p:nvPicPr>
+        <p:blipFill>
+          <a:blip r:embed="rId5"/>
+          <a:stretch>
+            <a:fillRect/>
+          </a:stretch>
+        </p:blipFill>
+        <p:spPr>
+          <a:xfrm>
+            <a:off x="7595279" y="3744500"/>
+            <a:ext cx="4071766" cy="2192489"/>
+          </a:xfrm>
+          <a:prstGeom prst="rect">
+            <a:avLst/>
+          </a:prstGeom>
+        </p:spPr>
+      </p:pic>
+    </p:spTree>
+    <p:extLst>
+      <p:ext uri="{BB962C8B-B14F-4D97-AF65-F5344CB8AC3E}">
+        <p14:creationId xmlns:p14="http://schemas.microsoft.com/office/powerpoint/2010/main" val="3676719507"/>
+      </p:ext>
+    </p:extLst>
+  </p:cSld>
+  <p:clrMapOvr>
+    <a:masterClrMapping/>
+  </p:clrMapOvr>
+  <p:timing>
+    <p:tnLst>
+      <p:par>
+        <p:cTn id="1" dur="indefinite" restart="never" nodeType="tmRoot"/>
+      </p:par>
+    </p:tnLst>
+  </p:timing>
+</p:sld>
+</file>
+
+<file path=ppt/slides/slide12.xml><?xml version="1.0" encoding="utf-8"?>
+<p:sld xmlns:a="http://schemas.openxmlformats.org/drawingml/2006/main" xmlns:r="http://schemas.openxmlformats.org/officeDocument/2006/relationships" xmlns:p="http://schemas.openxmlformats.org/presentationml/2006/main">
+  <p:cSld>
+    <p:spTree>
+      <p:nvGrpSpPr>
+        <p:cNvPr id="1" name=""/>
+        <p:cNvGrpSpPr/>
+        <p:nvPr/>
+      </p:nvGrpSpPr>
+      <p:grpSpPr>
+        <a:xfrm>
+          <a:off x="0" y="0"/>
+          <a:ext cx="0" cy="0"/>
+          <a:chOff x="0" y="0"/>
+          <a:chExt cx="0" cy="0"/>
+        </a:xfrm>
+      </p:grpSpPr>
+      <p:sp>
+        <p:nvSpPr>
+          <p:cNvPr id="2" name="Заголовок 1"/>
+          <p:cNvSpPr>
+            <a:spLocks noGrp="1"/>
+          </p:cNvSpPr>
+          <p:nvPr>
+            <p:ph type="title"/>
+          </p:nvPr>
+        </p:nvSpPr>
+        <p:spPr>
+          <a:xfrm>
+            <a:off x="0" y="0"/>
+            <a:ext cx="12192000" cy="1325563"/>
           </a:xfrm>
         </p:spPr>
         <p:txBody>
           <a:bodyPr>
-            <a:noAutofit/>
+            <a:normAutofit/>
           </a:bodyPr>
           <a:lstStyle/>
           <a:p>
-            <a:pPr marL="0" indent="0" algn="ctr">
-              <a:buNone/>
-            </a:pPr>
-            <a:r>
-              <a:rPr lang="ru-RU" sz="2400" b="1" dirty="0" smtClean="0">
-                <a:latin typeface="Times New Roman" panose="02020603050405020304" pitchFamily="18" charset="0"/>
-                <a:cs typeface="Times New Roman" panose="02020603050405020304" pitchFamily="18" charset="0"/>
-              </a:rPr>
-              <a:t>Объект исследования: </a:t>
-            </a:r>
-          </a:p>
-          <a:p>
-            <a:pPr marL="0" indent="0" algn="ctr">
-              <a:buNone/>
-            </a:pPr>
-            <a:r>
-              <a:rPr lang="ru-RU" sz="2400" dirty="0">
-                <a:latin typeface="Times New Roman" panose="02020603050405020304" pitchFamily="18" charset="0"/>
-                <a:cs typeface="Times New Roman" panose="02020603050405020304" pitchFamily="18" charset="0"/>
-              </a:rPr>
-              <a:t>к</a:t>
-            </a:r>
-            <a:r>
-              <a:rPr lang="ru-RU" sz="2400" dirty="0" smtClean="0">
-                <a:latin typeface="Times New Roman" panose="02020603050405020304" pitchFamily="18" charset="0"/>
-                <a:cs typeface="Times New Roman" panose="02020603050405020304" pitchFamily="18" charset="0"/>
-              </a:rPr>
-              <a:t>риптография</a:t>
-            </a:r>
-            <a:endParaRPr lang="ru-RU" sz="2400" dirty="0">
+            <a:r>
+              <a:rPr lang="ru-RU" sz="4000" dirty="0" smtClean="0">
+                <a:effectLst>
+                  <a:outerShdw blurRad="38100" dist="38100" dir="2700000" algn="tl">
+                    <a:srgbClr val="000000">
+                      <a:alpha val="43137"/>
+                    </a:srgbClr>
+                  </a:outerShdw>
+                </a:effectLst>
+                <a:latin typeface="Times New Roman" panose="02020603050405020304" pitchFamily="18" charset="0"/>
+                <a:cs typeface="Times New Roman" panose="02020603050405020304" pitchFamily="18" charset="0"/>
+              </a:rPr>
+              <a:t>Заключение</a:t>
+            </a:r>
+            <a:endParaRPr lang="ru-RU" sz="4000" dirty="0">
+              <a:effectLst>
+                <a:outerShdw blurRad="38100" dist="38100" dir="2700000" algn="tl">
+                  <a:srgbClr val="000000">
+                    <a:alpha val="43137"/>
+                  </a:srgbClr>
+                </a:outerShdw>
+              </a:effectLst>
               <a:latin typeface="Times New Roman" panose="02020603050405020304" pitchFamily="18" charset="0"/>
               <a:cs typeface="Times New Roman" panose="02020603050405020304" pitchFamily="18" charset="0"/>
             </a:endParaRPr>
@@ -3703,7 +3861,7 @@
       </p:sp>
       <p:sp>
         <p:nvSpPr>
-          <p:cNvPr id="4" name="Объект 2"/>
+          <p:cNvPr id="6" name="Объект 2"/>
           <p:cNvSpPr txBox="1">
             <a:spLocks/>
           </p:cNvSpPr>
@@ -3711,8 +3869,8 @@
         </p:nvSpPr>
         <p:spPr>
           <a:xfrm>
-            <a:off x="1348740" y="3837305"/>
-            <a:ext cx="9494520" cy="1274191"/>
+            <a:off x="723900" y="1325563"/>
+            <a:ext cx="5108448" cy="4910645"/>
           </a:xfrm>
           <a:prstGeom prst="rect">
             <a:avLst/>
@@ -3887,7 +4045,7 @@
             </a:lvl9pPr>
           </a:lstStyle>
           <a:p>
-            <a:pPr marL="0" indent="0" algn="ctr">
+            <a:pPr marL="0" indent="0">
               <a:buNone/>
             </a:pPr>
             <a:r>
@@ -3895,7 +4053,7 @@
                 <a:latin typeface="Times New Roman" panose="02020603050405020304" pitchFamily="18" charset="0"/>
                 <a:cs typeface="Times New Roman" panose="02020603050405020304" pitchFamily="18" charset="0"/>
               </a:rPr>
-              <a:t>Предмет исследования: </a:t>
+              <a:t>Достоинства программы:</a:t>
             </a:r>
             <a:endParaRPr lang="ru-RU" sz="2400" b="1" dirty="0">
               <a:latin typeface="Times New Roman" panose="02020603050405020304" pitchFamily="18" charset="0"/>
@@ -3903,107 +4061,72 @@
             </a:endParaRPr>
           </a:p>
           <a:p>
-            <a:pPr marL="0" indent="0" algn="ctr">
-              <a:buNone/>
-            </a:pPr>
+            <a:pPr lvl="0"/>
+            <a:r>
+              <a:rPr lang="ru-RU" sz="2400" dirty="0">
+                <a:latin typeface="Times New Roman" panose="02020603050405020304" pitchFamily="18" charset="0"/>
+                <a:cs typeface="Times New Roman" panose="02020603050405020304" pitchFamily="18" charset="0"/>
+              </a:rPr>
+              <a:t>простой, понятный, удобный и приятный взгляду интерфейс с множеством подсказок;</a:t>
+            </a:r>
+          </a:p>
+          <a:p>
+            <a:pPr lvl="0"/>
+            <a:r>
+              <a:rPr lang="ru-RU" sz="2400" dirty="0">
+                <a:latin typeface="Times New Roman" panose="02020603050405020304" pitchFamily="18" charset="0"/>
+                <a:cs typeface="Times New Roman" panose="02020603050405020304" pitchFamily="18" charset="0"/>
+              </a:rPr>
+              <a:t>наличие нескольких методов для защиты информации;</a:t>
+            </a:r>
+          </a:p>
+          <a:p>
+            <a:pPr lvl="0"/>
+            <a:r>
+              <a:rPr lang="ru-RU" sz="2400" dirty="0">
+                <a:latin typeface="Times New Roman" panose="02020603050405020304" pitchFamily="18" charset="0"/>
+                <a:cs typeface="Times New Roman" panose="02020603050405020304" pitchFamily="18" charset="0"/>
+              </a:rPr>
+              <a:t>возможность генерации ключей для каждого метода;</a:t>
+            </a:r>
+          </a:p>
+          <a:p>
+            <a:pPr lvl="0"/>
+            <a:r>
+              <a:rPr lang="ru-RU" sz="2400" dirty="0">
+                <a:latin typeface="Times New Roman" panose="02020603050405020304" pitchFamily="18" charset="0"/>
+                <a:cs typeface="Times New Roman" panose="02020603050405020304" pitchFamily="18" charset="0"/>
+              </a:rPr>
+              <a:t>открытие и сохранение файлов;</a:t>
+            </a:r>
+          </a:p>
+          <a:p>
+            <a:pPr lvl="0"/>
+            <a:r>
+              <a:rPr lang="ru-RU" sz="2400" dirty="0">
+                <a:latin typeface="Times New Roman" panose="02020603050405020304" pitchFamily="18" charset="0"/>
+                <a:cs typeface="Times New Roman" panose="02020603050405020304" pitchFamily="18" charset="0"/>
+              </a:rPr>
+              <a:t>наличие «горячих» клавиш для основных функций программы;</a:t>
+            </a:r>
+          </a:p>
+          <a:p>
+            <a:pPr lvl="0"/>
+            <a:r>
+              <a:rPr lang="ru-RU" sz="2400" dirty="0">
+                <a:latin typeface="Times New Roman" panose="02020603050405020304" pitchFamily="18" charset="0"/>
+                <a:cs typeface="Times New Roman" panose="02020603050405020304" pitchFamily="18" charset="0"/>
+              </a:rPr>
+              <a:t>наличие справки с </a:t>
+            </a:r>
             <a:r>
               <a:rPr lang="ru-RU" sz="2400" dirty="0" smtClean="0">
                 <a:latin typeface="Times New Roman" panose="02020603050405020304" pitchFamily="18" charset="0"/>
                 <a:cs typeface="Times New Roman" panose="02020603050405020304" pitchFamily="18" charset="0"/>
               </a:rPr>
-              <a:t>математические </a:t>
-            </a:r>
-            <a:r>
-              <a:rPr lang="ru-RU" sz="2400" dirty="0">
-                <a:latin typeface="Times New Roman" panose="02020603050405020304" pitchFamily="18" charset="0"/>
-                <a:cs typeface="Times New Roman" panose="02020603050405020304" pitchFamily="18" charset="0"/>
-              </a:rPr>
-              <a:t>методы кодирования информации в современной криптографии</a:t>
-            </a:r>
-          </a:p>
-        </p:txBody>
-      </p:sp>
-    </p:spTree>
-    <p:extLst>
-      <p:ext uri="{BB962C8B-B14F-4D97-AF65-F5344CB8AC3E}">
-        <p14:creationId xmlns:p14="http://schemas.microsoft.com/office/powerpoint/2010/main" val="975280500"/>
-      </p:ext>
-    </p:extLst>
-  </p:cSld>
-  <p:clrMapOvr>
-    <a:masterClrMapping/>
-  </p:clrMapOvr>
-  <p:timing>
-    <p:tnLst>
-      <p:par>
-        <p:cTn id="1" dur="indefinite" restart="never" nodeType="tmRoot"/>
-      </p:par>
-    </p:tnLst>
-  </p:timing>
-</p:sld>
-</file>
-
-<file path=ppt/slides/slide3.xml><?xml version="1.0" encoding="utf-8"?>
-<p:sld xmlns:a="http://schemas.openxmlformats.org/drawingml/2006/main" xmlns:r="http://schemas.openxmlformats.org/officeDocument/2006/relationships" xmlns:p="http://schemas.openxmlformats.org/presentationml/2006/main">
-  <p:cSld>
-    <p:spTree>
-      <p:nvGrpSpPr>
-        <p:cNvPr id="1" name=""/>
-        <p:cNvGrpSpPr/>
-        <p:nvPr/>
-      </p:nvGrpSpPr>
-      <p:grpSpPr>
-        <a:xfrm>
-          <a:off x="0" y="0"/>
-          <a:ext cx="0" cy="0"/>
-          <a:chOff x="0" y="0"/>
-          <a:chExt cx="0" cy="0"/>
-        </a:xfrm>
-      </p:grpSpPr>
-      <p:sp>
-        <p:nvSpPr>
-          <p:cNvPr id="2" name="Заголовок 1"/>
-          <p:cNvSpPr>
-            <a:spLocks noGrp="1"/>
-          </p:cNvSpPr>
-          <p:nvPr>
-            <p:ph type="title"/>
-          </p:nvPr>
-        </p:nvSpPr>
-        <p:spPr>
-          <a:xfrm>
-            <a:off x="0" y="0"/>
-            <a:ext cx="12192000" cy="1325563"/>
-          </a:xfrm>
-        </p:spPr>
-        <p:txBody>
-          <a:bodyPr>
-            <a:normAutofit/>
-          </a:bodyPr>
-          <a:lstStyle/>
-          <a:p>
-            <a:r>
-              <a:rPr lang="ru-RU" sz="4000" dirty="0" smtClean="0">
-                <a:effectLst>
-                  <a:outerShdw blurRad="38100" dist="38100" dir="2700000" algn="tl">
-                    <a:srgbClr val="000000">
-                      <a:alpha val="43137"/>
-                    </a:srgbClr>
-                  </a:outerShdw>
-                </a:effectLst>
-                <a:latin typeface="Times New Roman" panose="02020603050405020304" pitchFamily="18" charset="0"/>
-                <a:cs typeface="Times New Roman" panose="02020603050405020304" pitchFamily="18" charset="0"/>
-              </a:rPr>
-              <a:t>Цель и задачи проекта</a:t>
-            </a:r>
-            <a:endParaRPr lang="ru-RU" sz="4000" dirty="0">
-              <a:effectLst>
-                <a:outerShdw blurRad="38100" dist="38100" dir="2700000" algn="tl">
-                  <a:srgbClr val="000000">
-                    <a:alpha val="43137"/>
-                  </a:srgbClr>
-                </a:outerShdw>
-              </a:effectLst>
+              <a:t>инструкцией.</a:t>
+            </a:r>
+            <a:endParaRPr lang="ru-RU" dirty="0">
               <a:latin typeface="Times New Roman" panose="02020603050405020304" pitchFamily="18" charset="0"/>
               <a:cs typeface="Times New Roman" panose="02020603050405020304" pitchFamily="18" charset="0"/>
             </a:endParaRPr>
@@ -4012,170 +4135,16 @@
       </p:sp>
       <p:sp>
         <p:nvSpPr>
-          <p:cNvPr id="3" name="Объект 2"/>
-          <p:cNvSpPr>
-            <a:spLocks noGrp="1"/>
-          </p:cNvSpPr>
-          <p:nvPr>
-            <p:ph idx="1"/>
-          </p:nvPr>
+          <p:cNvPr id="7" name="Объект 2"/>
+          <p:cNvSpPr txBox="1">
+            <a:spLocks/>
+          </p:cNvSpPr>
+          <p:nvPr/>
         </p:nvSpPr>
         <p:spPr>
           <a:xfrm>
-            <a:off x="1299972" y="2523110"/>
-            <a:ext cx="9592056" cy="3941381"/>
-          </a:xfrm>
-        </p:spPr>
-        <p:txBody>
-          <a:bodyPr>
-            <a:noAutofit/>
-          </a:bodyPr>
-          <a:lstStyle/>
-          <a:p>
-            <a:pPr marL="0" indent="0">
-              <a:buNone/>
-            </a:pPr>
-            <a:r>
-              <a:rPr lang="ru-RU" sz="2400" b="1" dirty="0" smtClean="0">
-                <a:latin typeface="Times New Roman" panose="02020603050405020304" pitchFamily="18" charset="0"/>
-                <a:cs typeface="Times New Roman" panose="02020603050405020304" pitchFamily="18" charset="0"/>
-              </a:rPr>
-              <a:t>Задачи проекта:</a:t>
-            </a:r>
-            <a:endParaRPr lang="ru-RU" sz="2400" b="1" dirty="0">
-              <a:latin typeface="Times New Roman" panose="02020603050405020304" pitchFamily="18" charset="0"/>
-              <a:cs typeface="Times New Roman" panose="02020603050405020304" pitchFamily="18" charset="0"/>
-            </a:endParaRPr>
-          </a:p>
-          <a:p>
-            <a:pPr lvl="0"/>
-            <a:r>
-              <a:rPr lang="ru-RU" sz="2400" dirty="0">
-                <a:latin typeface="Times New Roman" panose="02020603050405020304" pitchFamily="18" charset="0"/>
-                <a:cs typeface="Times New Roman" panose="02020603050405020304" pitchFamily="18" charset="0"/>
-              </a:rPr>
-              <a:t>детально изучить предметную область;</a:t>
-            </a:r>
-          </a:p>
-          <a:p>
-            <a:pPr lvl="0"/>
-            <a:r>
-              <a:rPr lang="ru-RU" sz="2400" dirty="0">
-                <a:latin typeface="Times New Roman" panose="02020603050405020304" pitchFamily="18" charset="0"/>
-                <a:cs typeface="Times New Roman" panose="02020603050405020304" pitchFamily="18" charset="0"/>
-              </a:rPr>
-              <a:t>провести сравнительный анализ и на его основе выбрать наиболее эффективные алгоритмы шифрования;</a:t>
-            </a:r>
-          </a:p>
-          <a:p>
-            <a:r>
-              <a:rPr lang="ru-RU" sz="2400" dirty="0">
-                <a:latin typeface="Times New Roman" panose="02020603050405020304" pitchFamily="18" charset="0"/>
-                <a:cs typeface="Times New Roman" panose="02020603050405020304" pitchFamily="18" charset="0"/>
-              </a:rPr>
-              <a:t>составить необходимые диаграммы и схемы</a:t>
-            </a:r>
-            <a:r>
-              <a:rPr lang="ru-RU" sz="2400" dirty="0" smtClean="0">
-                <a:latin typeface="Times New Roman" panose="02020603050405020304" pitchFamily="18" charset="0"/>
-                <a:cs typeface="Times New Roman" panose="02020603050405020304" pitchFamily="18" charset="0"/>
-              </a:rPr>
-              <a:t>;</a:t>
-            </a:r>
-          </a:p>
-          <a:p>
-            <a:pPr lvl="0"/>
-            <a:r>
-              <a:rPr lang="ru-RU" sz="2400" dirty="0">
-                <a:latin typeface="Times New Roman" panose="02020603050405020304" pitchFamily="18" charset="0"/>
-                <a:cs typeface="Times New Roman" panose="02020603050405020304" pitchFamily="18" charset="0"/>
-              </a:rPr>
-              <a:t>выбрать подходящие для разработки инструментальные средства</a:t>
-            </a:r>
-            <a:r>
-              <a:rPr lang="ru-RU" sz="2400" dirty="0" smtClean="0">
-                <a:latin typeface="Times New Roman" panose="02020603050405020304" pitchFamily="18" charset="0"/>
-                <a:cs typeface="Times New Roman" panose="02020603050405020304" pitchFamily="18" charset="0"/>
-              </a:rPr>
-              <a:t>;</a:t>
-            </a:r>
-          </a:p>
-          <a:p>
-            <a:pPr lvl="0"/>
-            <a:r>
-              <a:rPr lang="ru-RU" sz="2400" dirty="0" smtClean="0">
-                <a:latin typeface="Times New Roman" panose="02020603050405020304" pitchFamily="18" charset="0"/>
-                <a:cs typeface="Times New Roman" panose="02020603050405020304" pitchFamily="18" charset="0"/>
-              </a:rPr>
-              <a:t>реализовать </a:t>
-            </a:r>
-            <a:r>
-              <a:rPr lang="ru-RU" sz="2400" dirty="0">
-                <a:latin typeface="Times New Roman" panose="02020603050405020304" pitchFamily="18" charset="0"/>
-                <a:cs typeface="Times New Roman" panose="02020603050405020304" pitchFamily="18" charset="0"/>
-              </a:rPr>
-              <a:t>функциональные и нефункциональные требования;</a:t>
-            </a:r>
-          </a:p>
-          <a:p>
-            <a:pPr lvl="0"/>
-            <a:r>
-              <a:rPr lang="ru-RU" sz="2400" dirty="0">
-                <a:latin typeface="Times New Roman" panose="02020603050405020304" pitchFamily="18" charset="0"/>
-                <a:cs typeface="Times New Roman" panose="02020603050405020304" pitchFamily="18" charset="0"/>
-              </a:rPr>
-              <a:t>провести тестирование и отладку программы;</a:t>
-            </a:r>
-          </a:p>
-          <a:p>
-            <a:pPr lvl="0"/>
-            <a:r>
-              <a:rPr lang="ru-RU" sz="2400" dirty="0">
-                <a:latin typeface="Times New Roman" panose="02020603050405020304" pitchFamily="18" charset="0"/>
-                <a:cs typeface="Times New Roman" panose="02020603050405020304" pitchFamily="18" charset="0"/>
-              </a:rPr>
-              <a:t>составить </a:t>
-            </a:r>
-            <a:r>
-              <a:rPr lang="ru-RU" sz="2400" dirty="0" smtClean="0">
-                <a:latin typeface="Times New Roman" panose="02020603050405020304" pitchFamily="18" charset="0"/>
-                <a:cs typeface="Times New Roman" panose="02020603050405020304" pitchFamily="18" charset="0"/>
-              </a:rPr>
-              <a:t>руководство </a:t>
-            </a:r>
-            <a:r>
-              <a:rPr lang="ru-RU" sz="2400" dirty="0">
-                <a:latin typeface="Times New Roman" panose="02020603050405020304" pitchFamily="18" charset="0"/>
-                <a:cs typeface="Times New Roman" panose="02020603050405020304" pitchFamily="18" charset="0"/>
-              </a:rPr>
-              <a:t>по использованию программы</a:t>
-            </a:r>
-            <a:r>
-              <a:rPr lang="ru-RU" sz="2400" dirty="0" smtClean="0">
-                <a:latin typeface="Times New Roman" panose="02020603050405020304" pitchFamily="18" charset="0"/>
-                <a:cs typeface="Times New Roman" panose="02020603050405020304" pitchFamily="18" charset="0"/>
-              </a:rPr>
-              <a:t>.</a:t>
-            </a:r>
-            <a:endParaRPr lang="ru-RU" sz="2400" dirty="0">
-              <a:latin typeface="Times New Roman" panose="02020603050405020304" pitchFamily="18" charset="0"/>
-              <a:cs typeface="Times New Roman" panose="02020603050405020304" pitchFamily="18" charset="0"/>
-            </a:endParaRPr>
-          </a:p>
-        </p:txBody>
-      </p:sp>
-      <p:sp>
-        <p:nvSpPr>
-          <p:cNvPr id="4" name="Объект 2"/>
-          <p:cNvSpPr txBox="1">
-            <a:spLocks/>
-          </p:cNvSpPr>
-          <p:nvPr/>
-        </p:nvSpPr>
-        <p:spPr>
-          <a:xfrm>
-            <a:off x="1299972" y="1197547"/>
-            <a:ext cx="9592056" cy="1073213"/>
+            <a:off x="6391656" y="1325563"/>
+            <a:ext cx="5174742" cy="4910645"/>
           </a:xfrm>
           <a:prstGeom prst="rect">
             <a:avLst/>
@@ -4358,50 +4327,57 @@
                 <a:latin typeface="Times New Roman" panose="02020603050405020304" pitchFamily="18" charset="0"/>
                 <a:cs typeface="Times New Roman" panose="02020603050405020304" pitchFamily="18" charset="0"/>
               </a:rPr>
-              <a:t>Цель проекта: </a:t>
-            </a:r>
-            <a:r>
-              <a:rPr lang="ru-RU" sz="2400" dirty="0">
-                <a:latin typeface="Times New Roman" panose="02020603050405020304" pitchFamily="18" charset="0"/>
-                <a:cs typeface="Times New Roman" panose="02020603050405020304" pitchFamily="18" charset="0"/>
-              </a:rPr>
-              <a:t>разработка программы шифрования </a:t>
-            </a:r>
+              <a:t>Возможности развития программы:</a:t>
+            </a:r>
+          </a:p>
+          <a:p>
+            <a:pPr lvl="0"/>
             <a:r>
               <a:rPr lang="ru-RU" sz="2400" dirty="0" smtClean="0">
                 <a:latin typeface="Times New Roman" panose="02020603050405020304" pitchFamily="18" charset="0"/>
                 <a:cs typeface="Times New Roman" panose="02020603050405020304" pitchFamily="18" charset="0"/>
               </a:rPr>
-              <a:t>файлов</a:t>
-            </a:r>
-            <a:r>
-              <a:rPr lang="en-US" sz="2400" dirty="0" smtClean="0">
-                <a:latin typeface="Times New Roman" panose="02020603050405020304" pitchFamily="18" charset="0"/>
-                <a:cs typeface="Times New Roman" panose="02020603050405020304" pitchFamily="18" charset="0"/>
-              </a:rPr>
-              <a:t>, </a:t>
-            </a:r>
+              <a:t>шифрование/дешифрование файлов с разным расширением;</a:t>
+            </a:r>
+            <a:endParaRPr lang="ru-RU" sz="2400" dirty="0">
+              <a:latin typeface="Times New Roman" panose="02020603050405020304" pitchFamily="18" charset="0"/>
+              <a:cs typeface="Times New Roman" panose="02020603050405020304" pitchFamily="18" charset="0"/>
+            </a:endParaRPr>
+          </a:p>
+          <a:p>
+            <a:pPr lvl="0"/>
             <a:r>
               <a:rPr lang="ru-RU" sz="2400" dirty="0" smtClean="0">
                 <a:latin typeface="Times New Roman" panose="02020603050405020304" pitchFamily="18" charset="0"/>
                 <a:cs typeface="Times New Roman" panose="02020603050405020304" pitchFamily="18" charset="0"/>
               </a:rPr>
-              <a:t>которая </a:t>
-            </a:r>
-            <a:r>
-              <a:rPr lang="ru-RU" sz="2400" dirty="0">
-                <a:latin typeface="Times New Roman" panose="02020603050405020304" pitchFamily="18" charset="0"/>
-                <a:cs typeface="Times New Roman" panose="02020603050405020304" pitchFamily="18" charset="0"/>
-              </a:rPr>
-              <a:t>позволила бы пользователю защитить желаемую информацию наиболее эффективными методами</a:t>
-            </a:r>
+              <a:t>добавление новых методов защиты информации;</a:t>
+            </a:r>
+            <a:endParaRPr lang="ru-RU" sz="2400" dirty="0">
+              <a:latin typeface="Times New Roman" panose="02020603050405020304" pitchFamily="18" charset="0"/>
+              <a:cs typeface="Times New Roman" panose="02020603050405020304" pitchFamily="18" charset="0"/>
+            </a:endParaRPr>
+          </a:p>
+          <a:p>
+            <a:pPr lvl="0"/>
+            <a:r>
+              <a:rPr lang="ru-RU" sz="2400" dirty="0" smtClean="0">
+                <a:latin typeface="Times New Roman" panose="02020603050405020304" pitchFamily="18" charset="0"/>
+                <a:cs typeface="Times New Roman" panose="02020603050405020304" pitchFamily="18" charset="0"/>
+              </a:rPr>
+              <a:t>добавление нового функционала.</a:t>
+            </a:r>
+            <a:endParaRPr lang="ru-RU" sz="2400" dirty="0">
+              <a:latin typeface="Times New Roman" panose="02020603050405020304" pitchFamily="18" charset="0"/>
+              <a:cs typeface="Times New Roman" panose="02020603050405020304" pitchFamily="18" charset="0"/>
+            </a:endParaRPr>
           </a:p>
         </p:txBody>
       </p:sp>
     </p:spTree>
     <p:extLst>
       <p:ext uri="{BB962C8B-B14F-4D97-AF65-F5344CB8AC3E}">
-        <p14:creationId xmlns:p14="http://schemas.microsoft.com/office/powerpoint/2010/main" val="1637281774"/>
+        <p14:creationId xmlns:p14="http://schemas.microsoft.com/office/powerpoint/2010/main" val="3339617309"/>
       </p:ext>
     </p:extLst>
   </p:cSld>
@@ -4418,7 +4394,7 @@
 </p:sld>
 </file>
 
-<file path=ppt/slides/slide4.xml><?xml version="1.0" encoding="utf-8"?>
+<file path=ppt/slides/slide13.xml><?xml version="1.0" encoding="utf-8"?>
 <p:sld xmlns:a="http://schemas.openxmlformats.org/drawingml/2006/main" xmlns:r="http://schemas.openxmlformats.org/officeDocument/2006/relationships" xmlns:p="http://schemas.openxmlformats.org/presentationml/2006/main">
   <p:cSld>
     <p:spTree>
@@ -4437,18 +4413,18 @@
       </p:grpSpPr>
       <p:sp>
         <p:nvSpPr>
-          <p:cNvPr id="2" name="Заголовок 1"/>
-          <p:cNvSpPr>
-            <a:spLocks noGrp="1"/>
-          </p:cNvSpPr>
-          <p:nvPr>
-            <p:ph type="title"/>
+          <p:cNvPr id="3" name="Объект 2"/>
+          <p:cNvSpPr>
+            <a:spLocks noGrp="1"/>
+          </p:cNvSpPr>
+          <p:nvPr>
+            <p:ph idx="1"/>
           </p:nvPr>
         </p:nvSpPr>
         <p:spPr>
           <a:xfrm>
-            <a:off x="0" y="0"/>
-            <a:ext cx="12192000" cy="1325563"/>
+            <a:off x="0" y="3089085"/>
+            <a:ext cx="12192000" cy="679831"/>
           </a:xfrm>
         </p:spPr>
         <p:txBody>
@@ -4457,6 +4433,9 @@
           </a:bodyPr>
           <a:lstStyle/>
           <a:p>
+            <a:pPr marL="0" indent="0" algn="ctr">
+              <a:buNone/>
+            </a:pPr>
             <a:r>
               <a:rPr lang="ru-RU" sz="4000" dirty="0" smtClean="0">
                 <a:effectLst>
@@ -4469,7 +4448,7 @@
                 <a:latin typeface="Times New Roman" panose="02020603050405020304" pitchFamily="18" charset="0"/>
                 <a:cs typeface="Times New Roman" panose="02020603050405020304" pitchFamily="18" charset="0"/>
               </a:rPr>
-              <a:t>Методы шифрования в программе</a:t>
+              <a:t>Спасибо за внимание</a:t>
             </a:r>
             <a:endParaRPr lang="ru-RU" sz="4000" dirty="0">
               <a:effectLst>
@@ -4485,219 +4464,10 @@
           </a:p>
         </p:txBody>
       </p:sp>
-      <p:sp>
-        <p:nvSpPr>
-          <p:cNvPr id="3" name="Объект 2"/>
-          <p:cNvSpPr>
-            <a:spLocks noGrp="1"/>
-          </p:cNvSpPr>
-          <p:nvPr>
-            <p:ph idx="1"/>
-          </p:nvPr>
-        </p:nvSpPr>
-        <p:spPr>
-          <a:xfrm>
-            <a:off x="2400681" y="2045379"/>
-            <a:ext cx="7390638" cy="2767242"/>
-          </a:xfrm>
-        </p:spPr>
-        <p:txBody>
-          <a:bodyPr>
-            <a:noAutofit/>
-          </a:bodyPr>
-          <a:lstStyle/>
-          <a:p>
-            <a:pPr marL="457200" lvl="0" indent="-457200">
-              <a:buFont typeface="+mj-lt"/>
-              <a:buAutoNum type="arabicParenR"/>
-            </a:pPr>
-            <a:r>
-              <a:rPr lang="ru-RU" sz="2400" dirty="0" smtClean="0">
-                <a:latin typeface="Times New Roman" panose="02020603050405020304" pitchFamily="18" charset="0"/>
-                <a:cs typeface="Times New Roman" panose="02020603050405020304" pitchFamily="18" charset="0"/>
-              </a:rPr>
-              <a:t>шифр перестановки (транспозиция)</a:t>
-            </a:r>
-            <a:r>
-              <a:rPr lang="ru-RU" sz="2400" dirty="0" smtClean="0">
-                <a:latin typeface="Times New Roman" panose="02020603050405020304" pitchFamily="18" charset="0"/>
-                <a:cs typeface="Times New Roman" panose="02020603050405020304" pitchFamily="18" charset="0"/>
-              </a:rPr>
-              <a:t>;</a:t>
-            </a:r>
-            <a:endParaRPr lang="ru-RU" sz="2400" dirty="0">
-              <a:latin typeface="Times New Roman" panose="02020603050405020304" pitchFamily="18" charset="0"/>
-              <a:cs typeface="Times New Roman" panose="02020603050405020304" pitchFamily="18" charset="0"/>
-            </a:endParaRPr>
-          </a:p>
-          <a:p>
-            <a:pPr marL="457200" lvl="0" indent="-457200">
-              <a:buFont typeface="+mj-lt"/>
-              <a:buAutoNum type="arabicParenR"/>
-            </a:pPr>
-            <a:r>
-              <a:rPr lang="ru-RU" sz="2400" dirty="0" err="1" smtClean="0">
-                <a:latin typeface="Times New Roman" panose="02020603050405020304" pitchFamily="18" charset="0"/>
-                <a:cs typeface="Times New Roman" panose="02020603050405020304" pitchFamily="18" charset="0"/>
-              </a:rPr>
-              <a:t>моноалфавитный</a:t>
-            </a:r>
-            <a:r>
-              <a:rPr lang="ru-RU" sz="2400" dirty="0" smtClean="0">
-                <a:latin typeface="Times New Roman" panose="02020603050405020304" pitchFamily="18" charset="0"/>
-                <a:cs typeface="Times New Roman" panose="02020603050405020304" pitchFamily="18" charset="0"/>
-              </a:rPr>
-              <a:t> шифр (шифр простой замены);</a:t>
-            </a:r>
-            <a:endParaRPr lang="ru-RU" sz="2400" dirty="0">
-              <a:latin typeface="Times New Roman" panose="02020603050405020304" pitchFamily="18" charset="0"/>
-              <a:cs typeface="Times New Roman" panose="02020603050405020304" pitchFamily="18" charset="0"/>
-            </a:endParaRPr>
-          </a:p>
-          <a:p>
-            <a:pPr marL="457200" indent="-457200">
-              <a:buFont typeface="+mj-lt"/>
-              <a:buAutoNum type="arabicParenR"/>
-            </a:pPr>
-            <a:r>
-              <a:rPr lang="ru-RU" sz="2400" dirty="0" err="1" smtClean="0">
-                <a:latin typeface="Times New Roman" panose="02020603050405020304" pitchFamily="18" charset="0"/>
-                <a:cs typeface="Times New Roman" panose="02020603050405020304" pitchFamily="18" charset="0"/>
-              </a:rPr>
-              <a:t>полиалфавитный</a:t>
-            </a:r>
-            <a:r>
-              <a:rPr lang="ru-RU" sz="2400" dirty="0" smtClean="0">
-                <a:latin typeface="Times New Roman" panose="02020603050405020304" pitchFamily="18" charset="0"/>
-                <a:cs typeface="Times New Roman" panose="02020603050405020304" pitchFamily="18" charset="0"/>
-              </a:rPr>
-              <a:t> шифр (многоалфавитный шифр);</a:t>
-            </a:r>
-            <a:endParaRPr lang="ru-RU" sz="2400" dirty="0" smtClean="0">
-              <a:latin typeface="Times New Roman" panose="02020603050405020304" pitchFamily="18" charset="0"/>
-              <a:cs typeface="Times New Roman" panose="02020603050405020304" pitchFamily="18" charset="0"/>
-            </a:endParaRPr>
-          </a:p>
-          <a:p>
-            <a:pPr marL="457200" lvl="0" indent="-457200">
-              <a:buFont typeface="+mj-lt"/>
-              <a:buAutoNum type="arabicParenR"/>
-            </a:pPr>
-            <a:r>
-              <a:rPr lang="ru-RU" sz="2400" dirty="0" smtClean="0">
-                <a:latin typeface="Times New Roman" panose="02020603050405020304" pitchFamily="18" charset="0"/>
-                <a:cs typeface="Times New Roman" panose="02020603050405020304" pitchFamily="18" charset="0"/>
-              </a:rPr>
-              <a:t>исключающее ИЛИ (</a:t>
-            </a:r>
-            <a:r>
-              <a:rPr lang="en-US" sz="2400" dirty="0" smtClean="0">
-                <a:latin typeface="Times New Roman" panose="02020603050405020304" pitchFamily="18" charset="0"/>
-                <a:cs typeface="Times New Roman" panose="02020603050405020304" pitchFamily="18" charset="0"/>
-              </a:rPr>
-              <a:t>XOR</a:t>
-            </a:r>
-            <a:r>
-              <a:rPr lang="ru-RU" sz="2400" dirty="0" smtClean="0">
-                <a:latin typeface="Times New Roman" panose="02020603050405020304" pitchFamily="18" charset="0"/>
-                <a:cs typeface="Times New Roman" panose="02020603050405020304" pitchFamily="18" charset="0"/>
-              </a:rPr>
-              <a:t>);</a:t>
-            </a:r>
-            <a:endParaRPr lang="ru-RU" sz="2400" dirty="0" smtClean="0">
-              <a:latin typeface="Times New Roman" panose="02020603050405020304" pitchFamily="18" charset="0"/>
-              <a:cs typeface="Times New Roman" panose="02020603050405020304" pitchFamily="18" charset="0"/>
-            </a:endParaRPr>
-          </a:p>
-          <a:p>
-            <a:pPr marL="457200" lvl="0" indent="-457200">
-              <a:buFont typeface="+mj-lt"/>
-              <a:buAutoNum type="arabicParenR"/>
-            </a:pPr>
-            <a:r>
-              <a:rPr lang="ru-RU" sz="2400" dirty="0" smtClean="0">
-                <a:latin typeface="Times New Roman" panose="02020603050405020304" pitchFamily="18" charset="0"/>
-                <a:cs typeface="Times New Roman" panose="02020603050405020304" pitchFamily="18" charset="0"/>
-              </a:rPr>
-              <a:t>шифр </a:t>
-            </a:r>
-            <a:r>
-              <a:rPr lang="ru-RU" sz="2400" dirty="0" err="1" smtClean="0">
-                <a:latin typeface="Times New Roman" panose="02020603050405020304" pitchFamily="18" charset="0"/>
-                <a:cs typeface="Times New Roman" panose="02020603050405020304" pitchFamily="18" charset="0"/>
-              </a:rPr>
-              <a:t>Вернама</a:t>
-            </a:r>
-            <a:r>
-              <a:rPr lang="ru-RU" sz="2400" dirty="0" smtClean="0">
-                <a:latin typeface="Times New Roman" panose="02020603050405020304" pitchFamily="18" charset="0"/>
-                <a:cs typeface="Times New Roman" panose="02020603050405020304" pitchFamily="18" charset="0"/>
-              </a:rPr>
-              <a:t> (одноразовый блокнот);</a:t>
-            </a:r>
-            <a:endParaRPr lang="ru-RU" sz="2400" dirty="0">
-              <a:latin typeface="Times New Roman" panose="02020603050405020304" pitchFamily="18" charset="0"/>
-              <a:cs typeface="Times New Roman" panose="02020603050405020304" pitchFamily="18" charset="0"/>
-            </a:endParaRPr>
-          </a:p>
-          <a:p>
-            <a:pPr marL="457200" lvl="0" indent="-457200">
-              <a:buFont typeface="+mj-lt"/>
-              <a:buAutoNum type="arabicParenR"/>
-            </a:pPr>
-            <a:r>
-              <a:rPr lang="en-US" sz="2400" dirty="0" err="1">
-                <a:latin typeface="Times New Roman" panose="02020603050405020304" pitchFamily="18" charset="0"/>
-                <a:cs typeface="Times New Roman" panose="02020603050405020304" pitchFamily="18" charset="0"/>
-              </a:rPr>
-              <a:t>Rivest</a:t>
-            </a:r>
-            <a:r>
-              <a:rPr lang="en-US" sz="2400" dirty="0">
-                <a:latin typeface="Times New Roman" panose="02020603050405020304" pitchFamily="18" charset="0"/>
-                <a:cs typeface="Times New Roman" panose="02020603050405020304" pitchFamily="18" charset="0"/>
-              </a:rPr>
-              <a:t>, </a:t>
-            </a:r>
-            <a:r>
-              <a:rPr lang="en-US" sz="2400" dirty="0" smtClean="0">
-                <a:latin typeface="Times New Roman" panose="02020603050405020304" pitchFamily="18" charset="0"/>
-                <a:cs typeface="Times New Roman" panose="02020603050405020304" pitchFamily="18" charset="0"/>
-              </a:rPr>
-              <a:t>Shamir, </a:t>
-            </a:r>
-            <a:r>
-              <a:rPr lang="en-US" sz="2400" dirty="0" err="1" smtClean="0">
-                <a:latin typeface="Times New Roman" panose="02020603050405020304" pitchFamily="18" charset="0"/>
-                <a:cs typeface="Times New Roman" panose="02020603050405020304" pitchFamily="18" charset="0"/>
-              </a:rPr>
-              <a:t>Adleman</a:t>
-            </a:r>
-            <a:r>
-              <a:rPr lang="en-US" sz="2400" dirty="0" smtClean="0">
-                <a:latin typeface="Times New Roman" panose="02020603050405020304" pitchFamily="18" charset="0"/>
-                <a:cs typeface="Times New Roman" panose="02020603050405020304" pitchFamily="18" charset="0"/>
-              </a:rPr>
-              <a:t> (RSA)</a:t>
-            </a:r>
-            <a:r>
-              <a:rPr lang="ru-RU" sz="2400" dirty="0" smtClean="0">
-                <a:latin typeface="Times New Roman" panose="02020603050405020304" pitchFamily="18" charset="0"/>
-                <a:cs typeface="Times New Roman" panose="02020603050405020304" pitchFamily="18" charset="0"/>
-              </a:rPr>
-              <a:t>.</a:t>
-            </a:r>
-            <a:endParaRPr lang="ru-RU" sz="2400" dirty="0">
-              <a:latin typeface="Times New Roman" panose="02020603050405020304" pitchFamily="18" charset="0"/>
-              <a:cs typeface="Times New Roman" panose="02020603050405020304" pitchFamily="18" charset="0"/>
-            </a:endParaRPr>
-          </a:p>
-        </p:txBody>
-      </p:sp>
     </p:spTree>
     <p:extLst>
       <p:ext uri="{BB962C8B-B14F-4D97-AF65-F5344CB8AC3E}">
-        <p14:creationId xmlns:p14="http://schemas.microsoft.com/office/powerpoint/2010/main" val="2292258435"/>
+        <p14:creationId xmlns:p14="http://schemas.microsoft.com/office/powerpoint/2010/main" val="2784104509"/>
       </p:ext>
     </p:extLst>
   </p:cSld>
@@ -4714,7 +4484,7 @@
 </p:sld>
 </file>
 
-<file path=ppt/slides/slide5.xml><?xml version="1.0" encoding="utf-8"?>
+<file path=ppt/slides/slide2.xml><?xml version="1.0" encoding="utf-8"?>
 <p:sld xmlns:a="http://schemas.openxmlformats.org/drawingml/2006/main" xmlns:r="http://schemas.openxmlformats.org/officeDocument/2006/relationships" xmlns:p="http://schemas.openxmlformats.org/presentationml/2006/main">
   <p:cSld>
     <p:spTree>
@@ -4765,7 +4535,7 @@
                 <a:latin typeface="Times New Roman" panose="02020603050405020304" pitchFamily="18" charset="0"/>
                 <a:cs typeface="Times New Roman" panose="02020603050405020304" pitchFamily="18" charset="0"/>
               </a:rPr>
-              <a:t>Контекстная диаграмма потоков данных</a:t>
+              <a:t>Предмет и объект исследования</a:t>
             </a:r>
             <a:endParaRPr lang="ru-RU" sz="4000" dirty="0">
               <a:effectLst>
@@ -4781,561 +4551,64 @@
           </a:p>
         </p:txBody>
       </p:sp>
-      <p:pic>
-        <p:nvPicPr>
-          <p:cNvPr id="3" name="Рисунок 2"/>
-          <p:cNvPicPr/>
-          <p:nvPr/>
-        </p:nvPicPr>
-        <p:blipFill>
-          <a:blip r:embed="rId2" cstate="print">
-            <a:extLst>
-              <a:ext uri="{28A0092B-C50C-407E-A947-70E740481C1C}">
-                <a14:useLocalDpi xmlns:a14="http://schemas.microsoft.com/office/drawing/2010/main" val="0"/>
-              </a:ext>
-            </a:extLst>
-          </a:blip>
-          <a:srcRect/>
-          <a:stretch>
-            <a:fillRect/>
-          </a:stretch>
-        </p:blipFill>
-        <p:spPr bwMode="auto">
-          <a:xfrm>
-            <a:off x="2421775" y="1563624"/>
-            <a:ext cx="7348451" cy="3730752"/>
-          </a:xfrm>
-          <a:prstGeom prst="rect">
-            <a:avLst/>
-          </a:prstGeom>
-          <a:noFill/>
-          <a:ln>
-            <a:noFill/>
-          </a:ln>
-        </p:spPr>
-      </p:pic>
-    </p:spTree>
-    <p:extLst>
-      <p:ext uri="{BB962C8B-B14F-4D97-AF65-F5344CB8AC3E}">
-        <p14:creationId xmlns:p14="http://schemas.microsoft.com/office/powerpoint/2010/main" val="1193432764"/>
-      </p:ext>
-    </p:extLst>
-  </p:cSld>
-  <p:clrMapOvr>
-    <a:masterClrMapping/>
-  </p:clrMapOvr>
-  <p:timing>
-    <p:tnLst>
-      <p:par>
-        <p:cTn id="1" dur="indefinite" restart="never" nodeType="tmRoot"/>
-      </p:par>
-    </p:tnLst>
-  </p:timing>
-</p:sld>
-</file>
-
-<file path=ppt/slides/slide6.xml><?xml version="1.0" encoding="utf-8"?>
-<p:sld xmlns:a="http://schemas.openxmlformats.org/drawingml/2006/main" xmlns:r="http://schemas.openxmlformats.org/officeDocument/2006/relationships" xmlns:p="http://schemas.openxmlformats.org/presentationml/2006/main">
-  <p:cSld>
-    <p:spTree>
-      <p:nvGrpSpPr>
-        <p:cNvPr id="1" name=""/>
-        <p:cNvGrpSpPr/>
-        <p:nvPr/>
-      </p:nvGrpSpPr>
-      <p:grpSpPr>
-        <a:xfrm>
-          <a:off x="0" y="0"/>
-          <a:ext cx="0" cy="0"/>
-          <a:chOff x="0" y="0"/>
-          <a:chExt cx="0" cy="0"/>
-        </a:xfrm>
-      </p:grpSpPr>
-      <p:sp>
-        <p:nvSpPr>
-          <p:cNvPr id="2" name="Заголовок 1"/>
-          <p:cNvSpPr>
-            <a:spLocks noGrp="1"/>
-          </p:cNvSpPr>
-          <p:nvPr>
-            <p:ph type="title"/>
+      <p:sp>
+        <p:nvSpPr>
+          <p:cNvPr id="3" name="Объект 2"/>
+          <p:cNvSpPr>
+            <a:spLocks noGrp="1"/>
+          </p:cNvSpPr>
+          <p:nvPr>
+            <p:ph idx="1"/>
           </p:nvPr>
         </p:nvSpPr>
         <p:spPr>
           <a:xfrm>
-            <a:off x="0" y="0"/>
-            <a:ext cx="12192000" cy="1325563"/>
+            <a:off x="1348740" y="2261394"/>
+            <a:ext cx="9494520" cy="893286"/>
           </a:xfrm>
         </p:spPr>
         <p:txBody>
           <a:bodyPr>
-            <a:normAutofit/>
+            <a:noAutofit/>
           </a:bodyPr>
           <a:lstStyle/>
           <a:p>
-            <a:r>
-              <a:rPr lang="ru-RU" sz="4000" dirty="0" smtClean="0">
-                <a:effectLst>
-                  <a:outerShdw blurRad="38100" dist="38100" dir="2700000" algn="tl">
-                    <a:srgbClr val="000000">
-                      <a:alpha val="43137"/>
-                    </a:srgbClr>
-                  </a:outerShdw>
-                </a:effectLst>
-                <a:latin typeface="Times New Roman" panose="02020603050405020304" pitchFamily="18" charset="0"/>
-                <a:cs typeface="Times New Roman" panose="02020603050405020304" pitchFamily="18" charset="0"/>
-              </a:rPr>
-              <a:t>Контекстная функциональная диаграмма</a:t>
-            </a:r>
-            <a:endParaRPr lang="ru-RU" sz="4000" dirty="0">
-              <a:effectLst>
-                <a:outerShdw blurRad="38100" dist="38100" dir="2700000" algn="tl">
-                  <a:srgbClr val="000000">
-                    <a:alpha val="43137"/>
-                  </a:srgbClr>
-                </a:outerShdw>
-              </a:effectLst>
+            <a:pPr marL="0" indent="0" algn="ctr">
+              <a:buNone/>
+            </a:pPr>
+            <a:r>
+              <a:rPr lang="ru-RU" sz="2400" b="1" dirty="0" smtClean="0">
+                <a:latin typeface="Times New Roman" panose="02020603050405020304" pitchFamily="18" charset="0"/>
+                <a:cs typeface="Times New Roman" panose="02020603050405020304" pitchFamily="18" charset="0"/>
+              </a:rPr>
+              <a:t>Объект исследования: </a:t>
+            </a:r>
+            <a:r>
+              <a:rPr lang="ru-RU" sz="2400" dirty="0" smtClean="0">
+                <a:latin typeface="Times New Roman" panose="02020603050405020304" pitchFamily="18" charset="0"/>
+                <a:cs typeface="Times New Roman" panose="02020603050405020304" pitchFamily="18" charset="0"/>
+              </a:rPr>
+              <a:t>криптография</a:t>
+            </a:r>
+            <a:endParaRPr lang="ru-RU" sz="2400" dirty="0">
               <a:latin typeface="Times New Roman" panose="02020603050405020304" pitchFamily="18" charset="0"/>
               <a:cs typeface="Times New Roman" panose="02020603050405020304" pitchFamily="18" charset="0"/>
             </a:endParaRPr>
           </a:p>
         </p:txBody>
       </p:sp>
-      <p:pic>
-        <p:nvPicPr>
-          <p:cNvPr id="3" name="Рисунок 2"/>
-          <p:cNvPicPr/>
+      <p:sp>
+        <p:nvSpPr>
+          <p:cNvPr id="4" name="Объект 2"/>
+          <p:cNvSpPr txBox="1">
+            <a:spLocks/>
+          </p:cNvSpPr>
           <p:nvPr/>
-        </p:nvPicPr>
-        <p:blipFill>
-          <a:blip r:embed="rId2" cstate="print">
-            <a:extLst>
-              <a:ext uri="{28A0092B-C50C-407E-A947-70E740481C1C}">
-                <a14:useLocalDpi xmlns:a14="http://schemas.microsoft.com/office/drawing/2010/main" val="0"/>
-              </a:ext>
-            </a:extLst>
-          </a:blip>
-          <a:srcRect/>
-          <a:stretch>
-            <a:fillRect/>
-          </a:stretch>
-        </p:blipFill>
-        <p:spPr bwMode="auto">
-          <a:xfrm>
-            <a:off x="2282831" y="1781969"/>
-            <a:ext cx="7626339" cy="3294063"/>
-          </a:xfrm>
-          <a:prstGeom prst="rect">
-            <a:avLst/>
-          </a:prstGeom>
-          <a:noFill/>
-          <a:ln>
-            <a:noFill/>
-          </a:ln>
-        </p:spPr>
-      </p:pic>
-    </p:spTree>
-    <p:extLst>
-      <p:ext uri="{BB962C8B-B14F-4D97-AF65-F5344CB8AC3E}">
-        <p14:creationId xmlns:p14="http://schemas.microsoft.com/office/powerpoint/2010/main" val="2634766537"/>
-      </p:ext>
-    </p:extLst>
-  </p:cSld>
-  <p:clrMapOvr>
-    <a:masterClrMapping/>
-  </p:clrMapOvr>
-  <p:timing>
-    <p:tnLst>
-      <p:par>
-        <p:cTn id="1" dur="indefinite" restart="never" nodeType="tmRoot"/>
-      </p:par>
-    </p:tnLst>
-  </p:timing>
-</p:sld>
-</file>
-
-<file path=ppt/slides/slide7.xml><?xml version="1.0" encoding="utf-8"?>
-<p:sld xmlns:a="http://schemas.openxmlformats.org/drawingml/2006/main" xmlns:r="http://schemas.openxmlformats.org/officeDocument/2006/relationships" xmlns:p="http://schemas.openxmlformats.org/presentationml/2006/main">
-  <p:cSld>
-    <p:spTree>
-      <p:nvGrpSpPr>
-        <p:cNvPr id="1" name=""/>
-        <p:cNvGrpSpPr/>
-        <p:nvPr/>
-      </p:nvGrpSpPr>
-      <p:grpSpPr>
-        <a:xfrm>
-          <a:off x="0" y="0"/>
-          <a:ext cx="0" cy="0"/>
-          <a:chOff x="0" y="0"/>
-          <a:chExt cx="0" cy="0"/>
-        </a:xfrm>
-      </p:grpSpPr>
-      <p:sp>
-        <p:nvSpPr>
-          <p:cNvPr id="2" name="Заголовок 1"/>
-          <p:cNvSpPr>
-            <a:spLocks noGrp="1"/>
-          </p:cNvSpPr>
-          <p:nvPr>
-            <p:ph type="title"/>
-          </p:nvPr>
         </p:nvSpPr>
         <p:spPr>
           <a:xfrm>
-            <a:off x="0" y="0"/>
-            <a:ext cx="12192000" cy="1325563"/>
-          </a:xfrm>
-        </p:spPr>
-        <p:txBody>
-          <a:bodyPr>
-            <a:normAutofit/>
-          </a:bodyPr>
-          <a:lstStyle/>
-          <a:p>
-            <a:r>
-              <a:rPr lang="ru-RU" sz="4000" dirty="0" smtClean="0">
-                <a:effectLst>
-                  <a:outerShdw blurRad="38100" dist="38100" dir="2700000" algn="tl">
-                    <a:srgbClr val="000000">
-                      <a:alpha val="43137"/>
-                    </a:srgbClr>
-                  </a:outerShdw>
-                </a:effectLst>
-                <a:latin typeface="Times New Roman" panose="02020603050405020304" pitchFamily="18" charset="0"/>
-                <a:cs typeface="Times New Roman" panose="02020603050405020304" pitchFamily="18" charset="0"/>
-              </a:rPr>
-              <a:t>Структурная схема</a:t>
-            </a:r>
-            <a:endParaRPr lang="ru-RU" sz="4000" dirty="0">
-              <a:effectLst>
-                <a:outerShdw blurRad="38100" dist="38100" dir="2700000" algn="tl">
-                  <a:srgbClr val="000000">
-                    <a:alpha val="43137"/>
-                  </a:srgbClr>
-                </a:outerShdw>
-              </a:effectLst>
-              <a:latin typeface="Times New Roman" panose="02020603050405020304" pitchFamily="18" charset="0"/>
-              <a:cs typeface="Times New Roman" panose="02020603050405020304" pitchFamily="18" charset="0"/>
-            </a:endParaRPr>
-          </a:p>
-        </p:txBody>
-      </p:sp>
-      <p:pic>
-        <p:nvPicPr>
-          <p:cNvPr id="3" name="Рисунок 2"/>
-          <p:cNvPicPr>
-            <a:picLocks noChangeAspect="1"/>
-          </p:cNvPicPr>
-          <p:nvPr/>
-        </p:nvPicPr>
-        <p:blipFill>
-          <a:blip r:embed="rId2"/>
-          <a:stretch>
-            <a:fillRect/>
-          </a:stretch>
-        </p:blipFill>
-        <p:spPr>
-          <a:xfrm>
-            <a:off x="2796993" y="1064038"/>
-            <a:ext cx="6598014" cy="5296853"/>
-          </a:xfrm>
-          <a:prstGeom prst="rect">
-            <a:avLst/>
-          </a:prstGeom>
-        </p:spPr>
-      </p:pic>
-    </p:spTree>
-    <p:extLst>
-      <p:ext uri="{BB962C8B-B14F-4D97-AF65-F5344CB8AC3E}">
-        <p14:creationId xmlns:p14="http://schemas.microsoft.com/office/powerpoint/2010/main" val="3164463192"/>
-      </p:ext>
-    </p:extLst>
-  </p:cSld>
-  <p:clrMapOvr>
-    <a:masterClrMapping/>
-  </p:clrMapOvr>
-  <p:timing>
-    <p:tnLst>
-      <p:par>
-        <p:cTn id="1" dur="indefinite" restart="never" nodeType="tmRoot"/>
-      </p:par>
-    </p:tnLst>
-  </p:timing>
-</p:sld>
-</file>
-
-<file path=ppt/slides/slide8.xml><?xml version="1.0" encoding="utf-8"?>
-<p:sld xmlns:a="http://schemas.openxmlformats.org/drawingml/2006/main" xmlns:r="http://schemas.openxmlformats.org/officeDocument/2006/relationships" xmlns:p="http://schemas.openxmlformats.org/presentationml/2006/main">
-  <p:cSld>
-    <p:spTree>
-      <p:nvGrpSpPr>
-        <p:cNvPr id="1" name=""/>
-        <p:cNvGrpSpPr/>
-        <p:nvPr/>
-      </p:nvGrpSpPr>
-      <p:grpSpPr>
-        <a:xfrm>
-          <a:off x="0" y="0"/>
-          <a:ext cx="0" cy="0"/>
-          <a:chOff x="0" y="0"/>
-          <a:chExt cx="0" cy="0"/>
-        </a:xfrm>
-      </p:grpSpPr>
-      <p:sp>
-        <p:nvSpPr>
-          <p:cNvPr id="2" name="Заголовок 1"/>
-          <p:cNvSpPr>
-            <a:spLocks noGrp="1"/>
-          </p:cNvSpPr>
-          <p:nvPr>
-            <p:ph type="title"/>
-          </p:nvPr>
-        </p:nvSpPr>
-        <p:spPr>
-          <a:xfrm>
-            <a:off x="0" y="0"/>
-            <a:ext cx="12192000" cy="1325563"/>
-          </a:xfrm>
-        </p:spPr>
-        <p:txBody>
-          <a:bodyPr>
-            <a:normAutofit/>
-          </a:bodyPr>
-          <a:lstStyle/>
-          <a:p>
-            <a:r>
-              <a:rPr lang="ru-RU" sz="4000" dirty="0" smtClean="0">
-                <a:effectLst>
-                  <a:outerShdw blurRad="38100" dist="38100" dir="2700000" algn="tl">
-                    <a:srgbClr val="000000">
-                      <a:alpha val="43137"/>
-                    </a:srgbClr>
-                  </a:outerShdw>
-                </a:effectLst>
-                <a:latin typeface="Times New Roman" panose="02020603050405020304" pitchFamily="18" charset="0"/>
-                <a:cs typeface="Times New Roman" panose="02020603050405020304" pitchFamily="18" charset="0"/>
-              </a:rPr>
-              <a:t>Интерфейс программы</a:t>
-            </a:r>
-            <a:endParaRPr lang="ru-RU" sz="4000" dirty="0">
-              <a:effectLst>
-                <a:outerShdw blurRad="38100" dist="38100" dir="2700000" algn="tl">
-                  <a:srgbClr val="000000">
-                    <a:alpha val="43137"/>
-                  </a:srgbClr>
-                </a:outerShdw>
-              </a:effectLst>
-              <a:latin typeface="Times New Roman" panose="02020603050405020304" pitchFamily="18" charset="0"/>
-              <a:cs typeface="Times New Roman" panose="02020603050405020304" pitchFamily="18" charset="0"/>
-            </a:endParaRPr>
-          </a:p>
-        </p:txBody>
-      </p:sp>
-      <p:pic>
-        <p:nvPicPr>
-          <p:cNvPr id="4" name="Рисунок 3"/>
-          <p:cNvPicPr>
-            <a:picLocks noChangeAspect="1"/>
-          </p:cNvPicPr>
-          <p:nvPr/>
-        </p:nvPicPr>
-        <p:blipFill>
-          <a:blip r:embed="rId2"/>
-          <a:stretch>
-            <a:fillRect/>
-          </a:stretch>
-        </p:blipFill>
-        <p:spPr>
-          <a:xfrm>
-            <a:off x="575009" y="1325563"/>
-            <a:ext cx="3232475" cy="4614296"/>
-          </a:xfrm>
-          <a:prstGeom prst="rect">
-            <a:avLst/>
-          </a:prstGeom>
-        </p:spPr>
-      </p:pic>
-      <p:pic>
-        <p:nvPicPr>
-          <p:cNvPr id="6" name="Рисунок 5"/>
-          <p:cNvPicPr/>
-          <p:nvPr/>
-        </p:nvPicPr>
-        <p:blipFill>
-          <a:blip r:embed="rId3">
-            <a:extLst>
-              <a:ext uri="{28A0092B-C50C-407E-A947-70E740481C1C}">
-                <a14:useLocalDpi xmlns:a14="http://schemas.microsoft.com/office/drawing/2010/main" val="0"/>
-              </a:ext>
-            </a:extLst>
-          </a:blip>
-          <a:srcRect/>
-          <a:stretch>
-            <a:fillRect/>
-          </a:stretch>
-        </p:blipFill>
-        <p:spPr bwMode="auto">
-          <a:xfrm>
-            <a:off x="7595280" y="1325563"/>
-            <a:ext cx="4071765" cy="2192489"/>
-          </a:xfrm>
-          <a:prstGeom prst="rect">
-            <a:avLst/>
-          </a:prstGeom>
-          <a:noFill/>
-          <a:ln>
-            <a:noFill/>
-          </a:ln>
-        </p:spPr>
-      </p:pic>
-      <p:pic>
-        <p:nvPicPr>
-          <p:cNvPr id="7" name="Рисунок 6"/>
-          <p:cNvPicPr>
-            <a:picLocks noChangeAspect="1"/>
-          </p:cNvPicPr>
-          <p:nvPr/>
-        </p:nvPicPr>
-        <p:blipFill>
-          <a:blip r:embed="rId4"/>
-          <a:stretch>
-            <a:fillRect/>
-          </a:stretch>
-        </p:blipFill>
-        <p:spPr>
-          <a:xfrm>
-            <a:off x="4087155" y="1328433"/>
-            <a:ext cx="3228454" cy="4608556"/>
-          </a:xfrm>
-          <a:prstGeom prst="rect">
-            <a:avLst/>
-          </a:prstGeom>
-        </p:spPr>
-      </p:pic>
-      <p:pic>
-        <p:nvPicPr>
-          <p:cNvPr id="8" name="Рисунок 7"/>
-          <p:cNvPicPr>
-            <a:picLocks noChangeAspect="1"/>
-          </p:cNvPicPr>
-          <p:nvPr/>
-        </p:nvPicPr>
-        <p:blipFill>
-          <a:blip r:embed="rId5"/>
-          <a:stretch>
-            <a:fillRect/>
-          </a:stretch>
-        </p:blipFill>
-        <p:spPr>
-          <a:xfrm>
-            <a:off x="7595279" y="3744500"/>
-            <a:ext cx="4071766" cy="2192489"/>
-          </a:xfrm>
-          <a:prstGeom prst="rect">
-            <a:avLst/>
-          </a:prstGeom>
-        </p:spPr>
-      </p:pic>
-    </p:spTree>
-    <p:extLst>
-      <p:ext uri="{BB962C8B-B14F-4D97-AF65-F5344CB8AC3E}">
-        <p14:creationId xmlns:p14="http://schemas.microsoft.com/office/powerpoint/2010/main" val="3676719507"/>
-      </p:ext>
-    </p:extLst>
-  </p:cSld>
-  <p:clrMapOvr>
-    <a:masterClrMapping/>
-  </p:clrMapOvr>
-  <p:timing>
-    <p:tnLst>
-      <p:par>
-        <p:cTn id="1" dur="indefinite" restart="never" nodeType="tmRoot"/>
-      </p:par>
-    </p:tnLst>
-  </p:timing>
-</p:sld>
-</file>
-
-<file path=ppt/slides/slide9.xml><?xml version="1.0" encoding="utf-8"?>
-<p:sld xmlns:a="http://schemas.openxmlformats.org/drawingml/2006/main" xmlns:r="http://schemas.openxmlformats.org/officeDocument/2006/relationships" xmlns:p="http://schemas.openxmlformats.org/presentationml/2006/main">
-  <p:cSld>
-    <p:spTree>
-      <p:nvGrpSpPr>
-        <p:cNvPr id="1" name=""/>
-        <p:cNvGrpSpPr/>
-        <p:nvPr/>
-      </p:nvGrpSpPr>
-      <p:grpSpPr>
-        <a:xfrm>
-          <a:off x="0" y="0"/>
-          <a:ext cx="0" cy="0"/>
-          <a:chOff x="0" y="0"/>
-          <a:chExt cx="0" cy="0"/>
-        </a:xfrm>
-      </p:grpSpPr>
-      <p:sp>
-        <p:nvSpPr>
-          <p:cNvPr id="2" name="Заголовок 1"/>
-          <p:cNvSpPr>
-            <a:spLocks noGrp="1"/>
-          </p:cNvSpPr>
-          <p:nvPr>
-            <p:ph type="title"/>
-          </p:nvPr>
-        </p:nvSpPr>
-        <p:spPr>
-          <a:xfrm>
-            <a:off x="0" y="0"/>
-            <a:ext cx="12192000" cy="1325563"/>
-          </a:xfrm>
-        </p:spPr>
-        <p:txBody>
-          <a:bodyPr>
-            <a:normAutofit/>
-          </a:bodyPr>
-          <a:lstStyle/>
-          <a:p>
-            <a:r>
-              <a:rPr lang="ru-RU" sz="4000" dirty="0" smtClean="0">
-                <a:effectLst>
-                  <a:outerShdw blurRad="38100" dist="38100" dir="2700000" algn="tl">
-                    <a:srgbClr val="000000">
-                      <a:alpha val="43137"/>
-                    </a:srgbClr>
-                  </a:outerShdw>
-                </a:effectLst>
-                <a:latin typeface="Times New Roman" panose="02020603050405020304" pitchFamily="18" charset="0"/>
-                <a:cs typeface="Times New Roman" panose="02020603050405020304" pitchFamily="18" charset="0"/>
-              </a:rPr>
-              <a:t>Заключение</a:t>
-            </a:r>
-            <a:endParaRPr lang="ru-RU" sz="4000" dirty="0">
-              <a:effectLst>
-                <a:outerShdw blurRad="38100" dist="38100" dir="2700000" algn="tl">
-                  <a:srgbClr val="000000">
-                    <a:alpha val="43137"/>
-                  </a:srgbClr>
-                </a:outerShdw>
-              </a:effectLst>
-              <a:latin typeface="Times New Roman" panose="02020603050405020304" pitchFamily="18" charset="0"/>
-              <a:cs typeface="Times New Roman" panose="02020603050405020304" pitchFamily="18" charset="0"/>
-            </a:endParaRPr>
-          </a:p>
-        </p:txBody>
-      </p:sp>
-      <p:sp>
-        <p:nvSpPr>
-          <p:cNvPr id="6" name="Объект 2"/>
-          <p:cNvSpPr txBox="1">
-            <a:spLocks/>
-          </p:cNvSpPr>
-          <p:nvPr/>
-        </p:nvSpPr>
-        <p:spPr>
-          <a:xfrm>
-            <a:off x="723900" y="1325563"/>
-            <a:ext cx="5108448" cy="4910645"/>
+            <a:off x="1348740" y="3837305"/>
+            <a:ext cx="9494520" cy="1274191"/>
           </a:xfrm>
           <a:prstGeom prst="rect">
             <a:avLst/>
@@ -5510,6 +4783,142 @@
             </a:lvl9pPr>
           </a:lstStyle>
           <a:p>
+            <a:pPr marL="0" indent="0" algn="ctr">
+              <a:buNone/>
+            </a:pPr>
+            <a:r>
+              <a:rPr lang="ru-RU" sz="2400" b="1" dirty="0" smtClean="0">
+                <a:latin typeface="Times New Roman" panose="02020603050405020304" pitchFamily="18" charset="0"/>
+                <a:cs typeface="Times New Roman" panose="02020603050405020304" pitchFamily="18" charset="0"/>
+              </a:rPr>
+              <a:t>Предмет исследования: </a:t>
+            </a:r>
+            <a:r>
+              <a:rPr lang="ru-RU" sz="2400" dirty="0" smtClean="0">
+                <a:latin typeface="Times New Roman" panose="02020603050405020304" pitchFamily="18" charset="0"/>
+                <a:cs typeface="Times New Roman" panose="02020603050405020304" pitchFamily="18" charset="0"/>
+              </a:rPr>
+              <a:t>математические </a:t>
+            </a:r>
+            <a:r>
+              <a:rPr lang="ru-RU" sz="2400" dirty="0">
+                <a:latin typeface="Times New Roman" panose="02020603050405020304" pitchFamily="18" charset="0"/>
+                <a:cs typeface="Times New Roman" panose="02020603050405020304" pitchFamily="18" charset="0"/>
+              </a:rPr>
+              <a:t>методы кодирования информации в современной криптографии</a:t>
+            </a:r>
+          </a:p>
+        </p:txBody>
+      </p:sp>
+    </p:spTree>
+    <p:extLst>
+      <p:ext uri="{BB962C8B-B14F-4D97-AF65-F5344CB8AC3E}">
+        <p14:creationId xmlns:p14="http://schemas.microsoft.com/office/powerpoint/2010/main" val="975280500"/>
+      </p:ext>
+    </p:extLst>
+  </p:cSld>
+  <p:clrMapOvr>
+    <a:masterClrMapping/>
+  </p:clrMapOvr>
+  <p:timing>
+    <p:tnLst>
+      <p:par>
+        <p:cTn id="1" dur="indefinite" restart="never" nodeType="tmRoot"/>
+      </p:par>
+    </p:tnLst>
+  </p:timing>
+</p:sld>
+</file>
+
+<file path=ppt/slides/slide3.xml><?xml version="1.0" encoding="utf-8"?>
+<p:sld xmlns:a="http://schemas.openxmlformats.org/drawingml/2006/main" xmlns:r="http://schemas.openxmlformats.org/officeDocument/2006/relationships" xmlns:p="http://schemas.openxmlformats.org/presentationml/2006/main">
+  <p:cSld>
+    <p:spTree>
+      <p:nvGrpSpPr>
+        <p:cNvPr id="1" name=""/>
+        <p:cNvGrpSpPr/>
+        <p:nvPr/>
+      </p:nvGrpSpPr>
+      <p:grpSpPr>
+        <a:xfrm>
+          <a:off x="0" y="0"/>
+          <a:ext cx="0" cy="0"/>
+          <a:chOff x="0" y="0"/>
+          <a:chExt cx="0" cy="0"/>
+        </a:xfrm>
+      </p:grpSpPr>
+      <p:sp>
+        <p:nvSpPr>
+          <p:cNvPr id="2" name="Заголовок 1"/>
+          <p:cNvSpPr>
+            <a:spLocks noGrp="1"/>
+          </p:cNvSpPr>
+          <p:nvPr>
+            <p:ph type="title"/>
+          </p:nvPr>
+        </p:nvSpPr>
+        <p:spPr>
+          <a:xfrm>
+            <a:off x="0" y="0"/>
+            <a:ext cx="12192000" cy="1325563"/>
+          </a:xfrm>
+        </p:spPr>
+        <p:txBody>
+          <a:bodyPr>
+            <a:normAutofit/>
+          </a:bodyPr>
+          <a:lstStyle/>
+          <a:p>
+            <a:r>
+              <a:rPr lang="ru-RU" sz="4000" dirty="0" smtClean="0">
+                <a:effectLst>
+                  <a:outerShdw blurRad="38100" dist="38100" dir="2700000" algn="tl">
+                    <a:srgbClr val="000000">
+                      <a:alpha val="43137"/>
+                    </a:srgbClr>
+                  </a:outerShdw>
+                </a:effectLst>
+                <a:latin typeface="Times New Roman" panose="02020603050405020304" pitchFamily="18" charset="0"/>
+                <a:cs typeface="Times New Roman" panose="02020603050405020304" pitchFamily="18" charset="0"/>
+              </a:rPr>
+              <a:t>Цель и задачи проекта</a:t>
+            </a:r>
+            <a:endParaRPr lang="ru-RU" sz="4000" dirty="0">
+              <a:effectLst>
+                <a:outerShdw blurRad="38100" dist="38100" dir="2700000" algn="tl">
+                  <a:srgbClr val="000000">
+                    <a:alpha val="43137"/>
+                  </a:srgbClr>
+                </a:outerShdw>
+              </a:effectLst>
+              <a:latin typeface="Times New Roman" panose="02020603050405020304" pitchFamily="18" charset="0"/>
+              <a:cs typeface="Times New Roman" panose="02020603050405020304" pitchFamily="18" charset="0"/>
+            </a:endParaRPr>
+          </a:p>
+        </p:txBody>
+      </p:sp>
+      <p:sp>
+        <p:nvSpPr>
+          <p:cNvPr id="3" name="Объект 2"/>
+          <p:cNvSpPr>
+            <a:spLocks noGrp="1"/>
+          </p:cNvSpPr>
+          <p:nvPr>
+            <p:ph idx="1"/>
+          </p:nvPr>
+        </p:nvSpPr>
+        <p:spPr>
+          <a:xfrm>
+            <a:off x="1299972" y="2523110"/>
+            <a:ext cx="9592056" cy="3941381"/>
+          </a:xfrm>
+        </p:spPr>
+        <p:txBody>
+          <a:bodyPr>
+            <a:noAutofit/>
+          </a:bodyPr>
+          <a:lstStyle/>
+          <a:p>
             <a:pPr marL="0" indent="0">
               <a:buNone/>
             </a:pPr>
@@ -5518,7 +4927,7 @@
                 <a:latin typeface="Times New Roman" panose="02020603050405020304" pitchFamily="18" charset="0"/>
                 <a:cs typeface="Times New Roman" panose="02020603050405020304" pitchFamily="18" charset="0"/>
               </a:rPr>
-              <a:t>Достоинства программы:</a:t>
+              <a:t>Задачи проекта:</a:t>
             </a:r>
             <a:endParaRPr lang="ru-RU" sz="2400" b="1" dirty="0">
               <a:latin typeface="Times New Roman" panose="02020603050405020304" pitchFamily="18" charset="0"/>
@@ -5532,7 +4941,7 @@
                 <a:latin typeface="Times New Roman" panose="02020603050405020304" pitchFamily="18" charset="0"/>
                 <a:cs typeface="Times New Roman" panose="02020603050405020304" pitchFamily="18" charset="0"/>
               </a:rPr>
-              <a:t>простой, понятный, удобный и приятный взгляду интерфейс с множеством подсказок;</a:t>
+              <a:t>детально изучить предметную область;</a:t>
             </a:r>
           </a:p>
           <a:p>
@@ -5542,7 +4951,23 @@
                 <a:latin typeface="Times New Roman" panose="02020603050405020304" pitchFamily="18" charset="0"/>
                 <a:cs typeface="Times New Roman" panose="02020603050405020304" pitchFamily="18" charset="0"/>
               </a:rPr>
-              <a:t>наличие нескольких методов для защиты информации;</a:t>
+              <a:t>провести сравнительный анализ и на его основе выбрать наиболее эффективные алгоритмы шифрования;</a:t>
+            </a:r>
+          </a:p>
+          <a:p>
+            <a:r>
+              <a:rPr lang="ru-RU" sz="2400" dirty="0">
+                <a:latin typeface="Times New Roman" panose="02020603050405020304" pitchFamily="18" charset="0"/>
+                <a:cs typeface="Times New Roman" panose="02020603050405020304" pitchFamily="18" charset="0"/>
+              </a:rPr>
+              <a:t>составить необходимые диаграммы и схемы</a:t>
+            </a:r>
+            <a:r>
+              <a:rPr lang="ru-RU" sz="2400" dirty="0" smtClean="0">
+                <a:latin typeface="Times New Roman" panose="02020603050405020304" pitchFamily="18" charset="0"/>
+                <a:cs typeface="Times New Roman" panose="02020603050405020304" pitchFamily="18" charset="0"/>
+              </a:rPr>
+              <a:t>;</a:t>
             </a:r>
           </a:p>
           <a:p>
@@ -5552,17 +4977,31 @@
                 <a:latin typeface="Times New Roman" panose="02020603050405020304" pitchFamily="18" charset="0"/>
                 <a:cs typeface="Times New Roman" panose="02020603050405020304" pitchFamily="18" charset="0"/>
               </a:rPr>
-              <a:t>возможность генерации ключей для каждого метода;</a:t>
+              <a:t>выбрать подходящие для разработки инструментальные средства</a:t>
+            </a:r>
+            <a:r>
+              <a:rPr lang="ru-RU" sz="2400" dirty="0" smtClean="0">
+                <a:latin typeface="Times New Roman" panose="02020603050405020304" pitchFamily="18" charset="0"/>
+                <a:cs typeface="Times New Roman" panose="02020603050405020304" pitchFamily="18" charset="0"/>
+              </a:rPr>
+              <a:t>;</a:t>
             </a:r>
           </a:p>
           <a:p>
             <a:pPr lvl="0"/>
             <a:r>
+              <a:rPr lang="ru-RU" sz="2400" dirty="0" smtClean="0">
+                <a:latin typeface="Times New Roman" panose="02020603050405020304" pitchFamily="18" charset="0"/>
+                <a:cs typeface="Times New Roman" panose="02020603050405020304" pitchFamily="18" charset="0"/>
+              </a:rPr>
+              <a:t>реализовать </a:t>
+            </a:r>
+            <a:r>
               <a:rPr lang="ru-RU" sz="2400" dirty="0">
                 <a:latin typeface="Times New Roman" panose="02020603050405020304" pitchFamily="18" charset="0"/>
                 <a:cs typeface="Times New Roman" panose="02020603050405020304" pitchFamily="18" charset="0"/>
               </a:rPr>
-              <a:t>открытие и сохранение файлов;</a:t>
+              <a:t>функциональные и нефункциональные требования;</a:t>
             </a:r>
           </a:p>
           <a:p>
@@ -5572,7 +5011,7 @@
                 <a:latin typeface="Times New Roman" panose="02020603050405020304" pitchFamily="18" charset="0"/>
                 <a:cs typeface="Times New Roman" panose="02020603050405020304" pitchFamily="18" charset="0"/>
               </a:rPr>
-              <a:t>наличие «горячих» клавиш для основных функций программы;</a:t>
+              <a:t>провести тестирование и отладку программы;</a:t>
             </a:r>
           </a:p>
           <a:p>
@@ -5582,16 +5021,30 @@
                 <a:latin typeface="Times New Roman" panose="02020603050405020304" pitchFamily="18" charset="0"/>
                 <a:cs typeface="Times New Roman" panose="02020603050405020304" pitchFamily="18" charset="0"/>
               </a:rPr>
-              <a:t>наличие справки с </a:t>
+              <a:t>составить </a:t>
             </a:r>
             <a:r>
               <a:rPr lang="ru-RU" sz="2400" dirty="0" smtClean="0">
                 <a:latin typeface="Times New Roman" panose="02020603050405020304" pitchFamily="18" charset="0"/>
                 <a:cs typeface="Times New Roman" panose="02020603050405020304" pitchFamily="18" charset="0"/>
               </a:rPr>
-              <a:t>инструкцией.</a:t>
-            </a:r>
-            <a:endParaRPr lang="ru-RU" dirty="0">
+              <a:t>руководство </a:t>
+            </a:r>
+            <a:r>
+              <a:rPr lang="ru-RU" sz="2400" dirty="0">
+                <a:latin typeface="Times New Roman" panose="02020603050405020304" pitchFamily="18" charset="0"/>
+                <a:cs typeface="Times New Roman" panose="02020603050405020304" pitchFamily="18" charset="0"/>
+              </a:rPr>
+              <a:t>по использованию программы</a:t>
+            </a:r>
+            <a:r>
+              <a:rPr lang="ru-RU" sz="2400" dirty="0" smtClean="0">
+                <a:latin typeface="Times New Roman" panose="02020603050405020304" pitchFamily="18" charset="0"/>
+                <a:cs typeface="Times New Roman" panose="02020603050405020304" pitchFamily="18" charset="0"/>
+              </a:rPr>
+              <a:t>.</a:t>
+            </a:r>
+            <a:endParaRPr lang="ru-RU" sz="2400" dirty="0">
               <a:latin typeface="Times New Roman" panose="02020603050405020304" pitchFamily="18" charset="0"/>
               <a:cs typeface="Times New Roman" panose="02020603050405020304" pitchFamily="18" charset="0"/>
             </a:endParaRPr>
@@ -5600,7 +5053,7 @@
       </p:sp>
       <p:sp>
         <p:nvSpPr>
-          <p:cNvPr id="7" name="Объект 2"/>
+          <p:cNvPr id="4" name="Объект 2"/>
           <p:cNvSpPr txBox="1">
             <a:spLocks/>
           </p:cNvSpPr>
@@ -5608,8 +5061,8 @@
         </p:nvSpPr>
         <p:spPr>
           <a:xfrm>
-            <a:off x="6457950" y="1325563"/>
-            <a:ext cx="5108448" cy="4910645"/>
+            <a:off x="1299972" y="1197547"/>
+            <a:ext cx="9592056" cy="1073213"/>
           </a:xfrm>
           <a:prstGeom prst="rect">
             <a:avLst/>
@@ -5792,24 +5245,942 @@
                 <a:latin typeface="Times New Roman" panose="02020603050405020304" pitchFamily="18" charset="0"/>
                 <a:cs typeface="Times New Roman" panose="02020603050405020304" pitchFamily="18" charset="0"/>
               </a:rPr>
-              <a:t>Пути развития программы:</a:t>
-            </a:r>
-          </a:p>
-          <a:p>
-            <a:pPr marL="0" indent="0">
+              <a:t>Цель проекта: </a:t>
+            </a:r>
+            <a:r>
+              <a:rPr lang="ru-RU" sz="2400" dirty="0">
+                <a:latin typeface="Times New Roman" panose="02020603050405020304" pitchFamily="18" charset="0"/>
+                <a:cs typeface="Times New Roman" panose="02020603050405020304" pitchFamily="18" charset="0"/>
+              </a:rPr>
+              <a:t>разработка программы шифрования </a:t>
+            </a:r>
+            <a:r>
+              <a:rPr lang="ru-RU" sz="2400" dirty="0" smtClean="0">
+                <a:latin typeface="Times New Roman" panose="02020603050405020304" pitchFamily="18" charset="0"/>
+                <a:cs typeface="Times New Roman" panose="02020603050405020304" pitchFamily="18" charset="0"/>
+              </a:rPr>
+              <a:t>файлов</a:t>
+            </a:r>
+            <a:r>
+              <a:rPr lang="en-US" sz="2400" dirty="0" smtClean="0">
+                <a:latin typeface="Times New Roman" panose="02020603050405020304" pitchFamily="18" charset="0"/>
+                <a:cs typeface="Times New Roman" panose="02020603050405020304" pitchFamily="18" charset="0"/>
+              </a:rPr>
+              <a:t>, </a:t>
+            </a:r>
+            <a:r>
+              <a:rPr lang="ru-RU" sz="2400" dirty="0" smtClean="0">
+                <a:latin typeface="Times New Roman" panose="02020603050405020304" pitchFamily="18" charset="0"/>
+                <a:cs typeface="Times New Roman" panose="02020603050405020304" pitchFamily="18" charset="0"/>
+              </a:rPr>
+              <a:t>которая </a:t>
+            </a:r>
+            <a:r>
+              <a:rPr lang="ru-RU" sz="2400" dirty="0">
+                <a:latin typeface="Times New Roman" panose="02020603050405020304" pitchFamily="18" charset="0"/>
+                <a:cs typeface="Times New Roman" panose="02020603050405020304" pitchFamily="18" charset="0"/>
+              </a:rPr>
+              <a:t>позволила бы пользователю защитить желаемую информацию наиболее эффективными методами</a:t>
+            </a:r>
+          </a:p>
+        </p:txBody>
+      </p:sp>
+    </p:spTree>
+    <p:extLst>
+      <p:ext uri="{BB962C8B-B14F-4D97-AF65-F5344CB8AC3E}">
+        <p14:creationId xmlns:p14="http://schemas.microsoft.com/office/powerpoint/2010/main" val="1637281774"/>
+      </p:ext>
+    </p:extLst>
+  </p:cSld>
+  <p:clrMapOvr>
+    <a:masterClrMapping/>
+  </p:clrMapOvr>
+  <p:timing>
+    <p:tnLst>
+      <p:par>
+        <p:cTn id="1" dur="indefinite" restart="never" nodeType="tmRoot"/>
+      </p:par>
+    </p:tnLst>
+  </p:timing>
+</p:sld>
+</file>
+
+<file path=ppt/slides/slide4.xml><?xml version="1.0" encoding="utf-8"?>
+<p:sld xmlns:a="http://schemas.openxmlformats.org/drawingml/2006/main" xmlns:r="http://schemas.openxmlformats.org/officeDocument/2006/relationships" xmlns:p="http://schemas.openxmlformats.org/presentationml/2006/main">
+  <p:cSld>
+    <p:spTree>
+      <p:nvGrpSpPr>
+        <p:cNvPr id="1" name=""/>
+        <p:cNvGrpSpPr/>
+        <p:nvPr/>
+      </p:nvGrpSpPr>
+      <p:grpSpPr>
+        <a:xfrm>
+          <a:off x="0" y="0"/>
+          <a:ext cx="0" cy="0"/>
+          <a:chOff x="0" y="0"/>
+          <a:chExt cx="0" cy="0"/>
+        </a:xfrm>
+      </p:grpSpPr>
+      <p:sp>
+        <p:nvSpPr>
+          <p:cNvPr id="2" name="Заголовок 1"/>
+          <p:cNvSpPr>
+            <a:spLocks noGrp="1"/>
+          </p:cNvSpPr>
+          <p:nvPr>
+            <p:ph type="title"/>
+          </p:nvPr>
+        </p:nvSpPr>
+        <p:spPr>
+          <a:xfrm>
+            <a:off x="0" y="0"/>
+            <a:ext cx="12192000" cy="1325563"/>
+          </a:xfrm>
+        </p:spPr>
+        <p:txBody>
+          <a:bodyPr>
+            <a:normAutofit/>
+          </a:bodyPr>
+          <a:lstStyle/>
+          <a:p>
+            <a:r>
+              <a:rPr lang="ru-RU" sz="4000" dirty="0" smtClean="0">
+                <a:effectLst>
+                  <a:outerShdw blurRad="38100" dist="38100" dir="2700000" algn="tl">
+                    <a:srgbClr val="000000">
+                      <a:alpha val="43137"/>
+                    </a:srgbClr>
+                  </a:outerShdw>
+                </a:effectLst>
+                <a:latin typeface="Times New Roman" panose="02020603050405020304" pitchFamily="18" charset="0"/>
+                <a:cs typeface="Times New Roman" panose="02020603050405020304" pitchFamily="18" charset="0"/>
+              </a:rPr>
+              <a:t>Криптосистемы</a:t>
+            </a:r>
+            <a:endParaRPr lang="ru-RU" sz="4000" dirty="0">
+              <a:effectLst>
+                <a:outerShdw blurRad="38100" dist="38100" dir="2700000" algn="tl">
+                  <a:srgbClr val="000000">
+                    <a:alpha val="43137"/>
+                  </a:srgbClr>
+                </a:outerShdw>
+              </a:effectLst>
+              <a:latin typeface="Times New Roman" panose="02020603050405020304" pitchFamily="18" charset="0"/>
+              <a:cs typeface="Times New Roman" panose="02020603050405020304" pitchFamily="18" charset="0"/>
+            </a:endParaRPr>
+          </a:p>
+        </p:txBody>
+      </p:sp>
+      <p:pic>
+        <p:nvPicPr>
+          <p:cNvPr id="6" name="Рисунок 5"/>
+          <p:cNvPicPr>
+            <a:picLocks noChangeAspect="1"/>
+          </p:cNvPicPr>
+          <p:nvPr/>
+        </p:nvPicPr>
+        <p:blipFill>
+          <a:blip r:embed="rId2">
+            <a:extLst>
+              <a:ext uri="{28A0092B-C50C-407E-A947-70E740481C1C}">
+                <a14:useLocalDpi xmlns:a14="http://schemas.microsoft.com/office/drawing/2010/main" val="0"/>
+              </a:ext>
+            </a:extLst>
+          </a:blip>
+          <a:stretch>
+            <a:fillRect/>
+          </a:stretch>
+        </p:blipFill>
+        <p:spPr>
+          <a:xfrm>
+            <a:off x="2965645" y="2268665"/>
+            <a:ext cx="6260711" cy="2320671"/>
+          </a:xfrm>
+          <a:prstGeom prst="rect">
+            <a:avLst/>
+          </a:prstGeom>
+        </p:spPr>
+      </p:pic>
+    </p:spTree>
+    <p:extLst>
+      <p:ext uri="{BB962C8B-B14F-4D97-AF65-F5344CB8AC3E}">
+        <p14:creationId xmlns:p14="http://schemas.microsoft.com/office/powerpoint/2010/main" val="122078953"/>
+      </p:ext>
+    </p:extLst>
+  </p:cSld>
+  <p:clrMapOvr>
+    <a:masterClrMapping/>
+  </p:clrMapOvr>
+  <p:timing>
+    <p:tnLst>
+      <p:par>
+        <p:cTn id="1" dur="indefinite" restart="never" nodeType="tmRoot"/>
+      </p:par>
+    </p:tnLst>
+  </p:timing>
+</p:sld>
+</file>
+
+<file path=ppt/slides/slide5.xml><?xml version="1.0" encoding="utf-8"?>
+<p:sld xmlns:a="http://schemas.openxmlformats.org/drawingml/2006/main" xmlns:r="http://schemas.openxmlformats.org/officeDocument/2006/relationships" xmlns:p="http://schemas.openxmlformats.org/presentationml/2006/main">
+  <p:cSld>
+    <p:spTree>
+      <p:nvGrpSpPr>
+        <p:cNvPr id="1" name=""/>
+        <p:cNvGrpSpPr/>
+        <p:nvPr/>
+      </p:nvGrpSpPr>
+      <p:grpSpPr>
+        <a:xfrm>
+          <a:off x="0" y="0"/>
+          <a:ext cx="0" cy="0"/>
+          <a:chOff x="0" y="0"/>
+          <a:chExt cx="0" cy="0"/>
+        </a:xfrm>
+      </p:grpSpPr>
+      <p:sp>
+        <p:nvSpPr>
+          <p:cNvPr id="2" name="Заголовок 1"/>
+          <p:cNvSpPr>
+            <a:spLocks noGrp="1"/>
+          </p:cNvSpPr>
+          <p:nvPr>
+            <p:ph type="title"/>
+          </p:nvPr>
+        </p:nvSpPr>
+        <p:spPr>
+          <a:xfrm>
+            <a:off x="0" y="0"/>
+            <a:ext cx="12192000" cy="1325563"/>
+          </a:xfrm>
+        </p:spPr>
+        <p:txBody>
+          <a:bodyPr>
+            <a:normAutofit/>
+          </a:bodyPr>
+          <a:lstStyle/>
+          <a:p>
+            <a:r>
+              <a:rPr lang="ru-RU" sz="4000" dirty="0" smtClean="0">
+                <a:effectLst>
+                  <a:outerShdw blurRad="38100" dist="38100" dir="2700000" algn="tl">
+                    <a:srgbClr val="000000">
+                      <a:alpha val="43137"/>
+                    </a:srgbClr>
+                  </a:outerShdw>
+                </a:effectLst>
+                <a:latin typeface="Times New Roman" panose="02020603050405020304" pitchFamily="18" charset="0"/>
+                <a:cs typeface="Times New Roman" panose="02020603050405020304" pitchFamily="18" charset="0"/>
+              </a:rPr>
+              <a:t>Симметричная криптосистема</a:t>
+            </a:r>
+            <a:endParaRPr lang="ru-RU" sz="4000" dirty="0">
+              <a:effectLst>
+                <a:outerShdw blurRad="38100" dist="38100" dir="2700000" algn="tl">
+                  <a:srgbClr val="000000">
+                    <a:alpha val="43137"/>
+                  </a:srgbClr>
+                </a:outerShdw>
+              </a:effectLst>
+              <a:latin typeface="Times New Roman" panose="02020603050405020304" pitchFamily="18" charset="0"/>
+              <a:cs typeface="Times New Roman" panose="02020603050405020304" pitchFamily="18" charset="0"/>
+            </a:endParaRPr>
+          </a:p>
+        </p:txBody>
+      </p:sp>
+      <p:pic>
+        <p:nvPicPr>
+          <p:cNvPr id="3" name="Рисунок 2"/>
+          <p:cNvPicPr>
+            <a:picLocks noChangeAspect="1"/>
+          </p:cNvPicPr>
+          <p:nvPr/>
+        </p:nvPicPr>
+        <p:blipFill>
+          <a:blip r:embed="rId2">
+            <a:extLst>
+              <a:ext uri="{28A0092B-C50C-407E-A947-70E740481C1C}">
+                <a14:useLocalDpi xmlns:a14="http://schemas.microsoft.com/office/drawing/2010/main" val="0"/>
+              </a:ext>
+            </a:extLst>
+          </a:blip>
+          <a:stretch>
+            <a:fillRect/>
+          </a:stretch>
+        </p:blipFill>
+        <p:spPr>
+          <a:xfrm>
+            <a:off x="852488" y="2419350"/>
+            <a:ext cx="10487025" cy="2019300"/>
+          </a:xfrm>
+          <a:prstGeom prst="rect">
+            <a:avLst/>
+          </a:prstGeom>
+        </p:spPr>
+      </p:pic>
+    </p:spTree>
+    <p:extLst>
+      <p:ext uri="{BB962C8B-B14F-4D97-AF65-F5344CB8AC3E}">
+        <p14:creationId xmlns:p14="http://schemas.microsoft.com/office/powerpoint/2010/main" val="273030040"/>
+      </p:ext>
+    </p:extLst>
+  </p:cSld>
+  <p:clrMapOvr>
+    <a:masterClrMapping/>
+  </p:clrMapOvr>
+  <p:timing>
+    <p:tnLst>
+      <p:par>
+        <p:cTn id="1" dur="indefinite" restart="never" nodeType="tmRoot"/>
+      </p:par>
+    </p:tnLst>
+  </p:timing>
+</p:sld>
+</file>
+
+<file path=ppt/slides/slide6.xml><?xml version="1.0" encoding="utf-8"?>
+<p:sld xmlns:a="http://schemas.openxmlformats.org/drawingml/2006/main" xmlns:r="http://schemas.openxmlformats.org/officeDocument/2006/relationships" xmlns:p="http://schemas.openxmlformats.org/presentationml/2006/main">
+  <p:cSld>
+    <p:spTree>
+      <p:nvGrpSpPr>
+        <p:cNvPr id="1" name=""/>
+        <p:cNvGrpSpPr/>
+        <p:nvPr/>
+      </p:nvGrpSpPr>
+      <p:grpSpPr>
+        <a:xfrm>
+          <a:off x="0" y="0"/>
+          <a:ext cx="0" cy="0"/>
+          <a:chOff x="0" y="0"/>
+          <a:chExt cx="0" cy="0"/>
+        </a:xfrm>
+      </p:grpSpPr>
+      <p:sp>
+        <p:nvSpPr>
+          <p:cNvPr id="2" name="Заголовок 1"/>
+          <p:cNvSpPr>
+            <a:spLocks noGrp="1"/>
+          </p:cNvSpPr>
+          <p:nvPr>
+            <p:ph type="title"/>
+          </p:nvPr>
+        </p:nvSpPr>
+        <p:spPr>
+          <a:xfrm>
+            <a:off x="0" y="0"/>
+            <a:ext cx="12192000" cy="1325563"/>
+          </a:xfrm>
+        </p:spPr>
+        <p:txBody>
+          <a:bodyPr>
+            <a:normAutofit/>
+          </a:bodyPr>
+          <a:lstStyle/>
+          <a:p>
+            <a:r>
+              <a:rPr lang="ru-RU" sz="4000" dirty="0" smtClean="0">
+                <a:effectLst>
+                  <a:outerShdw blurRad="38100" dist="38100" dir="2700000" algn="tl">
+                    <a:srgbClr val="000000">
+                      <a:alpha val="43137"/>
+                    </a:srgbClr>
+                  </a:outerShdw>
+                </a:effectLst>
+                <a:latin typeface="Times New Roman" panose="02020603050405020304" pitchFamily="18" charset="0"/>
+                <a:cs typeface="Times New Roman" panose="02020603050405020304" pitchFamily="18" charset="0"/>
+              </a:rPr>
+              <a:t>Асимметричная криптосистема</a:t>
+            </a:r>
+            <a:endParaRPr lang="ru-RU" sz="4000" dirty="0">
+              <a:effectLst>
+                <a:outerShdw blurRad="38100" dist="38100" dir="2700000" algn="tl">
+                  <a:srgbClr val="000000">
+                    <a:alpha val="43137"/>
+                  </a:srgbClr>
+                </a:outerShdw>
+              </a:effectLst>
+              <a:latin typeface="Times New Roman" panose="02020603050405020304" pitchFamily="18" charset="0"/>
+              <a:cs typeface="Times New Roman" panose="02020603050405020304" pitchFamily="18" charset="0"/>
+            </a:endParaRPr>
+          </a:p>
+        </p:txBody>
+      </p:sp>
+      <p:pic>
+        <p:nvPicPr>
+          <p:cNvPr id="3" name="Рисунок 2"/>
+          <p:cNvPicPr>
+            <a:picLocks noChangeAspect="1"/>
+          </p:cNvPicPr>
+          <p:nvPr/>
+        </p:nvPicPr>
+        <p:blipFill>
+          <a:blip r:embed="rId2">
+            <a:extLst>
+              <a:ext uri="{28A0092B-C50C-407E-A947-70E740481C1C}">
+                <a14:useLocalDpi xmlns:a14="http://schemas.microsoft.com/office/drawing/2010/main" val="0"/>
+              </a:ext>
+            </a:extLst>
+          </a:blip>
+          <a:stretch>
+            <a:fillRect/>
+          </a:stretch>
+        </p:blipFill>
+        <p:spPr>
+          <a:xfrm>
+            <a:off x="852487" y="2752725"/>
+            <a:ext cx="10487025" cy="1352550"/>
+          </a:xfrm>
+          <a:prstGeom prst="rect">
+            <a:avLst/>
+          </a:prstGeom>
+        </p:spPr>
+      </p:pic>
+    </p:spTree>
+    <p:extLst>
+      <p:ext uri="{BB962C8B-B14F-4D97-AF65-F5344CB8AC3E}">
+        <p14:creationId xmlns:p14="http://schemas.microsoft.com/office/powerpoint/2010/main" val="4032593574"/>
+      </p:ext>
+    </p:extLst>
+  </p:cSld>
+  <p:clrMapOvr>
+    <a:masterClrMapping/>
+  </p:clrMapOvr>
+  <p:timing>
+    <p:tnLst>
+      <p:par>
+        <p:cTn id="1" dur="indefinite" restart="never" nodeType="tmRoot"/>
+      </p:par>
+    </p:tnLst>
+  </p:timing>
+</p:sld>
+</file>
+
+<file path=ppt/slides/slide7.xml><?xml version="1.0" encoding="utf-8"?>
+<p:sld xmlns:a="http://schemas.openxmlformats.org/drawingml/2006/main" xmlns:r="http://schemas.openxmlformats.org/officeDocument/2006/relationships" xmlns:p="http://schemas.openxmlformats.org/presentationml/2006/main">
+  <p:cSld>
+    <p:spTree>
+      <p:nvGrpSpPr>
+        <p:cNvPr id="1" name=""/>
+        <p:cNvGrpSpPr/>
+        <p:nvPr/>
+      </p:nvGrpSpPr>
+      <p:grpSpPr>
+        <a:xfrm>
+          <a:off x="0" y="0"/>
+          <a:ext cx="0" cy="0"/>
+          <a:chOff x="0" y="0"/>
+          <a:chExt cx="0" cy="0"/>
+        </a:xfrm>
+      </p:grpSpPr>
+      <p:sp>
+        <p:nvSpPr>
+          <p:cNvPr id="2" name="Заголовок 1"/>
+          <p:cNvSpPr>
+            <a:spLocks noGrp="1"/>
+          </p:cNvSpPr>
+          <p:nvPr>
+            <p:ph type="title"/>
+          </p:nvPr>
+        </p:nvSpPr>
+        <p:spPr>
+          <a:xfrm>
+            <a:off x="0" y="0"/>
+            <a:ext cx="12192000" cy="1325563"/>
+          </a:xfrm>
+        </p:spPr>
+        <p:txBody>
+          <a:bodyPr>
+            <a:normAutofit/>
+          </a:bodyPr>
+          <a:lstStyle/>
+          <a:p>
+            <a:r>
+              <a:rPr lang="ru-RU" sz="4000" dirty="0" smtClean="0">
+                <a:effectLst>
+                  <a:outerShdw blurRad="38100" dist="38100" dir="2700000" algn="tl">
+                    <a:srgbClr val="000000">
+                      <a:alpha val="43137"/>
+                    </a:srgbClr>
+                  </a:outerShdw>
+                </a:effectLst>
+                <a:latin typeface="Times New Roman" panose="02020603050405020304" pitchFamily="18" charset="0"/>
+                <a:cs typeface="Times New Roman" panose="02020603050405020304" pitchFamily="18" charset="0"/>
+              </a:rPr>
+              <a:t>Методы шифрования в программе</a:t>
+            </a:r>
+            <a:endParaRPr lang="ru-RU" sz="4000" dirty="0">
+              <a:effectLst>
+                <a:outerShdw blurRad="38100" dist="38100" dir="2700000" algn="tl">
+                  <a:srgbClr val="000000">
+                    <a:alpha val="43137"/>
+                  </a:srgbClr>
+                </a:outerShdw>
+              </a:effectLst>
+              <a:latin typeface="Times New Roman" panose="02020603050405020304" pitchFamily="18" charset="0"/>
+              <a:cs typeface="Times New Roman" panose="02020603050405020304" pitchFamily="18" charset="0"/>
+            </a:endParaRPr>
+          </a:p>
+        </p:txBody>
+      </p:sp>
+      <p:sp>
+        <p:nvSpPr>
+          <p:cNvPr id="3" name="Объект 2"/>
+          <p:cNvSpPr>
+            <a:spLocks noGrp="1"/>
+          </p:cNvSpPr>
+          <p:nvPr>
+            <p:ph idx="1"/>
+          </p:nvPr>
+        </p:nvSpPr>
+        <p:spPr>
+          <a:xfrm>
+            <a:off x="2400681" y="1585045"/>
+            <a:ext cx="7390638" cy="3687910"/>
+          </a:xfrm>
+        </p:spPr>
+        <p:txBody>
+          <a:bodyPr>
+            <a:noAutofit/>
+          </a:bodyPr>
+          <a:lstStyle/>
+          <a:p>
+            <a:pPr marL="0" lvl="0" indent="0">
               <a:buNone/>
             </a:pPr>
+            <a:r>
+              <a:rPr lang="ru-RU" sz="2400" b="1" dirty="0" smtClean="0">
+                <a:latin typeface="Times New Roman" panose="02020603050405020304" pitchFamily="18" charset="0"/>
+                <a:cs typeface="Times New Roman" panose="02020603050405020304" pitchFamily="18" charset="0"/>
+              </a:rPr>
+              <a:t>Симметричные:</a:t>
+            </a:r>
+          </a:p>
+          <a:p>
+            <a:pPr marL="457200" lvl="0" indent="-457200">
+              <a:buFont typeface="+mj-lt"/>
+              <a:buAutoNum type="arabicParenR"/>
+            </a:pPr>
+            <a:r>
+              <a:rPr lang="ru-RU" sz="2400" dirty="0">
+                <a:latin typeface="Times New Roman" panose="02020603050405020304" pitchFamily="18" charset="0"/>
+                <a:cs typeface="Times New Roman" panose="02020603050405020304" pitchFamily="18" charset="0"/>
+              </a:rPr>
+              <a:t>транспозиция (шифр перестановки);</a:t>
+            </a:r>
+          </a:p>
+          <a:p>
+            <a:pPr marL="457200" lvl="0" indent="-457200">
+              <a:buFont typeface="+mj-lt"/>
+              <a:buAutoNum type="arabicParenR"/>
+            </a:pPr>
+            <a:r>
+              <a:rPr lang="ru-RU" sz="2400" dirty="0" err="1" smtClean="0">
+                <a:latin typeface="Times New Roman" panose="02020603050405020304" pitchFamily="18" charset="0"/>
+                <a:cs typeface="Times New Roman" panose="02020603050405020304" pitchFamily="18" charset="0"/>
+              </a:rPr>
+              <a:t>моноалфавитный</a:t>
+            </a:r>
+            <a:r>
+              <a:rPr lang="ru-RU" sz="2400" dirty="0" smtClean="0">
+                <a:latin typeface="Times New Roman" panose="02020603050405020304" pitchFamily="18" charset="0"/>
+                <a:cs typeface="Times New Roman" panose="02020603050405020304" pitchFamily="18" charset="0"/>
+              </a:rPr>
+              <a:t> шифр (шифр простой замены);</a:t>
+            </a:r>
+            <a:endParaRPr lang="ru-RU" sz="2400" dirty="0">
+              <a:latin typeface="Times New Roman" panose="02020603050405020304" pitchFamily="18" charset="0"/>
+              <a:cs typeface="Times New Roman" panose="02020603050405020304" pitchFamily="18" charset="0"/>
+            </a:endParaRPr>
+          </a:p>
+          <a:p>
+            <a:pPr marL="457200" indent="-457200">
+              <a:buFont typeface="+mj-lt"/>
+              <a:buAutoNum type="arabicParenR"/>
+            </a:pPr>
+            <a:r>
+              <a:rPr lang="ru-RU" sz="2400" dirty="0" err="1" smtClean="0">
+                <a:latin typeface="Times New Roman" panose="02020603050405020304" pitchFamily="18" charset="0"/>
+                <a:cs typeface="Times New Roman" panose="02020603050405020304" pitchFamily="18" charset="0"/>
+              </a:rPr>
+              <a:t>полиалфавитный</a:t>
+            </a:r>
+            <a:r>
+              <a:rPr lang="ru-RU" sz="2400" dirty="0" smtClean="0">
+                <a:latin typeface="Times New Roman" panose="02020603050405020304" pitchFamily="18" charset="0"/>
+                <a:cs typeface="Times New Roman" panose="02020603050405020304" pitchFamily="18" charset="0"/>
+              </a:rPr>
+              <a:t> шифр (многоалфавитный шифр);</a:t>
+            </a:r>
+          </a:p>
+          <a:p>
+            <a:pPr marL="457200" lvl="0" indent="-457200">
+              <a:buFont typeface="+mj-lt"/>
+              <a:buAutoNum type="arabicParenR"/>
+            </a:pPr>
+            <a:r>
+              <a:rPr lang="ru-RU" sz="2400" dirty="0" smtClean="0">
+                <a:latin typeface="Times New Roman" panose="02020603050405020304" pitchFamily="18" charset="0"/>
+                <a:cs typeface="Times New Roman" panose="02020603050405020304" pitchFamily="18" charset="0"/>
+              </a:rPr>
+              <a:t>исключающее ИЛИ (</a:t>
+            </a:r>
+            <a:r>
+              <a:rPr lang="en-US" sz="2400" dirty="0" smtClean="0">
+                <a:latin typeface="Times New Roman" panose="02020603050405020304" pitchFamily="18" charset="0"/>
+                <a:cs typeface="Times New Roman" panose="02020603050405020304" pitchFamily="18" charset="0"/>
+              </a:rPr>
+              <a:t>XOR</a:t>
+            </a:r>
+            <a:r>
+              <a:rPr lang="ru-RU" sz="2400" dirty="0" smtClean="0">
+                <a:latin typeface="Times New Roman" panose="02020603050405020304" pitchFamily="18" charset="0"/>
+                <a:cs typeface="Times New Roman" panose="02020603050405020304" pitchFamily="18" charset="0"/>
+              </a:rPr>
+              <a:t>);</a:t>
+            </a:r>
+          </a:p>
+          <a:p>
+            <a:pPr marL="457200" lvl="0" indent="-457200">
+              <a:buFont typeface="+mj-lt"/>
+              <a:buAutoNum type="arabicParenR"/>
+            </a:pPr>
+            <a:r>
+              <a:rPr lang="ru-RU" sz="2400" dirty="0" smtClean="0">
+                <a:latin typeface="Times New Roman" panose="02020603050405020304" pitchFamily="18" charset="0"/>
+                <a:cs typeface="Times New Roman" panose="02020603050405020304" pitchFamily="18" charset="0"/>
+              </a:rPr>
+              <a:t>шифр </a:t>
+            </a:r>
+            <a:r>
+              <a:rPr lang="ru-RU" sz="2400" dirty="0" err="1" smtClean="0">
+                <a:latin typeface="Times New Roman" panose="02020603050405020304" pitchFamily="18" charset="0"/>
+                <a:cs typeface="Times New Roman" panose="02020603050405020304" pitchFamily="18" charset="0"/>
+              </a:rPr>
+              <a:t>Вернама</a:t>
+            </a:r>
+            <a:r>
+              <a:rPr lang="ru-RU" sz="2400" dirty="0" smtClean="0">
+                <a:latin typeface="Times New Roman" panose="02020603050405020304" pitchFamily="18" charset="0"/>
+                <a:cs typeface="Times New Roman" panose="02020603050405020304" pitchFamily="18" charset="0"/>
+              </a:rPr>
+              <a:t> (одноразовый блокнот).</a:t>
+            </a:r>
+          </a:p>
+          <a:p>
+            <a:pPr marL="0" lvl="0" indent="0">
+              <a:buNone/>
+            </a:pPr>
+            <a:r>
+              <a:rPr lang="ru-RU" sz="2400" b="1" dirty="0" smtClean="0">
+                <a:latin typeface="Times New Roman" panose="02020603050405020304" pitchFamily="18" charset="0"/>
+                <a:cs typeface="Times New Roman" panose="02020603050405020304" pitchFamily="18" charset="0"/>
+              </a:rPr>
+              <a:t>Асимметричные:</a:t>
+            </a:r>
             <a:endParaRPr lang="ru-RU" sz="2400" b="1" dirty="0">
               <a:latin typeface="Times New Roman" panose="02020603050405020304" pitchFamily="18" charset="0"/>
               <a:cs typeface="Times New Roman" panose="02020603050405020304" pitchFamily="18" charset="0"/>
             </a:endParaRPr>
           </a:p>
+          <a:p>
+            <a:pPr marL="457200" lvl="0" indent="-457200">
+              <a:buFont typeface="+mj-lt"/>
+              <a:buAutoNum type="arabicParenR"/>
+            </a:pPr>
+            <a:r>
+              <a:rPr lang="en-US" sz="2400" dirty="0" err="1">
+                <a:latin typeface="Times New Roman" panose="02020603050405020304" pitchFamily="18" charset="0"/>
+                <a:cs typeface="Times New Roman" panose="02020603050405020304" pitchFamily="18" charset="0"/>
+              </a:rPr>
+              <a:t>Rivest</a:t>
+            </a:r>
+            <a:r>
+              <a:rPr lang="en-US" sz="2400" dirty="0">
+                <a:latin typeface="Times New Roman" panose="02020603050405020304" pitchFamily="18" charset="0"/>
+                <a:cs typeface="Times New Roman" panose="02020603050405020304" pitchFamily="18" charset="0"/>
+              </a:rPr>
+              <a:t>, </a:t>
+            </a:r>
+            <a:r>
+              <a:rPr lang="en-US" sz="2400" dirty="0" smtClean="0">
+                <a:latin typeface="Times New Roman" panose="02020603050405020304" pitchFamily="18" charset="0"/>
+                <a:cs typeface="Times New Roman" panose="02020603050405020304" pitchFamily="18" charset="0"/>
+              </a:rPr>
+              <a:t>Shamir, </a:t>
+            </a:r>
+            <a:r>
+              <a:rPr lang="en-US" sz="2400" dirty="0" err="1" smtClean="0">
+                <a:latin typeface="Times New Roman" panose="02020603050405020304" pitchFamily="18" charset="0"/>
+                <a:cs typeface="Times New Roman" panose="02020603050405020304" pitchFamily="18" charset="0"/>
+              </a:rPr>
+              <a:t>Adleman</a:t>
+            </a:r>
+            <a:r>
+              <a:rPr lang="en-US" sz="2400" dirty="0" smtClean="0">
+                <a:latin typeface="Times New Roman" panose="02020603050405020304" pitchFamily="18" charset="0"/>
+                <a:cs typeface="Times New Roman" panose="02020603050405020304" pitchFamily="18" charset="0"/>
+              </a:rPr>
+              <a:t> (RSA)</a:t>
+            </a:r>
+            <a:r>
+              <a:rPr lang="ru-RU" sz="2400" dirty="0" smtClean="0">
+                <a:latin typeface="Times New Roman" panose="02020603050405020304" pitchFamily="18" charset="0"/>
+                <a:cs typeface="Times New Roman" panose="02020603050405020304" pitchFamily="18" charset="0"/>
+              </a:rPr>
+              <a:t>.</a:t>
+            </a:r>
+            <a:endParaRPr lang="ru-RU" sz="2400" dirty="0">
+              <a:latin typeface="Times New Roman" panose="02020603050405020304" pitchFamily="18" charset="0"/>
+              <a:cs typeface="Times New Roman" panose="02020603050405020304" pitchFamily="18" charset="0"/>
+            </a:endParaRPr>
+          </a:p>
         </p:txBody>
       </p:sp>
     </p:spTree>
     <p:extLst>
       <p:ext uri="{BB962C8B-B14F-4D97-AF65-F5344CB8AC3E}">
-        <p14:creationId xmlns:p14="http://schemas.microsoft.com/office/powerpoint/2010/main" val="3339617309"/>
+        <p14:creationId xmlns:p14="http://schemas.microsoft.com/office/powerpoint/2010/main" val="2292258435"/>
+      </p:ext>
+    </p:extLst>
+  </p:cSld>
+  <p:clrMapOvr>
+    <a:masterClrMapping/>
+  </p:clrMapOvr>
+  <p:timing>
+    <p:tnLst>
+      <p:par>
+        <p:cTn id="1" dur="indefinite" restart="never" nodeType="tmRoot"/>
+      </p:par>
+    </p:tnLst>
+  </p:timing>
+</p:sld>
+</file>
+
+<file path=ppt/slides/slide8.xml><?xml version="1.0" encoding="utf-8"?>
+<p:sld xmlns:a="http://schemas.openxmlformats.org/drawingml/2006/main" xmlns:r="http://schemas.openxmlformats.org/officeDocument/2006/relationships" xmlns:p="http://schemas.openxmlformats.org/presentationml/2006/main">
+  <p:cSld>
+    <p:spTree>
+      <p:nvGrpSpPr>
+        <p:cNvPr id="1" name=""/>
+        <p:cNvGrpSpPr/>
+        <p:nvPr/>
+      </p:nvGrpSpPr>
+      <p:grpSpPr>
+        <a:xfrm>
+          <a:off x="0" y="0"/>
+          <a:ext cx="0" cy="0"/>
+          <a:chOff x="0" y="0"/>
+          <a:chExt cx="0" cy="0"/>
+        </a:xfrm>
+      </p:grpSpPr>
+      <p:sp>
+        <p:nvSpPr>
+          <p:cNvPr id="2" name="Заголовок 1"/>
+          <p:cNvSpPr>
+            <a:spLocks noGrp="1"/>
+          </p:cNvSpPr>
+          <p:nvPr>
+            <p:ph type="title"/>
+          </p:nvPr>
+        </p:nvSpPr>
+        <p:spPr>
+          <a:xfrm>
+            <a:off x="0" y="0"/>
+            <a:ext cx="12192000" cy="1325563"/>
+          </a:xfrm>
+        </p:spPr>
+        <p:txBody>
+          <a:bodyPr>
+            <a:normAutofit/>
+          </a:bodyPr>
+          <a:lstStyle/>
+          <a:p>
+            <a:r>
+              <a:rPr lang="ru-RU" sz="4000" dirty="0" smtClean="0">
+                <a:effectLst>
+                  <a:outerShdw blurRad="38100" dist="38100" dir="2700000" algn="tl">
+                    <a:srgbClr val="000000">
+                      <a:alpha val="43137"/>
+                    </a:srgbClr>
+                  </a:outerShdw>
+                </a:effectLst>
+                <a:latin typeface="Times New Roman" panose="02020603050405020304" pitchFamily="18" charset="0"/>
+                <a:cs typeface="Times New Roman" panose="02020603050405020304" pitchFamily="18" charset="0"/>
+              </a:rPr>
+              <a:t>Контекстная диаграмма потоков данных</a:t>
+            </a:r>
+            <a:endParaRPr lang="ru-RU" sz="4000" dirty="0">
+              <a:effectLst>
+                <a:outerShdw blurRad="38100" dist="38100" dir="2700000" algn="tl">
+                  <a:srgbClr val="000000">
+                    <a:alpha val="43137"/>
+                  </a:srgbClr>
+                </a:outerShdw>
+              </a:effectLst>
+              <a:latin typeface="Times New Roman" panose="02020603050405020304" pitchFamily="18" charset="0"/>
+              <a:cs typeface="Times New Roman" panose="02020603050405020304" pitchFamily="18" charset="0"/>
+            </a:endParaRPr>
+          </a:p>
+        </p:txBody>
+      </p:sp>
+      <p:pic>
+        <p:nvPicPr>
+          <p:cNvPr id="3" name="Рисунок 2"/>
+          <p:cNvPicPr/>
+          <p:nvPr/>
+        </p:nvPicPr>
+        <p:blipFill>
+          <a:blip r:embed="rId2" cstate="print">
+            <a:extLst>
+              <a:ext uri="{28A0092B-C50C-407E-A947-70E740481C1C}">
+                <a14:useLocalDpi xmlns:a14="http://schemas.microsoft.com/office/drawing/2010/main" val="0"/>
+              </a:ext>
+            </a:extLst>
+          </a:blip>
+          <a:srcRect/>
+          <a:stretch>
+            <a:fillRect/>
+          </a:stretch>
+        </p:blipFill>
+        <p:spPr bwMode="auto">
+          <a:xfrm>
+            <a:off x="2421775" y="1563624"/>
+            <a:ext cx="7348451" cy="3730752"/>
+          </a:xfrm>
+          <a:prstGeom prst="rect">
+            <a:avLst/>
+          </a:prstGeom>
+          <a:noFill/>
+          <a:ln>
+            <a:noFill/>
+          </a:ln>
+        </p:spPr>
+      </p:pic>
+    </p:spTree>
+    <p:extLst>
+      <p:ext uri="{BB962C8B-B14F-4D97-AF65-F5344CB8AC3E}">
+        <p14:creationId xmlns:p14="http://schemas.microsoft.com/office/powerpoint/2010/main" val="1193432764"/>
+      </p:ext>
+    </p:extLst>
+  </p:cSld>
+  <p:clrMapOvr>
+    <a:masterClrMapping/>
+  </p:clrMapOvr>
+  <p:timing>
+    <p:tnLst>
+      <p:par>
+        <p:cTn id="1" dur="indefinite" restart="never" nodeType="tmRoot"/>
+      </p:par>
+    </p:tnLst>
+  </p:timing>
+</p:sld>
+</file>
+
+<file path=ppt/slides/slide9.xml><?xml version="1.0" encoding="utf-8"?>
+<p:sld xmlns:a="http://schemas.openxmlformats.org/drawingml/2006/main" xmlns:r="http://schemas.openxmlformats.org/officeDocument/2006/relationships" xmlns:p="http://schemas.openxmlformats.org/presentationml/2006/main">
+  <p:cSld>
+    <p:spTree>
+      <p:nvGrpSpPr>
+        <p:cNvPr id="1" name=""/>
+        <p:cNvGrpSpPr/>
+        <p:nvPr/>
+      </p:nvGrpSpPr>
+      <p:grpSpPr>
+        <a:xfrm>
+          <a:off x="0" y="0"/>
+          <a:ext cx="0" cy="0"/>
+          <a:chOff x="0" y="0"/>
+          <a:chExt cx="0" cy="0"/>
+        </a:xfrm>
+      </p:grpSpPr>
+      <p:sp>
+        <p:nvSpPr>
+          <p:cNvPr id="2" name="Заголовок 1"/>
+          <p:cNvSpPr>
+            <a:spLocks noGrp="1"/>
+          </p:cNvSpPr>
+          <p:nvPr>
+            <p:ph type="title"/>
+          </p:nvPr>
+        </p:nvSpPr>
+        <p:spPr>
+          <a:xfrm>
+            <a:off x="0" y="0"/>
+            <a:ext cx="12192000" cy="1325563"/>
+          </a:xfrm>
+        </p:spPr>
+        <p:txBody>
+          <a:bodyPr>
+            <a:normAutofit/>
+          </a:bodyPr>
+          <a:lstStyle/>
+          <a:p>
+            <a:r>
+              <a:rPr lang="ru-RU" sz="4000" dirty="0" smtClean="0">
+                <a:effectLst>
+                  <a:outerShdw blurRad="38100" dist="38100" dir="2700000" algn="tl">
+                    <a:srgbClr val="000000">
+                      <a:alpha val="43137"/>
+                    </a:srgbClr>
+                  </a:outerShdw>
+                </a:effectLst>
+                <a:latin typeface="Times New Roman" panose="02020603050405020304" pitchFamily="18" charset="0"/>
+                <a:cs typeface="Times New Roman" panose="02020603050405020304" pitchFamily="18" charset="0"/>
+              </a:rPr>
+              <a:t>Контекстная функциональная диаграмма</a:t>
+            </a:r>
+            <a:endParaRPr lang="ru-RU" sz="4000" dirty="0">
+              <a:effectLst>
+                <a:outerShdw blurRad="38100" dist="38100" dir="2700000" algn="tl">
+                  <a:srgbClr val="000000">
+                    <a:alpha val="43137"/>
+                  </a:srgbClr>
+                </a:outerShdw>
+              </a:effectLst>
+              <a:latin typeface="Times New Roman" panose="02020603050405020304" pitchFamily="18" charset="0"/>
+              <a:cs typeface="Times New Roman" panose="02020603050405020304" pitchFamily="18" charset="0"/>
+            </a:endParaRPr>
+          </a:p>
+        </p:txBody>
+      </p:sp>
+      <p:pic>
+        <p:nvPicPr>
+          <p:cNvPr id="3" name="Рисунок 2"/>
+          <p:cNvPicPr/>
+          <p:nvPr/>
+        </p:nvPicPr>
+        <p:blipFill>
+          <a:blip r:embed="rId2" cstate="print">
+            <a:extLst>
+              <a:ext uri="{28A0092B-C50C-407E-A947-70E740481C1C}">
+                <a14:useLocalDpi xmlns:a14="http://schemas.microsoft.com/office/drawing/2010/main" val="0"/>
+              </a:ext>
+            </a:extLst>
+          </a:blip>
+          <a:srcRect/>
+          <a:stretch>
+            <a:fillRect/>
+          </a:stretch>
+        </p:blipFill>
+        <p:spPr bwMode="auto">
+          <a:xfrm>
+            <a:off x="2282831" y="1781969"/>
+            <a:ext cx="7626339" cy="3294063"/>
+          </a:xfrm>
+          <a:prstGeom prst="rect">
+            <a:avLst/>
+          </a:prstGeom>
+          <a:noFill/>
+          <a:ln>
+            <a:noFill/>
+          </a:ln>
+        </p:spPr>
+      </p:pic>
+    </p:spTree>
+    <p:extLst>
+      <p:ext uri="{BB962C8B-B14F-4D97-AF65-F5344CB8AC3E}">
+        <p14:creationId xmlns:p14="http://schemas.microsoft.com/office/powerpoint/2010/main" val="2634766537"/>
       </p:ext>
     </p:extLst>
   </p:cSld>

--- a/Documentation/Презентация к защите.pptx
+++ b/Documentation/Презентация к защите.pptx
@@ -255,7 +255,7 @@
           <a:p>
             <a:fld id="{13AB8811-2AAB-419B-BBE2-BFA2B9063CD6}" type="datetimeFigureOut">
               <a:rPr lang="ru-RU" smtClean="0"/>
-              <a:t>14.06.2019</a:t>
+              <a:t>15.06.2019</a:t>
             </a:fld>
             <a:endParaRPr lang="ru-RU"/>
           </a:p>
@@ -425,7 +425,7 @@
           <a:p>
             <a:fld id="{13AB8811-2AAB-419B-BBE2-BFA2B9063CD6}" type="datetimeFigureOut">
               <a:rPr lang="ru-RU" smtClean="0"/>
-              <a:t>14.06.2019</a:t>
+              <a:t>15.06.2019</a:t>
             </a:fld>
             <a:endParaRPr lang="ru-RU"/>
           </a:p>
@@ -605,7 +605,7 @@
           <a:p>
             <a:fld id="{13AB8811-2AAB-419B-BBE2-BFA2B9063CD6}" type="datetimeFigureOut">
               <a:rPr lang="ru-RU" smtClean="0"/>
-              <a:t>14.06.2019</a:t>
+              <a:t>15.06.2019</a:t>
             </a:fld>
             <a:endParaRPr lang="ru-RU"/>
           </a:p>
@@ -775,7 +775,7 @@
           <a:p>
             <a:fld id="{13AB8811-2AAB-419B-BBE2-BFA2B9063CD6}" type="datetimeFigureOut">
               <a:rPr lang="ru-RU" smtClean="0"/>
-              <a:t>14.06.2019</a:t>
+              <a:t>15.06.2019</a:t>
             </a:fld>
             <a:endParaRPr lang="ru-RU"/>
           </a:p>
@@ -1021,7 +1021,7 @@
           <a:p>
             <a:fld id="{13AB8811-2AAB-419B-BBE2-BFA2B9063CD6}" type="datetimeFigureOut">
               <a:rPr lang="ru-RU" smtClean="0"/>
-              <a:t>14.06.2019</a:t>
+              <a:t>15.06.2019</a:t>
             </a:fld>
             <a:endParaRPr lang="ru-RU"/>
           </a:p>
@@ -1253,7 +1253,7 @@
           <a:p>
             <a:fld id="{13AB8811-2AAB-419B-BBE2-BFA2B9063CD6}" type="datetimeFigureOut">
               <a:rPr lang="ru-RU" smtClean="0"/>
-              <a:t>14.06.2019</a:t>
+              <a:t>15.06.2019</a:t>
             </a:fld>
             <a:endParaRPr lang="ru-RU"/>
           </a:p>
@@ -1620,7 +1620,7 @@
           <a:p>
             <a:fld id="{13AB8811-2AAB-419B-BBE2-BFA2B9063CD6}" type="datetimeFigureOut">
               <a:rPr lang="ru-RU" smtClean="0"/>
-              <a:t>14.06.2019</a:t>
+              <a:t>15.06.2019</a:t>
             </a:fld>
             <a:endParaRPr lang="ru-RU"/>
           </a:p>
@@ -1738,7 +1738,7 @@
           <a:p>
             <a:fld id="{13AB8811-2AAB-419B-BBE2-BFA2B9063CD6}" type="datetimeFigureOut">
               <a:rPr lang="ru-RU" smtClean="0"/>
-              <a:t>14.06.2019</a:t>
+              <a:t>15.06.2019</a:t>
             </a:fld>
             <a:endParaRPr lang="ru-RU"/>
           </a:p>
@@ -1833,7 +1833,7 @@
           <a:p>
             <a:fld id="{13AB8811-2AAB-419B-BBE2-BFA2B9063CD6}" type="datetimeFigureOut">
               <a:rPr lang="ru-RU" smtClean="0"/>
-              <a:t>14.06.2019</a:t>
+              <a:t>15.06.2019</a:t>
             </a:fld>
             <a:endParaRPr lang="ru-RU"/>
           </a:p>
@@ -2110,7 +2110,7 @@
           <a:p>
             <a:fld id="{13AB8811-2AAB-419B-BBE2-BFA2B9063CD6}" type="datetimeFigureOut">
               <a:rPr lang="ru-RU" smtClean="0"/>
-              <a:t>14.06.2019</a:t>
+              <a:t>15.06.2019</a:t>
             </a:fld>
             <a:endParaRPr lang="ru-RU"/>
           </a:p>
@@ -2363,7 +2363,7 @@
           <a:p>
             <a:fld id="{13AB8811-2AAB-419B-BBE2-BFA2B9063CD6}" type="datetimeFigureOut">
               <a:rPr lang="ru-RU" smtClean="0"/>
-              <a:t>14.06.2019</a:t>
+              <a:t>15.06.2019</a:t>
             </a:fld>
             <a:endParaRPr lang="ru-RU"/>
           </a:p>
@@ -2576,7 +2576,7 @@
           <a:p>
             <a:fld id="{13AB8811-2AAB-419B-BBE2-BFA2B9063CD6}" type="datetimeFigureOut">
               <a:rPr lang="ru-RU" smtClean="0"/>
-              <a:t>14.06.2019</a:t>
+              <a:t>15.06.2019</a:t>
             </a:fld>
             <a:endParaRPr lang="ru-RU"/>
           </a:p>
@@ -4535,7 +4535,7 @@
                 <a:latin typeface="Times New Roman" panose="02020603050405020304" pitchFamily="18" charset="0"/>
                 <a:cs typeface="Times New Roman" panose="02020603050405020304" pitchFamily="18" charset="0"/>
               </a:rPr>
-              <a:t>Предмет и объект исследования</a:t>
+              <a:t>Объект и предмет исследования</a:t>
             </a:r>
             <a:endParaRPr lang="ru-RU" sz="4000" dirty="0">
               <a:effectLst>

--- a/Documentation/Презентация к защите.pptx
+++ b/Documentation/Презентация к защите.pptx
@@ -255,7 +255,7 @@
           <a:p>
             <a:fld id="{13AB8811-2AAB-419B-BBE2-BFA2B9063CD6}" type="datetimeFigureOut">
               <a:rPr lang="ru-RU" smtClean="0"/>
-              <a:t>15.06.2019</a:t>
+              <a:t>16.06.2019</a:t>
             </a:fld>
             <a:endParaRPr lang="ru-RU"/>
           </a:p>
@@ -425,7 +425,7 @@
           <a:p>
             <a:fld id="{13AB8811-2AAB-419B-BBE2-BFA2B9063CD6}" type="datetimeFigureOut">
               <a:rPr lang="ru-RU" smtClean="0"/>
-              <a:t>15.06.2019</a:t>
+              <a:t>16.06.2019</a:t>
             </a:fld>
             <a:endParaRPr lang="ru-RU"/>
           </a:p>
@@ -605,7 +605,7 @@
           <a:p>
             <a:fld id="{13AB8811-2AAB-419B-BBE2-BFA2B9063CD6}" type="datetimeFigureOut">
               <a:rPr lang="ru-RU" smtClean="0"/>
-              <a:t>15.06.2019</a:t>
+              <a:t>16.06.2019</a:t>
             </a:fld>
             <a:endParaRPr lang="ru-RU"/>
           </a:p>
@@ -775,7 +775,7 @@
           <a:p>
             <a:fld id="{13AB8811-2AAB-419B-BBE2-BFA2B9063CD6}" type="datetimeFigureOut">
               <a:rPr lang="ru-RU" smtClean="0"/>
-              <a:t>15.06.2019</a:t>
+              <a:t>16.06.2019</a:t>
             </a:fld>
             <a:endParaRPr lang="ru-RU"/>
           </a:p>
@@ -1021,7 +1021,7 @@
           <a:p>
             <a:fld id="{13AB8811-2AAB-419B-BBE2-BFA2B9063CD6}" type="datetimeFigureOut">
               <a:rPr lang="ru-RU" smtClean="0"/>
-              <a:t>15.06.2019</a:t>
+              <a:t>16.06.2019</a:t>
             </a:fld>
             <a:endParaRPr lang="ru-RU"/>
           </a:p>
@@ -1253,7 +1253,7 @@
           <a:p>
             <a:fld id="{13AB8811-2AAB-419B-BBE2-BFA2B9063CD6}" type="datetimeFigureOut">
               <a:rPr lang="ru-RU" smtClean="0"/>
-              <a:t>15.06.2019</a:t>
+              <a:t>16.06.2019</a:t>
             </a:fld>
             <a:endParaRPr lang="ru-RU"/>
           </a:p>
@@ -1620,7 +1620,7 @@
           <a:p>
             <a:fld id="{13AB8811-2AAB-419B-BBE2-BFA2B9063CD6}" type="datetimeFigureOut">
               <a:rPr lang="ru-RU" smtClean="0"/>
-              <a:t>15.06.2019</a:t>
+              <a:t>16.06.2019</a:t>
             </a:fld>
             <a:endParaRPr lang="ru-RU"/>
           </a:p>
@@ -1738,7 +1738,7 @@
           <a:p>
             <a:fld id="{13AB8811-2AAB-419B-BBE2-BFA2B9063CD6}" type="datetimeFigureOut">
               <a:rPr lang="ru-RU" smtClean="0"/>
-              <a:t>15.06.2019</a:t>
+              <a:t>16.06.2019</a:t>
             </a:fld>
             <a:endParaRPr lang="ru-RU"/>
           </a:p>
@@ -1833,7 +1833,7 @@
           <a:p>
             <a:fld id="{13AB8811-2AAB-419B-BBE2-BFA2B9063CD6}" type="datetimeFigureOut">
               <a:rPr lang="ru-RU" smtClean="0"/>
-              <a:t>15.06.2019</a:t>
+              <a:t>16.06.2019</a:t>
             </a:fld>
             <a:endParaRPr lang="ru-RU"/>
           </a:p>
@@ -2110,7 +2110,7 @@
           <a:p>
             <a:fld id="{13AB8811-2AAB-419B-BBE2-BFA2B9063CD6}" type="datetimeFigureOut">
               <a:rPr lang="ru-RU" smtClean="0"/>
-              <a:t>15.06.2019</a:t>
+              <a:t>16.06.2019</a:t>
             </a:fld>
             <a:endParaRPr lang="ru-RU"/>
           </a:p>
@@ -2363,7 +2363,7 @@
           <a:p>
             <a:fld id="{13AB8811-2AAB-419B-BBE2-BFA2B9063CD6}" type="datetimeFigureOut">
               <a:rPr lang="ru-RU" smtClean="0"/>
-              <a:t>15.06.2019</a:t>
+              <a:t>16.06.2019</a:t>
             </a:fld>
             <a:endParaRPr lang="ru-RU"/>
           </a:p>
@@ -2576,7 +2576,7 @@
           <a:p>
             <a:fld id="{13AB8811-2AAB-419B-BBE2-BFA2B9063CD6}" type="datetimeFigureOut">
               <a:rPr lang="ru-RU" smtClean="0"/>
-              <a:t>15.06.2019</a:t>
+              <a:t>16.06.2019</a:t>
             </a:fld>
             <a:endParaRPr lang="ru-RU"/>
           </a:p>
@@ -5248,18 +5248,11 @@
               <a:t>Цель проекта: </a:t>
             </a:r>
             <a:r>
-              <a:rPr lang="ru-RU" sz="2400" dirty="0">
-                <a:latin typeface="Times New Roman" panose="02020603050405020304" pitchFamily="18" charset="0"/>
-                <a:cs typeface="Times New Roman" panose="02020603050405020304" pitchFamily="18" charset="0"/>
-              </a:rPr>
-              <a:t>разработка программы шифрования </a:t>
-            </a:r>
-            <a:r>
               <a:rPr lang="ru-RU" sz="2400" dirty="0" smtClean="0">
                 <a:latin typeface="Times New Roman" panose="02020603050405020304" pitchFamily="18" charset="0"/>
                 <a:cs typeface="Times New Roman" panose="02020603050405020304" pitchFamily="18" charset="0"/>
               </a:rPr>
-              <a:t>файлов</a:t>
+              <a:t>разработать программу шифрования файлов</a:t>
             </a:r>
             <a:r>
               <a:rPr lang="en-US" sz="2400" dirty="0" smtClean="0">
@@ -5273,15 +5266,12 @@
                 <a:latin typeface="Times New Roman" panose="02020603050405020304" pitchFamily="18" charset="0"/>
                 <a:cs typeface="Times New Roman" panose="02020603050405020304" pitchFamily="18" charset="0"/>
               </a:rPr>
-              <a:t>которая </a:t>
-            </a:r>
-            <a:r>
-              <a:rPr lang="ru-RU" sz="2400" dirty="0">
-                <a:latin typeface="Times New Roman" panose="02020603050405020304" pitchFamily="18" charset="0"/>
-                <a:cs typeface="Times New Roman" panose="02020603050405020304" pitchFamily="18" charset="0"/>
-              </a:rPr>
-              <a:t>позволила бы пользователю защитить желаемую информацию наиболее эффективными методами</a:t>
-            </a:r>
+              <a:t>которая позволила бы пользователю защитить желаемую информацию наиболее эффективными методами</a:t>
+            </a:r>
+            <a:endParaRPr lang="ru-RU" sz="2400" dirty="0">
+              <a:latin typeface="Times New Roman" panose="02020603050405020304" pitchFamily="18" charset="0"/>
+              <a:cs typeface="Times New Roman" panose="02020603050405020304" pitchFamily="18" charset="0"/>
+            </a:endParaRPr>
           </a:p>
         </p:txBody>
       </p:sp>
